--- a/docs/Сайт «КнигаПоиск» Презентация.pptx
+++ b/docs/Сайт «КнигаПоиск» Презентация.pptx
@@ -2,7 +2,7 @@
 <file path=ppt/presentation.xml><?xml version="1.0" encoding="utf-8"?>
 <p:presentation xmlns:a="http://schemas.openxmlformats.org/drawingml/2006/main" xmlns:r="http://schemas.openxmlformats.org/officeDocument/2006/relationships" xmlns:p="http://schemas.openxmlformats.org/presentationml/2006/main" saveSubsetFonts="1">
   <p:sldMasterIdLst>
-    <p:sldMasterId id="2147483648" r:id="rId1"/>
+    <p:sldMasterId id="2147483660" r:id="rId1"/>
   </p:sldMasterIdLst>
   <p:sldIdLst>
     <p:sldId id="256" r:id="rId2"/>
@@ -107,11 +107,16 @@
       </a:defRPr>
     </a:lvl9pPr>
   </p:defaultTextStyle>
+  <p:extLst>
+    <p:ext uri="{EFAFB233-063F-42B5-8137-9DF3F51BA10A}">
+      <p15:sldGuideLst xmlns:p15="http://schemas.microsoft.com/office/powerpoint/2012/main"/>
+    </p:ext>
+  </p:extLst>
 </p:presentation>
 </file>
 
 <file path=ppt/slideLayouts/slideLayout1.xml><?xml version="1.0" encoding="utf-8"?>
-<p:sldLayout xmlns:a="http://schemas.openxmlformats.org/drawingml/2006/main" xmlns:r="http://schemas.openxmlformats.org/officeDocument/2006/relationships" xmlns:p="http://schemas.openxmlformats.org/presentationml/2006/main" type="title" preserve="1">
+<p:sldLayout xmlns:a="http://schemas.openxmlformats.org/drawingml/2006/main" xmlns:r="http://schemas.openxmlformats.org/officeDocument/2006/relationships" xmlns:p="http://schemas.openxmlformats.org/presentationml/2006/main" showMasterSp="0" type="title" preserve="1">
   <p:cSld name="Титульный слайд">
     <p:spTree>
       <p:nvGrpSpPr>
@@ -127,15 +132,146 @@
           <a:chExt cx="0" cy="0"/>
         </a:xfrm>
       </p:grpSpPr>
-      <p:sp>
-        <p:nvSpPr>
-          <p:cNvPr id="2" name="Заголовок 1">
-            <a:extLst>
-              <a:ext uri="{FF2B5EF4-FFF2-40B4-BE49-F238E27FC236}">
-                <a16:creationId xmlns:a16="http://schemas.microsoft.com/office/drawing/2014/main" id="{64F42292-528B-ABE5-16CF-A57F21A53A5C}"/>
-              </a:ext>
-            </a:extLst>
-          </p:cNvPr>
+      <p:grpSp>
+        <p:nvGrpSpPr>
+          <p:cNvPr id="7" name="Group 6"/>
+          <p:cNvGrpSpPr/>
+          <p:nvPr/>
+        </p:nvGrpSpPr>
+        <p:grpSpPr>
+          <a:xfrm>
+            <a:off x="-16934" y="0"/>
+            <a:ext cx="12231160" cy="6856214"/>
+            <a:chOff x="-16934" y="0"/>
+            <a:chExt cx="12231160" cy="6856214"/>
+          </a:xfrm>
+        </p:grpSpPr>
+        <p:pic>
+          <p:nvPicPr>
+            <p:cNvPr id="16" name="Picture 15" descr="HD-PanelTitleR1.png"/>
+            <p:cNvPicPr>
+              <a:picLocks noChangeAspect="1"/>
+            </p:cNvPicPr>
+            <p:nvPr/>
+          </p:nvPicPr>
+          <p:blipFill>
+            <a:blip r:embed="rId2">
+              <a:extLst>
+                <a:ext uri="{28A0092B-C50C-407E-A947-70E740481C1C}">
+                  <a14:useLocalDpi xmlns:a14="http://schemas.microsoft.com/office/drawing/2010/main" val="0"/>
+                </a:ext>
+              </a:extLst>
+            </a:blip>
+            <a:stretch>
+              <a:fillRect/>
+            </a:stretch>
+          </p:blipFill>
+          <p:spPr>
+            <a:xfrm>
+              <a:off x="0" y="0"/>
+              <a:ext cx="12188825" cy="6856214"/>
+            </a:xfrm>
+            <a:prstGeom prst="rect">
+              <a:avLst/>
+            </a:prstGeom>
+          </p:spPr>
+        </p:pic>
+        <p:sp>
+          <p:nvSpPr>
+            <p:cNvPr id="26" name="Rectangle 25"/>
+            <p:cNvSpPr/>
+            <p:nvPr/>
+          </p:nvSpPr>
+          <p:spPr>
+            <a:xfrm>
+              <a:off x="2328332" y="1540931"/>
+              <a:ext cx="7543802" cy="3835401"/>
+            </a:xfrm>
+            <a:prstGeom prst="rect">
+              <a:avLst/>
+            </a:prstGeom>
+            <a:noFill/>
+            <a:ln w="15875">
+              <a:miter lim="800000"/>
+            </a:ln>
+          </p:spPr>
+          <p:style>
+            <a:lnRef idx="1">
+              <a:schemeClr val="accent1"/>
+            </a:lnRef>
+            <a:fillRef idx="3">
+              <a:schemeClr val="accent1"/>
+            </a:fillRef>
+            <a:effectRef idx="2">
+              <a:schemeClr val="accent1"/>
+            </a:effectRef>
+            <a:fontRef idx="minor">
+              <a:schemeClr val="lt1"/>
+            </a:fontRef>
+          </p:style>
+        </p:sp>
+        <p:pic>
+          <p:nvPicPr>
+            <p:cNvPr id="17" name="Picture 16" descr="HDRibbonTitle-UniformTrim.png"/>
+            <p:cNvPicPr>
+              <a:picLocks noChangeAspect="1"/>
+            </p:cNvPicPr>
+            <p:nvPr/>
+          </p:nvPicPr>
+          <p:blipFill rotWithShape="1">
+            <a:blip r:embed="rId3">
+              <a:extLst>
+                <a:ext uri="{28A0092B-C50C-407E-A947-70E740481C1C}">
+                  <a14:useLocalDpi xmlns:a14="http://schemas.microsoft.com/office/drawing/2010/main" val="0"/>
+                </a:ext>
+              </a:extLst>
+            </a:blip>
+            <a:srcRect/>
+            <a:stretch/>
+          </p:blipFill>
+          <p:spPr>
+            <a:xfrm>
+              <a:off x="-16934" y="3147609"/>
+              <a:ext cx="2478024" cy="612648"/>
+            </a:xfrm>
+            <a:prstGeom prst="rect">
+              <a:avLst/>
+            </a:prstGeom>
+          </p:spPr>
+        </p:pic>
+        <p:pic>
+          <p:nvPicPr>
+            <p:cNvPr id="20" name="Picture 19" descr="HDRibbonTitle-UniformTrim.png"/>
+            <p:cNvPicPr>
+              <a:picLocks noChangeAspect="1"/>
+            </p:cNvPicPr>
+            <p:nvPr/>
+          </p:nvPicPr>
+          <p:blipFill rotWithShape="1">
+            <a:blip r:embed="rId3">
+              <a:extLst>
+                <a:ext uri="{28A0092B-C50C-407E-A947-70E740481C1C}">
+                  <a14:useLocalDpi xmlns:a14="http://schemas.microsoft.com/office/drawing/2010/main" val="0"/>
+                </a:ext>
+              </a:extLst>
+            </a:blip>
+            <a:srcRect/>
+            <a:stretch/>
+          </p:blipFill>
+          <p:spPr>
+            <a:xfrm>
+              <a:off x="9736202" y="3147609"/>
+              <a:ext cx="2478024" cy="612648"/>
+            </a:xfrm>
+            <a:prstGeom prst="rect">
+              <a:avLst/>
+            </a:prstGeom>
+          </p:spPr>
+        </p:pic>
+      </p:grpSp>
+      <p:sp>
+        <p:nvSpPr>
+          <p:cNvPr id="2" name="Title 1"/>
           <p:cNvSpPr>
             <a:spLocks noGrp="1"/>
           </p:cNvSpPr>
@@ -145,34 +281,33 @@
         </p:nvSpPr>
         <p:spPr>
           <a:xfrm>
-            <a:off x="1524000" y="1122363"/>
-            <a:ext cx="9144000" cy="2387600"/>
+            <a:off x="2692398" y="1871131"/>
+            <a:ext cx="6815669" cy="1515533"/>
           </a:xfrm>
         </p:spPr>
         <p:txBody>
-          <a:bodyPr anchor="b"/>
+          <a:bodyPr anchor="b">
+            <a:noAutofit/>
+          </a:bodyPr>
           <a:lstStyle>
             <a:lvl1pPr algn="ctr">
-              <a:defRPr sz="6000"/>
+              <a:defRPr sz="5400">
+                <a:effectLst/>
+              </a:defRPr>
             </a:lvl1pPr>
           </a:lstStyle>
           <a:p>
             <a:r>
-              <a:rPr lang="ru-RU"/>
+              <a:rPr lang="ru-RU" smtClean="0"/>
               <a:t>Образец заголовка</a:t>
             </a:r>
-          </a:p>
-        </p:txBody>
-      </p:sp>
-      <p:sp>
-        <p:nvSpPr>
-          <p:cNvPr id="3" name="Подзаголовок 2">
-            <a:extLst>
-              <a:ext uri="{FF2B5EF4-FFF2-40B4-BE49-F238E27FC236}">
-                <a16:creationId xmlns:a16="http://schemas.microsoft.com/office/drawing/2014/main" id="{87DB5507-3F10-65DD-1F0D-71D2E8028617}"/>
-              </a:ext>
-            </a:extLst>
-          </p:cNvPr>
+            <a:endParaRPr lang="en-US" dirty="0"/>
+          </a:p>
+        </p:txBody>
+      </p:sp>
+      <p:sp>
+        <p:nvSpPr>
+          <p:cNvPr id="3" name="Subtitle 2"/>
           <p:cNvSpPr>
             <a:spLocks noGrp="1"/>
           </p:cNvSpPr>
@@ -182,67 +317,116 @@
         </p:nvSpPr>
         <p:spPr>
           <a:xfrm>
-            <a:off x="1524000" y="3602038"/>
-            <a:ext cx="9144000" cy="1655762"/>
+            <a:off x="2692398" y="3657597"/>
+            <a:ext cx="6815669" cy="1320802"/>
           </a:xfrm>
         </p:spPr>
         <p:txBody>
-          <a:bodyPr/>
+          <a:bodyPr anchor="t">
+            <a:normAutofit/>
+          </a:bodyPr>
           <a:lstStyle>
             <a:lvl1pPr marL="0" indent="0" algn="ctr">
               <a:buNone/>
-              <a:defRPr sz="2400"/>
+              <a:defRPr sz="2100">
+                <a:solidFill>
+                  <a:schemeClr val="tx1"/>
+                </a:solidFill>
+              </a:defRPr>
             </a:lvl1pPr>
             <a:lvl2pPr marL="457200" indent="0" algn="ctr">
               <a:buNone/>
-              <a:defRPr sz="2000"/>
+              <a:defRPr>
+                <a:solidFill>
+                  <a:schemeClr val="tx1">
+                    <a:tint val="75000"/>
+                  </a:schemeClr>
+                </a:solidFill>
+              </a:defRPr>
             </a:lvl2pPr>
             <a:lvl3pPr marL="914400" indent="0" algn="ctr">
               <a:buNone/>
-              <a:defRPr sz="1800"/>
+              <a:defRPr>
+                <a:solidFill>
+                  <a:schemeClr val="tx1">
+                    <a:tint val="75000"/>
+                  </a:schemeClr>
+                </a:solidFill>
+              </a:defRPr>
             </a:lvl3pPr>
             <a:lvl4pPr marL="1371600" indent="0" algn="ctr">
               <a:buNone/>
-              <a:defRPr sz="1600"/>
+              <a:defRPr>
+                <a:solidFill>
+                  <a:schemeClr val="tx1">
+                    <a:tint val="75000"/>
+                  </a:schemeClr>
+                </a:solidFill>
+              </a:defRPr>
             </a:lvl4pPr>
             <a:lvl5pPr marL="1828800" indent="0" algn="ctr">
               <a:buNone/>
-              <a:defRPr sz="1600"/>
+              <a:defRPr>
+                <a:solidFill>
+                  <a:schemeClr val="tx1">
+                    <a:tint val="75000"/>
+                  </a:schemeClr>
+                </a:solidFill>
+              </a:defRPr>
             </a:lvl5pPr>
             <a:lvl6pPr marL="2286000" indent="0" algn="ctr">
               <a:buNone/>
-              <a:defRPr sz="1600"/>
+              <a:defRPr>
+                <a:solidFill>
+                  <a:schemeClr val="tx1">
+                    <a:tint val="75000"/>
+                  </a:schemeClr>
+                </a:solidFill>
+              </a:defRPr>
             </a:lvl6pPr>
             <a:lvl7pPr marL="2743200" indent="0" algn="ctr">
               <a:buNone/>
-              <a:defRPr sz="1600"/>
+              <a:defRPr>
+                <a:solidFill>
+                  <a:schemeClr val="tx1">
+                    <a:tint val="75000"/>
+                  </a:schemeClr>
+                </a:solidFill>
+              </a:defRPr>
             </a:lvl7pPr>
             <a:lvl8pPr marL="3200400" indent="0" algn="ctr">
               <a:buNone/>
-              <a:defRPr sz="1600"/>
+              <a:defRPr>
+                <a:solidFill>
+                  <a:schemeClr val="tx1">
+                    <a:tint val="75000"/>
+                  </a:schemeClr>
+                </a:solidFill>
+              </a:defRPr>
             </a:lvl8pPr>
             <a:lvl9pPr marL="3657600" indent="0" algn="ctr">
               <a:buNone/>
-              <a:defRPr sz="1600"/>
+              <a:defRPr>
+                <a:solidFill>
+                  <a:schemeClr val="tx1">
+                    <a:tint val="75000"/>
+                  </a:schemeClr>
+                </a:solidFill>
+              </a:defRPr>
             </a:lvl9pPr>
           </a:lstStyle>
           <a:p>
             <a:r>
-              <a:rPr lang="ru-RU"/>
+              <a:rPr lang="ru-RU" smtClean="0"/>
               <a:t>Образец подзаголовка</a:t>
             </a:r>
-          </a:p>
-        </p:txBody>
-      </p:sp>
-      <p:sp>
-        <p:nvSpPr>
-          <p:cNvPr id="4" name="Дата 3">
-            <a:extLst>
-              <a:ext uri="{FF2B5EF4-FFF2-40B4-BE49-F238E27FC236}">
-                <a16:creationId xmlns:a16="http://schemas.microsoft.com/office/drawing/2014/main" id="{9D8EACB6-B3AC-C88D-A261-89A644F052D7}"/>
-              </a:ext>
-            </a:extLst>
-          </p:cNvPr>
+            <a:endParaRPr lang="en-US" dirty="0"/>
+          </a:p>
+        </p:txBody>
+      </p:sp>
+      <p:sp>
+        <p:nvSpPr>
+          <p:cNvPr id="4" name="Date Placeholder 3"/>
           <p:cNvSpPr>
             <a:spLocks noGrp="1"/>
           </p:cNvSpPr>
@@ -250,14 +434,19 @@
             <p:ph type="dt" sz="half" idx="10"/>
           </p:nvPr>
         </p:nvSpPr>
-        <p:spPr/>
+        <p:spPr>
+          <a:xfrm>
+            <a:off x="7983232" y="5037663"/>
+            <a:ext cx="897467" cy="279400"/>
+          </a:xfrm>
+        </p:spPr>
         <p:txBody>
           <a:bodyPr/>
           <a:lstStyle/>
           <a:p>
             <a:fld id="{F6F1740D-A2AB-48D6-B4C5-C6A56503F60B}" type="datetimeFigureOut">
               <a:rPr lang="ru-RU" smtClean="0"/>
-              <a:t>20.04.2023</a:t>
+              <a:t>24.04.2023</a:t>
             </a:fld>
             <a:endParaRPr lang="ru-RU"/>
           </a:p>
@@ -265,13 +454,7 @@
       </p:sp>
       <p:sp>
         <p:nvSpPr>
-          <p:cNvPr id="5" name="Нижний колонтитул 4">
-            <a:extLst>
-              <a:ext uri="{FF2B5EF4-FFF2-40B4-BE49-F238E27FC236}">
-                <a16:creationId xmlns:a16="http://schemas.microsoft.com/office/drawing/2014/main" id="{9158C880-F584-BABB-A360-DC99E568CCAA}"/>
-              </a:ext>
-            </a:extLst>
-          </p:cNvPr>
+          <p:cNvPr id="5" name="Footer Placeholder 4"/>
           <p:cNvSpPr>
             <a:spLocks noGrp="1"/>
           </p:cNvSpPr>
@@ -279,7 +462,12 @@
             <p:ph type="ftr" sz="quarter" idx="11"/>
           </p:nvPr>
         </p:nvSpPr>
-        <p:spPr/>
+        <p:spPr>
+          <a:xfrm>
+            <a:off x="2692397" y="5037663"/>
+            <a:ext cx="5214635" cy="279400"/>
+          </a:xfrm>
+        </p:spPr>
         <p:txBody>
           <a:bodyPr/>
           <a:lstStyle/>
@@ -290,13 +478,7 @@
       </p:sp>
       <p:sp>
         <p:nvSpPr>
-          <p:cNvPr id="6" name="Номер слайда 5">
-            <a:extLst>
-              <a:ext uri="{FF2B5EF4-FFF2-40B4-BE49-F238E27FC236}">
-                <a16:creationId xmlns:a16="http://schemas.microsoft.com/office/drawing/2014/main" id="{789FE350-4EEE-DD3A-A0A1-6F5B72C439C1}"/>
-              </a:ext>
-            </a:extLst>
-          </p:cNvPr>
+          <p:cNvPr id="6" name="Slide Number Placeholder 5"/>
           <p:cNvSpPr>
             <a:spLocks noGrp="1"/>
           </p:cNvSpPr>
@@ -304,7 +486,12 @@
             <p:ph type="sldNum" sz="quarter" idx="12"/>
           </p:nvPr>
         </p:nvSpPr>
-        <p:spPr/>
+        <p:spPr>
+          <a:xfrm>
+            <a:off x="8956900" y="5037663"/>
+            <a:ext cx="551167" cy="279400"/>
+          </a:xfrm>
+        </p:spPr>
         <p:txBody>
           <a:bodyPr/>
           <a:lstStyle/>
@@ -317,10 +504,40 @@
           </a:p>
         </p:txBody>
       </p:sp>
+      <p:cxnSp>
+        <p:nvCxnSpPr>
+          <p:cNvPr id="15" name="Straight Connector 14"/>
+          <p:cNvCxnSpPr/>
+          <p:nvPr/>
+        </p:nvCxnSpPr>
+        <p:spPr>
+          <a:xfrm>
+            <a:off x="2692399" y="3522131"/>
+            <a:ext cx="6815668" cy="0"/>
+          </a:xfrm>
+          <a:prstGeom prst="line">
+            <a:avLst/>
+          </a:prstGeom>
+        </p:spPr>
+        <p:style>
+          <a:lnRef idx="2">
+            <a:schemeClr val="accent1"/>
+          </a:lnRef>
+          <a:fillRef idx="0">
+            <a:schemeClr val="accent1"/>
+          </a:fillRef>
+          <a:effectRef idx="1">
+            <a:schemeClr val="accent1"/>
+          </a:effectRef>
+          <a:fontRef idx="minor">
+            <a:schemeClr val="tx1"/>
+          </a:fontRef>
+        </p:style>
+      </p:cxnSp>
     </p:spTree>
     <p:extLst>
       <p:ext uri="{BB962C8B-B14F-4D97-AF65-F5344CB8AC3E}">
-        <p14:creationId xmlns:p14="http://schemas.microsoft.com/office/powerpoint/2010/main" val="4098886576"/>
+        <p14:creationId xmlns:p14="http://schemas.microsoft.com/office/powerpoint/2010/main" val="2362295881"/>
       </p:ext>
     </p:extLst>
   </p:cSld>
@@ -331,6 +548,2099 @@
 </file>
 
 <file path=ppt/slideLayouts/slideLayout10.xml><?xml version="1.0" encoding="utf-8"?>
+<p:sldLayout xmlns:a="http://schemas.openxmlformats.org/drawingml/2006/main" xmlns:r="http://schemas.openxmlformats.org/officeDocument/2006/relationships" xmlns:p="http://schemas.openxmlformats.org/presentationml/2006/main" preserve="1">
+  <p:cSld name="Панорамная фотография с подписью">
+    <p:spTree>
+      <p:nvGrpSpPr>
+        <p:cNvPr id="1" name=""/>
+        <p:cNvGrpSpPr/>
+        <p:nvPr/>
+      </p:nvGrpSpPr>
+      <p:grpSpPr>
+        <a:xfrm>
+          <a:off x="0" y="0"/>
+          <a:ext cx="0" cy="0"/>
+          <a:chOff x="0" y="0"/>
+          <a:chExt cx="0" cy="0"/>
+        </a:xfrm>
+      </p:grpSpPr>
+      <p:sp>
+        <p:nvSpPr>
+          <p:cNvPr id="2" name="Title 1"/>
+          <p:cNvSpPr>
+            <a:spLocks noGrp="1"/>
+          </p:cNvSpPr>
+          <p:nvPr>
+            <p:ph type="title"/>
+          </p:nvPr>
+        </p:nvSpPr>
+        <p:spPr>
+          <a:xfrm>
+            <a:off x="1295401" y="4815415"/>
+            <a:ext cx="9609666" cy="566738"/>
+          </a:xfrm>
+        </p:spPr>
+        <p:txBody>
+          <a:bodyPr anchor="b">
+            <a:normAutofit/>
+          </a:bodyPr>
+          <a:lstStyle>
+            <a:lvl1pPr algn="ctr">
+              <a:defRPr sz="2400" b="0"/>
+            </a:lvl1pPr>
+          </a:lstStyle>
+          <a:p>
+            <a:r>
+              <a:rPr lang="ru-RU" smtClean="0"/>
+              <a:t>Образец заголовка</a:t>
+            </a:r>
+            <a:endParaRPr lang="en-US" dirty="0"/>
+          </a:p>
+        </p:txBody>
+      </p:sp>
+      <p:sp>
+        <p:nvSpPr>
+          <p:cNvPr id="3" name="Picture Placeholder 2"/>
+          <p:cNvSpPr>
+            <a:spLocks noGrp="1" noChangeAspect="1"/>
+          </p:cNvSpPr>
+          <p:nvPr>
+            <p:ph type="pic" idx="1"/>
+          </p:nvPr>
+        </p:nvSpPr>
+        <p:spPr>
+          <a:xfrm>
+            <a:off x="1041427" y="1041399"/>
+            <a:ext cx="10105972" cy="3335869"/>
+          </a:xfrm>
+          <a:prstGeom prst="roundRect">
+            <a:avLst>
+              <a:gd name="adj" fmla="val 0"/>
+            </a:avLst>
+          </a:prstGeom>
+          <a:ln w="57150" cmpd="thickThin">
+            <a:solidFill>
+              <a:schemeClr val="tx1">
+                <a:lumMod val="50000"/>
+                <a:lumOff val="50000"/>
+              </a:schemeClr>
+            </a:solidFill>
+            <a:miter lim="800000"/>
+          </a:ln>
+          <a:effectLst>
+            <a:innerShdw blurRad="57150" dist="38100" dir="14460000">
+              <a:srgbClr val="000000">
+                <a:alpha val="70000"/>
+              </a:srgbClr>
+            </a:innerShdw>
+          </a:effectLst>
+        </p:spPr>
+        <p:txBody>
+          <a:bodyPr anchor="t">
+            <a:normAutofit/>
+          </a:bodyPr>
+          <a:lstStyle>
+            <a:lvl1pPr marL="0" indent="0" algn="ctr">
+              <a:buNone/>
+              <a:defRPr sz="1600"/>
+            </a:lvl1pPr>
+            <a:lvl2pPr marL="457200" indent="0">
+              <a:buNone/>
+              <a:defRPr sz="1600"/>
+            </a:lvl2pPr>
+            <a:lvl3pPr marL="914400" indent="0">
+              <a:buNone/>
+              <a:defRPr sz="1600"/>
+            </a:lvl3pPr>
+            <a:lvl4pPr marL="1371600" indent="0">
+              <a:buNone/>
+              <a:defRPr sz="1600"/>
+            </a:lvl4pPr>
+            <a:lvl5pPr marL="1828800" indent="0">
+              <a:buNone/>
+              <a:defRPr sz="1600"/>
+            </a:lvl5pPr>
+            <a:lvl6pPr marL="2286000" indent="0">
+              <a:buNone/>
+              <a:defRPr sz="1600"/>
+            </a:lvl6pPr>
+            <a:lvl7pPr marL="2743200" indent="0">
+              <a:buNone/>
+              <a:defRPr sz="1600"/>
+            </a:lvl7pPr>
+            <a:lvl8pPr marL="3200400" indent="0">
+              <a:buNone/>
+              <a:defRPr sz="1600"/>
+            </a:lvl8pPr>
+            <a:lvl9pPr marL="3657600" indent="0">
+              <a:buNone/>
+              <a:defRPr sz="1600"/>
+            </a:lvl9pPr>
+          </a:lstStyle>
+          <a:p>
+            <a:r>
+              <a:rPr lang="ru-RU" smtClean="0"/>
+              <a:t>Вставка рисунка</a:t>
+            </a:r>
+            <a:endParaRPr lang="en-US" dirty="0"/>
+          </a:p>
+        </p:txBody>
+      </p:sp>
+      <p:sp>
+        <p:nvSpPr>
+          <p:cNvPr id="4" name="Text Placeholder 3"/>
+          <p:cNvSpPr>
+            <a:spLocks noGrp="1"/>
+          </p:cNvSpPr>
+          <p:nvPr>
+            <p:ph type="body" sz="half" idx="2"/>
+          </p:nvPr>
+        </p:nvSpPr>
+        <p:spPr>
+          <a:xfrm>
+            <a:off x="1295401" y="5382153"/>
+            <a:ext cx="9609666" cy="493712"/>
+          </a:xfrm>
+        </p:spPr>
+        <p:txBody>
+          <a:bodyPr>
+            <a:normAutofit/>
+          </a:bodyPr>
+          <a:lstStyle>
+            <a:lvl1pPr marL="0" indent="0" algn="ctr">
+              <a:buNone/>
+              <a:defRPr sz="1400"/>
+            </a:lvl1pPr>
+            <a:lvl2pPr marL="457200" indent="0">
+              <a:buNone/>
+              <a:defRPr sz="1200"/>
+            </a:lvl2pPr>
+            <a:lvl3pPr marL="914400" indent="0">
+              <a:buNone/>
+              <a:defRPr sz="1000"/>
+            </a:lvl3pPr>
+            <a:lvl4pPr marL="1371600" indent="0">
+              <a:buNone/>
+              <a:defRPr sz="900"/>
+            </a:lvl4pPr>
+            <a:lvl5pPr marL="1828800" indent="0">
+              <a:buNone/>
+              <a:defRPr sz="900"/>
+            </a:lvl5pPr>
+            <a:lvl6pPr marL="2286000" indent="0">
+              <a:buNone/>
+              <a:defRPr sz="900"/>
+            </a:lvl6pPr>
+            <a:lvl7pPr marL="2743200" indent="0">
+              <a:buNone/>
+              <a:defRPr sz="900"/>
+            </a:lvl7pPr>
+            <a:lvl8pPr marL="3200400" indent="0">
+              <a:buNone/>
+              <a:defRPr sz="900"/>
+            </a:lvl8pPr>
+            <a:lvl9pPr marL="3657600" indent="0">
+              <a:buNone/>
+              <a:defRPr sz="900"/>
+            </a:lvl9pPr>
+          </a:lstStyle>
+          <a:p>
+            <a:pPr lvl="0"/>
+            <a:r>
+              <a:rPr lang="ru-RU" smtClean="0"/>
+              <a:t>Образец текста</a:t>
+            </a:r>
+          </a:p>
+        </p:txBody>
+      </p:sp>
+      <p:sp>
+        <p:nvSpPr>
+          <p:cNvPr id="5" name="Date Placeholder 4"/>
+          <p:cNvSpPr>
+            <a:spLocks noGrp="1"/>
+          </p:cNvSpPr>
+          <p:nvPr>
+            <p:ph type="dt" sz="half" idx="10"/>
+          </p:nvPr>
+        </p:nvSpPr>
+        <p:spPr/>
+        <p:txBody>
+          <a:bodyPr/>
+          <a:lstStyle/>
+          <a:p>
+            <a:fld id="{F6F1740D-A2AB-48D6-B4C5-C6A56503F60B}" type="datetimeFigureOut">
+              <a:rPr lang="ru-RU" smtClean="0"/>
+              <a:t>24.04.2023</a:t>
+            </a:fld>
+            <a:endParaRPr lang="ru-RU"/>
+          </a:p>
+        </p:txBody>
+      </p:sp>
+      <p:sp>
+        <p:nvSpPr>
+          <p:cNvPr id="6" name="Footer Placeholder 5"/>
+          <p:cNvSpPr>
+            <a:spLocks noGrp="1"/>
+          </p:cNvSpPr>
+          <p:nvPr>
+            <p:ph type="ftr" sz="quarter" idx="11"/>
+          </p:nvPr>
+        </p:nvSpPr>
+        <p:spPr/>
+        <p:txBody>
+          <a:bodyPr/>
+          <a:lstStyle/>
+          <a:p>
+            <a:endParaRPr lang="ru-RU"/>
+          </a:p>
+        </p:txBody>
+      </p:sp>
+      <p:sp>
+        <p:nvSpPr>
+          <p:cNvPr id="7" name="Slide Number Placeholder 6"/>
+          <p:cNvSpPr>
+            <a:spLocks noGrp="1"/>
+          </p:cNvSpPr>
+          <p:nvPr>
+            <p:ph type="sldNum" sz="quarter" idx="12"/>
+          </p:nvPr>
+        </p:nvSpPr>
+        <p:spPr/>
+        <p:txBody>
+          <a:bodyPr/>
+          <a:lstStyle/>
+          <a:p>
+            <a:fld id="{D9016F4D-9E9C-4964-B172-E9D7DA3AA1CF}" type="slidenum">
+              <a:rPr lang="ru-RU" smtClean="0"/>
+              <a:t>‹#›</a:t>
+            </a:fld>
+            <a:endParaRPr lang="ru-RU"/>
+          </a:p>
+        </p:txBody>
+      </p:sp>
+    </p:spTree>
+    <p:extLst>
+      <p:ext uri="{BB962C8B-B14F-4D97-AF65-F5344CB8AC3E}">
+        <p14:creationId xmlns:p14="http://schemas.microsoft.com/office/powerpoint/2010/main" val="755042413"/>
+      </p:ext>
+    </p:extLst>
+  </p:cSld>
+  <p:clrMapOvr>
+    <a:masterClrMapping/>
+  </p:clrMapOvr>
+</p:sldLayout>
+</file>
+
+<file path=ppt/slideLayouts/slideLayout11.xml><?xml version="1.0" encoding="utf-8"?>
+<p:sldLayout xmlns:a="http://schemas.openxmlformats.org/drawingml/2006/main" xmlns:r="http://schemas.openxmlformats.org/officeDocument/2006/relationships" xmlns:p="http://schemas.openxmlformats.org/presentationml/2006/main" preserve="1">
+  <p:cSld name="Заголовок и подпись">
+    <p:spTree>
+      <p:nvGrpSpPr>
+        <p:cNvPr id="1" name=""/>
+        <p:cNvGrpSpPr/>
+        <p:nvPr/>
+      </p:nvGrpSpPr>
+      <p:grpSpPr>
+        <a:xfrm>
+          <a:off x="0" y="0"/>
+          <a:ext cx="0" cy="0"/>
+          <a:chOff x="0" y="0"/>
+          <a:chExt cx="0" cy="0"/>
+        </a:xfrm>
+      </p:grpSpPr>
+      <p:sp>
+        <p:nvSpPr>
+          <p:cNvPr id="2" name="Title 1"/>
+          <p:cNvSpPr>
+            <a:spLocks noGrp="1"/>
+          </p:cNvSpPr>
+          <p:nvPr>
+            <p:ph type="title"/>
+          </p:nvPr>
+        </p:nvSpPr>
+        <p:spPr>
+          <a:xfrm>
+            <a:off x="1303868" y="982132"/>
+            <a:ext cx="9592732" cy="2954868"/>
+          </a:xfrm>
+        </p:spPr>
+        <p:txBody>
+          <a:bodyPr anchor="ctr">
+            <a:normAutofit/>
+          </a:bodyPr>
+          <a:lstStyle>
+            <a:lvl1pPr algn="ctr">
+              <a:defRPr sz="3200" b="0" cap="none"/>
+            </a:lvl1pPr>
+          </a:lstStyle>
+          <a:p>
+            <a:r>
+              <a:rPr lang="ru-RU" smtClean="0"/>
+              <a:t>Образец заголовка</a:t>
+            </a:r>
+            <a:endParaRPr lang="en-US" dirty="0"/>
+          </a:p>
+        </p:txBody>
+      </p:sp>
+      <p:sp>
+        <p:nvSpPr>
+          <p:cNvPr id="3" name="Text Placeholder 2"/>
+          <p:cNvSpPr>
+            <a:spLocks noGrp="1"/>
+          </p:cNvSpPr>
+          <p:nvPr>
+            <p:ph type="body" idx="1"/>
+          </p:nvPr>
+        </p:nvSpPr>
+        <p:spPr>
+          <a:xfrm>
+            <a:off x="1303868" y="4343399"/>
+            <a:ext cx="9592732" cy="1532467"/>
+          </a:xfrm>
+        </p:spPr>
+        <p:txBody>
+          <a:bodyPr anchor="ctr">
+            <a:normAutofit/>
+          </a:bodyPr>
+          <a:lstStyle>
+            <a:lvl1pPr marL="0" indent="0" algn="ctr">
+              <a:buNone/>
+              <a:defRPr sz="2000">
+                <a:solidFill>
+                  <a:schemeClr val="tx1"/>
+                </a:solidFill>
+              </a:defRPr>
+            </a:lvl1pPr>
+            <a:lvl2pPr marL="457200" indent="0">
+              <a:buNone/>
+              <a:defRPr sz="1800">
+                <a:solidFill>
+                  <a:schemeClr val="tx1">
+                    <a:tint val="75000"/>
+                  </a:schemeClr>
+                </a:solidFill>
+              </a:defRPr>
+            </a:lvl2pPr>
+            <a:lvl3pPr marL="914400" indent="0">
+              <a:buNone/>
+              <a:defRPr sz="1600">
+                <a:solidFill>
+                  <a:schemeClr val="tx1">
+                    <a:tint val="75000"/>
+                  </a:schemeClr>
+                </a:solidFill>
+              </a:defRPr>
+            </a:lvl3pPr>
+            <a:lvl4pPr marL="1371600" indent="0">
+              <a:buNone/>
+              <a:defRPr sz="1400">
+                <a:solidFill>
+                  <a:schemeClr val="tx1">
+                    <a:tint val="75000"/>
+                  </a:schemeClr>
+                </a:solidFill>
+              </a:defRPr>
+            </a:lvl4pPr>
+            <a:lvl5pPr marL="1828800" indent="0">
+              <a:buNone/>
+              <a:defRPr sz="1400">
+                <a:solidFill>
+                  <a:schemeClr val="tx1">
+                    <a:tint val="75000"/>
+                  </a:schemeClr>
+                </a:solidFill>
+              </a:defRPr>
+            </a:lvl5pPr>
+            <a:lvl6pPr marL="2286000" indent="0">
+              <a:buNone/>
+              <a:defRPr sz="1400">
+                <a:solidFill>
+                  <a:schemeClr val="tx1">
+                    <a:tint val="75000"/>
+                  </a:schemeClr>
+                </a:solidFill>
+              </a:defRPr>
+            </a:lvl6pPr>
+            <a:lvl7pPr marL="2743200" indent="0">
+              <a:buNone/>
+              <a:defRPr sz="1400">
+                <a:solidFill>
+                  <a:schemeClr val="tx1">
+                    <a:tint val="75000"/>
+                  </a:schemeClr>
+                </a:solidFill>
+              </a:defRPr>
+            </a:lvl7pPr>
+            <a:lvl8pPr marL="3200400" indent="0">
+              <a:buNone/>
+              <a:defRPr sz="1400">
+                <a:solidFill>
+                  <a:schemeClr val="tx1">
+                    <a:tint val="75000"/>
+                  </a:schemeClr>
+                </a:solidFill>
+              </a:defRPr>
+            </a:lvl8pPr>
+            <a:lvl9pPr marL="3657600" indent="0">
+              <a:buNone/>
+              <a:defRPr sz="1400">
+                <a:solidFill>
+                  <a:schemeClr val="tx1">
+                    <a:tint val="75000"/>
+                  </a:schemeClr>
+                </a:solidFill>
+              </a:defRPr>
+            </a:lvl9pPr>
+          </a:lstStyle>
+          <a:p>
+            <a:pPr lvl="0"/>
+            <a:r>
+              <a:rPr lang="ru-RU" smtClean="0"/>
+              <a:t>Образец текста</a:t>
+            </a:r>
+          </a:p>
+        </p:txBody>
+      </p:sp>
+      <p:sp>
+        <p:nvSpPr>
+          <p:cNvPr id="4" name="Date Placeholder 3"/>
+          <p:cNvSpPr>
+            <a:spLocks noGrp="1"/>
+          </p:cNvSpPr>
+          <p:nvPr>
+            <p:ph type="dt" sz="half" idx="10"/>
+          </p:nvPr>
+        </p:nvSpPr>
+        <p:spPr/>
+        <p:txBody>
+          <a:bodyPr/>
+          <a:lstStyle/>
+          <a:p>
+            <a:fld id="{F6F1740D-A2AB-48D6-B4C5-C6A56503F60B}" type="datetimeFigureOut">
+              <a:rPr lang="ru-RU" smtClean="0"/>
+              <a:t>24.04.2023</a:t>
+            </a:fld>
+            <a:endParaRPr lang="ru-RU"/>
+          </a:p>
+        </p:txBody>
+      </p:sp>
+      <p:sp>
+        <p:nvSpPr>
+          <p:cNvPr id="5" name="Footer Placeholder 4"/>
+          <p:cNvSpPr>
+            <a:spLocks noGrp="1"/>
+          </p:cNvSpPr>
+          <p:nvPr>
+            <p:ph type="ftr" sz="quarter" idx="11"/>
+          </p:nvPr>
+        </p:nvSpPr>
+        <p:spPr/>
+        <p:txBody>
+          <a:bodyPr/>
+          <a:lstStyle/>
+          <a:p>
+            <a:endParaRPr lang="ru-RU"/>
+          </a:p>
+        </p:txBody>
+      </p:sp>
+      <p:sp>
+        <p:nvSpPr>
+          <p:cNvPr id="6" name="Slide Number Placeholder 5"/>
+          <p:cNvSpPr>
+            <a:spLocks noGrp="1"/>
+          </p:cNvSpPr>
+          <p:nvPr>
+            <p:ph type="sldNum" sz="quarter" idx="12"/>
+          </p:nvPr>
+        </p:nvSpPr>
+        <p:spPr/>
+        <p:txBody>
+          <a:bodyPr/>
+          <a:lstStyle/>
+          <a:p>
+            <a:fld id="{D9016F4D-9E9C-4964-B172-E9D7DA3AA1CF}" type="slidenum">
+              <a:rPr lang="ru-RU" smtClean="0"/>
+              <a:t>‹#›</a:t>
+            </a:fld>
+            <a:endParaRPr lang="ru-RU"/>
+          </a:p>
+        </p:txBody>
+      </p:sp>
+      <p:cxnSp>
+        <p:nvCxnSpPr>
+          <p:cNvPr id="15" name="Straight Connector 14"/>
+          <p:cNvCxnSpPr/>
+          <p:nvPr/>
+        </p:nvCxnSpPr>
+        <p:spPr>
+          <a:xfrm>
+            <a:off x="1396169" y="4140199"/>
+            <a:ext cx="9407298" cy="0"/>
+          </a:xfrm>
+          <a:prstGeom prst="line">
+            <a:avLst/>
+          </a:prstGeom>
+          <a:ln w="15875"/>
+        </p:spPr>
+        <p:style>
+          <a:lnRef idx="2">
+            <a:schemeClr val="accent1"/>
+          </a:lnRef>
+          <a:fillRef idx="0">
+            <a:schemeClr val="accent1"/>
+          </a:fillRef>
+          <a:effectRef idx="1">
+            <a:schemeClr val="accent1"/>
+          </a:effectRef>
+          <a:fontRef idx="minor">
+            <a:schemeClr val="tx1"/>
+          </a:fontRef>
+        </p:style>
+      </p:cxnSp>
+    </p:spTree>
+    <p:extLst>
+      <p:ext uri="{BB962C8B-B14F-4D97-AF65-F5344CB8AC3E}">
+        <p14:creationId xmlns:p14="http://schemas.microsoft.com/office/powerpoint/2010/main" val="2048693502"/>
+      </p:ext>
+    </p:extLst>
+  </p:cSld>
+  <p:clrMapOvr>
+    <a:masterClrMapping/>
+  </p:clrMapOvr>
+</p:sldLayout>
+</file>
+
+<file path=ppt/slideLayouts/slideLayout12.xml><?xml version="1.0" encoding="utf-8"?>
+<p:sldLayout xmlns:a="http://schemas.openxmlformats.org/drawingml/2006/main" xmlns:r="http://schemas.openxmlformats.org/officeDocument/2006/relationships" xmlns:p="http://schemas.openxmlformats.org/presentationml/2006/main" preserve="1">
+  <p:cSld name="Цитата с подписью">
+    <p:spTree>
+      <p:nvGrpSpPr>
+        <p:cNvPr id="1" name=""/>
+        <p:cNvGrpSpPr/>
+        <p:nvPr/>
+      </p:nvGrpSpPr>
+      <p:grpSpPr>
+        <a:xfrm>
+          <a:off x="0" y="0"/>
+          <a:ext cx="0" cy="0"/>
+          <a:chOff x="0" y="0"/>
+          <a:chExt cx="0" cy="0"/>
+        </a:xfrm>
+      </p:grpSpPr>
+      <p:sp>
+        <p:nvSpPr>
+          <p:cNvPr id="2" name="Title 1"/>
+          <p:cNvSpPr>
+            <a:spLocks noGrp="1"/>
+          </p:cNvSpPr>
+          <p:nvPr>
+            <p:ph type="title"/>
+          </p:nvPr>
+        </p:nvSpPr>
+        <p:spPr>
+          <a:xfrm>
+            <a:off x="1446213" y="982132"/>
+            <a:ext cx="9296398" cy="2370668"/>
+          </a:xfrm>
+        </p:spPr>
+        <p:txBody>
+          <a:bodyPr anchor="ctr">
+            <a:normAutofit/>
+          </a:bodyPr>
+          <a:lstStyle>
+            <a:lvl1pPr algn="ctr">
+              <a:defRPr sz="3200" b="0" cap="none">
+                <a:solidFill>
+                  <a:schemeClr val="tx1"/>
+                </a:solidFill>
+              </a:defRPr>
+            </a:lvl1pPr>
+          </a:lstStyle>
+          <a:p>
+            <a:r>
+              <a:rPr lang="ru-RU" smtClean="0"/>
+              <a:t>Образец заголовка</a:t>
+            </a:r>
+            <a:endParaRPr lang="en-US" dirty="0"/>
+          </a:p>
+        </p:txBody>
+      </p:sp>
+      <p:sp>
+        <p:nvSpPr>
+          <p:cNvPr id="10" name="Text Placeholder 9"/>
+          <p:cNvSpPr>
+            <a:spLocks noGrp="1"/>
+          </p:cNvSpPr>
+          <p:nvPr>
+            <p:ph type="body" sz="quarter" idx="13"/>
+          </p:nvPr>
+        </p:nvSpPr>
+        <p:spPr>
+          <a:xfrm>
+            <a:off x="1674812" y="3352800"/>
+            <a:ext cx="8839202" cy="584200"/>
+          </a:xfrm>
+        </p:spPr>
+        <p:txBody>
+          <a:bodyPr anchor="ctr">
+            <a:normAutofit/>
+          </a:bodyPr>
+          <a:lstStyle>
+            <a:lvl1pPr marL="0" indent="0" algn="r">
+              <a:buFontTx/>
+              <a:buNone/>
+              <a:defRPr sz="2000"/>
+            </a:lvl1pPr>
+            <a:lvl2pPr marL="457200" indent="0">
+              <a:buFontTx/>
+              <a:buNone/>
+              <a:defRPr/>
+            </a:lvl2pPr>
+            <a:lvl3pPr marL="914400" indent="0">
+              <a:buFontTx/>
+              <a:buNone/>
+              <a:defRPr/>
+            </a:lvl3pPr>
+            <a:lvl4pPr marL="1371600" indent="0">
+              <a:buFontTx/>
+              <a:buNone/>
+              <a:defRPr/>
+            </a:lvl4pPr>
+            <a:lvl5pPr marL="1828800" indent="0">
+              <a:buFontTx/>
+              <a:buNone/>
+              <a:defRPr/>
+            </a:lvl5pPr>
+          </a:lstStyle>
+          <a:p>
+            <a:pPr lvl="0"/>
+            <a:r>
+              <a:rPr lang="ru-RU" smtClean="0"/>
+              <a:t>Образец текста</a:t>
+            </a:r>
+          </a:p>
+        </p:txBody>
+      </p:sp>
+      <p:sp>
+        <p:nvSpPr>
+          <p:cNvPr id="3" name="Text Placeholder 2"/>
+          <p:cNvSpPr>
+            <a:spLocks noGrp="1"/>
+          </p:cNvSpPr>
+          <p:nvPr>
+            <p:ph type="body" idx="1"/>
+          </p:nvPr>
+        </p:nvSpPr>
+        <p:spPr>
+          <a:xfrm>
+            <a:off x="1295401" y="4343399"/>
+            <a:ext cx="9609666" cy="1532467"/>
+          </a:xfrm>
+        </p:spPr>
+        <p:txBody>
+          <a:bodyPr anchor="ctr">
+            <a:normAutofit/>
+          </a:bodyPr>
+          <a:lstStyle>
+            <a:lvl1pPr marL="0" indent="0" algn="ctr">
+              <a:buNone/>
+              <a:defRPr sz="2000">
+                <a:solidFill>
+                  <a:schemeClr val="tx1"/>
+                </a:solidFill>
+              </a:defRPr>
+            </a:lvl1pPr>
+            <a:lvl2pPr marL="457200" indent="0">
+              <a:buNone/>
+              <a:defRPr sz="1800">
+                <a:solidFill>
+                  <a:schemeClr val="tx1">
+                    <a:tint val="75000"/>
+                  </a:schemeClr>
+                </a:solidFill>
+              </a:defRPr>
+            </a:lvl2pPr>
+            <a:lvl3pPr marL="914400" indent="0">
+              <a:buNone/>
+              <a:defRPr sz="1600">
+                <a:solidFill>
+                  <a:schemeClr val="tx1">
+                    <a:tint val="75000"/>
+                  </a:schemeClr>
+                </a:solidFill>
+              </a:defRPr>
+            </a:lvl3pPr>
+            <a:lvl4pPr marL="1371600" indent="0">
+              <a:buNone/>
+              <a:defRPr sz="1400">
+                <a:solidFill>
+                  <a:schemeClr val="tx1">
+                    <a:tint val="75000"/>
+                  </a:schemeClr>
+                </a:solidFill>
+              </a:defRPr>
+            </a:lvl4pPr>
+            <a:lvl5pPr marL="1828800" indent="0">
+              <a:buNone/>
+              <a:defRPr sz="1400">
+                <a:solidFill>
+                  <a:schemeClr val="tx1">
+                    <a:tint val="75000"/>
+                  </a:schemeClr>
+                </a:solidFill>
+              </a:defRPr>
+            </a:lvl5pPr>
+            <a:lvl6pPr marL="2286000" indent="0">
+              <a:buNone/>
+              <a:defRPr sz="1400">
+                <a:solidFill>
+                  <a:schemeClr val="tx1">
+                    <a:tint val="75000"/>
+                  </a:schemeClr>
+                </a:solidFill>
+              </a:defRPr>
+            </a:lvl6pPr>
+            <a:lvl7pPr marL="2743200" indent="0">
+              <a:buNone/>
+              <a:defRPr sz="1400">
+                <a:solidFill>
+                  <a:schemeClr val="tx1">
+                    <a:tint val="75000"/>
+                  </a:schemeClr>
+                </a:solidFill>
+              </a:defRPr>
+            </a:lvl7pPr>
+            <a:lvl8pPr marL="3200400" indent="0">
+              <a:buNone/>
+              <a:defRPr sz="1400">
+                <a:solidFill>
+                  <a:schemeClr val="tx1">
+                    <a:tint val="75000"/>
+                  </a:schemeClr>
+                </a:solidFill>
+              </a:defRPr>
+            </a:lvl8pPr>
+            <a:lvl9pPr marL="3657600" indent="0">
+              <a:buNone/>
+              <a:defRPr sz="1400">
+                <a:solidFill>
+                  <a:schemeClr val="tx1">
+                    <a:tint val="75000"/>
+                  </a:schemeClr>
+                </a:solidFill>
+              </a:defRPr>
+            </a:lvl9pPr>
+          </a:lstStyle>
+          <a:p>
+            <a:pPr lvl="0"/>
+            <a:r>
+              <a:rPr lang="ru-RU" smtClean="0"/>
+              <a:t>Образец текста</a:t>
+            </a:r>
+          </a:p>
+        </p:txBody>
+      </p:sp>
+      <p:sp>
+        <p:nvSpPr>
+          <p:cNvPr id="4" name="Date Placeholder 3"/>
+          <p:cNvSpPr>
+            <a:spLocks noGrp="1"/>
+          </p:cNvSpPr>
+          <p:nvPr>
+            <p:ph type="dt" sz="half" idx="10"/>
+          </p:nvPr>
+        </p:nvSpPr>
+        <p:spPr/>
+        <p:txBody>
+          <a:bodyPr/>
+          <a:lstStyle/>
+          <a:p>
+            <a:fld id="{F6F1740D-A2AB-48D6-B4C5-C6A56503F60B}" type="datetimeFigureOut">
+              <a:rPr lang="ru-RU" smtClean="0"/>
+              <a:t>24.04.2023</a:t>
+            </a:fld>
+            <a:endParaRPr lang="ru-RU"/>
+          </a:p>
+        </p:txBody>
+      </p:sp>
+      <p:sp>
+        <p:nvSpPr>
+          <p:cNvPr id="5" name="Footer Placeholder 4"/>
+          <p:cNvSpPr>
+            <a:spLocks noGrp="1"/>
+          </p:cNvSpPr>
+          <p:nvPr>
+            <p:ph type="ftr" sz="quarter" idx="11"/>
+          </p:nvPr>
+        </p:nvSpPr>
+        <p:spPr/>
+        <p:txBody>
+          <a:bodyPr/>
+          <a:lstStyle/>
+          <a:p>
+            <a:endParaRPr lang="ru-RU"/>
+          </a:p>
+        </p:txBody>
+      </p:sp>
+      <p:sp>
+        <p:nvSpPr>
+          <p:cNvPr id="6" name="Slide Number Placeholder 5"/>
+          <p:cNvSpPr>
+            <a:spLocks noGrp="1"/>
+          </p:cNvSpPr>
+          <p:nvPr>
+            <p:ph type="sldNum" sz="quarter" idx="12"/>
+          </p:nvPr>
+        </p:nvSpPr>
+        <p:spPr/>
+        <p:txBody>
+          <a:bodyPr/>
+          <a:lstStyle/>
+          <a:p>
+            <a:fld id="{D9016F4D-9E9C-4964-B172-E9D7DA3AA1CF}" type="slidenum">
+              <a:rPr lang="ru-RU" smtClean="0"/>
+              <a:t>‹#›</a:t>
+            </a:fld>
+            <a:endParaRPr lang="ru-RU"/>
+          </a:p>
+        </p:txBody>
+      </p:sp>
+      <p:sp>
+        <p:nvSpPr>
+          <p:cNvPr id="14" name="TextBox 13"/>
+          <p:cNvSpPr txBox="1"/>
+          <p:nvPr/>
+        </p:nvSpPr>
+        <p:spPr>
+          <a:xfrm>
+            <a:off x="862013" y="879961"/>
+            <a:ext cx="609600" cy="584776"/>
+          </a:xfrm>
+          <a:prstGeom prst="rect">
+            <a:avLst/>
+          </a:prstGeom>
+        </p:spPr>
+        <p:txBody>
+          <a:bodyPr vert="horz" lIns="91440" tIns="45720" rIns="91440" bIns="45720" rtlCol="0" anchor="ctr">
+            <a:noAutofit/>
+          </a:bodyPr>
+          <a:lstStyle/>
+          <a:p>
+            <a:pPr lvl="0"/>
+            <a:r>
+              <a:rPr lang="en-US" sz="8000" dirty="0">
+                <a:solidFill>
+                  <a:schemeClr val="tx1"/>
+                </a:solidFill>
+                <a:effectLst/>
+              </a:rPr>
+              <a:t>“</a:t>
+            </a:r>
+          </a:p>
+        </p:txBody>
+      </p:sp>
+      <p:sp>
+        <p:nvSpPr>
+          <p:cNvPr id="15" name="TextBox 14"/>
+          <p:cNvSpPr txBox="1"/>
+          <p:nvPr/>
+        </p:nvSpPr>
+        <p:spPr>
+          <a:xfrm>
+            <a:off x="10600267" y="2827870"/>
+            <a:ext cx="609600" cy="584776"/>
+          </a:xfrm>
+          <a:prstGeom prst="rect">
+            <a:avLst/>
+          </a:prstGeom>
+        </p:spPr>
+        <p:txBody>
+          <a:bodyPr vert="horz" lIns="91440" tIns="45720" rIns="91440" bIns="45720" rtlCol="0" anchor="ctr">
+            <a:noAutofit/>
+          </a:bodyPr>
+          <a:lstStyle/>
+          <a:p>
+            <a:pPr lvl="0" algn="r"/>
+            <a:r>
+              <a:rPr lang="en-US" sz="8000" dirty="0">
+                <a:solidFill>
+                  <a:schemeClr val="tx1"/>
+                </a:solidFill>
+                <a:effectLst/>
+              </a:rPr>
+              <a:t>”</a:t>
+            </a:r>
+          </a:p>
+        </p:txBody>
+      </p:sp>
+      <p:cxnSp>
+        <p:nvCxnSpPr>
+          <p:cNvPr id="19" name="Straight Connector 18"/>
+          <p:cNvCxnSpPr/>
+          <p:nvPr/>
+        </p:nvCxnSpPr>
+        <p:spPr>
+          <a:xfrm>
+            <a:off x="1396169" y="4140199"/>
+            <a:ext cx="9407298" cy="0"/>
+          </a:xfrm>
+          <a:prstGeom prst="line">
+            <a:avLst/>
+          </a:prstGeom>
+          <a:ln w="15875"/>
+        </p:spPr>
+        <p:style>
+          <a:lnRef idx="2">
+            <a:schemeClr val="accent1"/>
+          </a:lnRef>
+          <a:fillRef idx="0">
+            <a:schemeClr val="accent1"/>
+          </a:fillRef>
+          <a:effectRef idx="1">
+            <a:schemeClr val="accent1"/>
+          </a:effectRef>
+          <a:fontRef idx="minor">
+            <a:schemeClr val="tx1"/>
+          </a:fontRef>
+        </p:style>
+      </p:cxnSp>
+    </p:spTree>
+    <p:extLst>
+      <p:ext uri="{BB962C8B-B14F-4D97-AF65-F5344CB8AC3E}">
+        <p14:creationId xmlns:p14="http://schemas.microsoft.com/office/powerpoint/2010/main" val="2442135783"/>
+      </p:ext>
+    </p:extLst>
+  </p:cSld>
+  <p:clrMapOvr>
+    <a:masterClrMapping/>
+  </p:clrMapOvr>
+</p:sldLayout>
+</file>
+
+<file path=ppt/slideLayouts/slideLayout13.xml><?xml version="1.0" encoding="utf-8"?>
+<p:sldLayout xmlns:a="http://schemas.openxmlformats.org/drawingml/2006/main" xmlns:r="http://schemas.openxmlformats.org/officeDocument/2006/relationships" xmlns:p="http://schemas.openxmlformats.org/presentationml/2006/main" preserve="1">
+  <p:cSld name="Карточка имени">
+    <p:spTree>
+      <p:nvGrpSpPr>
+        <p:cNvPr id="1" name=""/>
+        <p:cNvGrpSpPr/>
+        <p:nvPr/>
+      </p:nvGrpSpPr>
+      <p:grpSpPr>
+        <a:xfrm>
+          <a:off x="0" y="0"/>
+          <a:ext cx="0" cy="0"/>
+          <a:chOff x="0" y="0"/>
+          <a:chExt cx="0" cy="0"/>
+        </a:xfrm>
+      </p:grpSpPr>
+      <p:sp>
+        <p:nvSpPr>
+          <p:cNvPr id="2" name="Title 1"/>
+          <p:cNvSpPr>
+            <a:spLocks noGrp="1"/>
+          </p:cNvSpPr>
+          <p:nvPr>
+            <p:ph type="title"/>
+          </p:nvPr>
+        </p:nvSpPr>
+        <p:spPr>
+          <a:xfrm>
+            <a:off x="1295402" y="3308581"/>
+            <a:ext cx="9609668" cy="1468800"/>
+          </a:xfrm>
+        </p:spPr>
+        <p:txBody>
+          <a:bodyPr anchor="b">
+            <a:normAutofit/>
+          </a:bodyPr>
+          <a:lstStyle>
+            <a:lvl1pPr algn="l">
+              <a:defRPr sz="3200" b="0" cap="none"/>
+            </a:lvl1pPr>
+          </a:lstStyle>
+          <a:p>
+            <a:r>
+              <a:rPr lang="ru-RU" smtClean="0"/>
+              <a:t>Образец заголовка</a:t>
+            </a:r>
+            <a:endParaRPr lang="en-US" dirty="0"/>
+          </a:p>
+        </p:txBody>
+      </p:sp>
+      <p:sp>
+        <p:nvSpPr>
+          <p:cNvPr id="3" name="Text Placeholder 2"/>
+          <p:cNvSpPr>
+            <a:spLocks noGrp="1"/>
+          </p:cNvSpPr>
+          <p:nvPr>
+            <p:ph type="body" idx="1"/>
+          </p:nvPr>
+        </p:nvSpPr>
+        <p:spPr>
+          <a:xfrm>
+            <a:off x="1295401" y="4777381"/>
+            <a:ext cx="9609668" cy="860400"/>
+          </a:xfrm>
+        </p:spPr>
+        <p:txBody>
+          <a:bodyPr anchor="t">
+            <a:normAutofit/>
+          </a:bodyPr>
+          <a:lstStyle>
+            <a:lvl1pPr marL="0" indent="0" algn="l">
+              <a:buNone/>
+              <a:defRPr sz="2000">
+                <a:solidFill>
+                  <a:schemeClr val="tx1"/>
+                </a:solidFill>
+              </a:defRPr>
+            </a:lvl1pPr>
+            <a:lvl2pPr marL="457200" indent="0">
+              <a:buNone/>
+              <a:defRPr sz="1800">
+                <a:solidFill>
+                  <a:schemeClr val="tx1">
+                    <a:tint val="75000"/>
+                  </a:schemeClr>
+                </a:solidFill>
+              </a:defRPr>
+            </a:lvl2pPr>
+            <a:lvl3pPr marL="914400" indent="0">
+              <a:buNone/>
+              <a:defRPr sz="1600">
+                <a:solidFill>
+                  <a:schemeClr val="tx1">
+                    <a:tint val="75000"/>
+                  </a:schemeClr>
+                </a:solidFill>
+              </a:defRPr>
+            </a:lvl3pPr>
+            <a:lvl4pPr marL="1371600" indent="0">
+              <a:buNone/>
+              <a:defRPr sz="1400">
+                <a:solidFill>
+                  <a:schemeClr val="tx1">
+                    <a:tint val="75000"/>
+                  </a:schemeClr>
+                </a:solidFill>
+              </a:defRPr>
+            </a:lvl4pPr>
+            <a:lvl5pPr marL="1828800" indent="0">
+              <a:buNone/>
+              <a:defRPr sz="1400">
+                <a:solidFill>
+                  <a:schemeClr val="tx1">
+                    <a:tint val="75000"/>
+                  </a:schemeClr>
+                </a:solidFill>
+              </a:defRPr>
+            </a:lvl5pPr>
+            <a:lvl6pPr marL="2286000" indent="0">
+              <a:buNone/>
+              <a:defRPr sz="1400">
+                <a:solidFill>
+                  <a:schemeClr val="tx1">
+                    <a:tint val="75000"/>
+                  </a:schemeClr>
+                </a:solidFill>
+              </a:defRPr>
+            </a:lvl6pPr>
+            <a:lvl7pPr marL="2743200" indent="0">
+              <a:buNone/>
+              <a:defRPr sz="1400">
+                <a:solidFill>
+                  <a:schemeClr val="tx1">
+                    <a:tint val="75000"/>
+                  </a:schemeClr>
+                </a:solidFill>
+              </a:defRPr>
+            </a:lvl7pPr>
+            <a:lvl8pPr marL="3200400" indent="0">
+              <a:buNone/>
+              <a:defRPr sz="1400">
+                <a:solidFill>
+                  <a:schemeClr val="tx1">
+                    <a:tint val="75000"/>
+                  </a:schemeClr>
+                </a:solidFill>
+              </a:defRPr>
+            </a:lvl8pPr>
+            <a:lvl9pPr marL="3657600" indent="0">
+              <a:buNone/>
+              <a:defRPr sz="1400">
+                <a:solidFill>
+                  <a:schemeClr val="tx1">
+                    <a:tint val="75000"/>
+                  </a:schemeClr>
+                </a:solidFill>
+              </a:defRPr>
+            </a:lvl9pPr>
+          </a:lstStyle>
+          <a:p>
+            <a:pPr lvl="0"/>
+            <a:r>
+              <a:rPr lang="ru-RU" smtClean="0"/>
+              <a:t>Образец текста</a:t>
+            </a:r>
+          </a:p>
+        </p:txBody>
+      </p:sp>
+      <p:sp>
+        <p:nvSpPr>
+          <p:cNvPr id="4" name="Date Placeholder 3"/>
+          <p:cNvSpPr>
+            <a:spLocks noGrp="1"/>
+          </p:cNvSpPr>
+          <p:nvPr>
+            <p:ph type="dt" sz="half" idx="10"/>
+          </p:nvPr>
+        </p:nvSpPr>
+        <p:spPr/>
+        <p:txBody>
+          <a:bodyPr/>
+          <a:lstStyle/>
+          <a:p>
+            <a:fld id="{F6F1740D-A2AB-48D6-B4C5-C6A56503F60B}" type="datetimeFigureOut">
+              <a:rPr lang="ru-RU" smtClean="0"/>
+              <a:t>24.04.2023</a:t>
+            </a:fld>
+            <a:endParaRPr lang="ru-RU"/>
+          </a:p>
+        </p:txBody>
+      </p:sp>
+      <p:sp>
+        <p:nvSpPr>
+          <p:cNvPr id="5" name="Footer Placeholder 4"/>
+          <p:cNvSpPr>
+            <a:spLocks noGrp="1"/>
+          </p:cNvSpPr>
+          <p:nvPr>
+            <p:ph type="ftr" sz="quarter" idx="11"/>
+          </p:nvPr>
+        </p:nvSpPr>
+        <p:spPr/>
+        <p:txBody>
+          <a:bodyPr/>
+          <a:lstStyle/>
+          <a:p>
+            <a:endParaRPr lang="ru-RU"/>
+          </a:p>
+        </p:txBody>
+      </p:sp>
+      <p:sp>
+        <p:nvSpPr>
+          <p:cNvPr id="6" name="Slide Number Placeholder 5"/>
+          <p:cNvSpPr>
+            <a:spLocks noGrp="1"/>
+          </p:cNvSpPr>
+          <p:nvPr>
+            <p:ph type="sldNum" sz="quarter" idx="12"/>
+          </p:nvPr>
+        </p:nvSpPr>
+        <p:spPr/>
+        <p:txBody>
+          <a:bodyPr/>
+          <a:lstStyle/>
+          <a:p>
+            <a:fld id="{D9016F4D-9E9C-4964-B172-E9D7DA3AA1CF}" type="slidenum">
+              <a:rPr lang="ru-RU" smtClean="0"/>
+              <a:t>‹#›</a:t>
+            </a:fld>
+            <a:endParaRPr lang="ru-RU"/>
+          </a:p>
+        </p:txBody>
+      </p:sp>
+    </p:spTree>
+    <p:extLst>
+      <p:ext uri="{BB962C8B-B14F-4D97-AF65-F5344CB8AC3E}">
+        <p14:creationId xmlns:p14="http://schemas.microsoft.com/office/powerpoint/2010/main" val="1714526740"/>
+      </p:ext>
+    </p:extLst>
+  </p:cSld>
+  <p:clrMapOvr>
+    <a:masterClrMapping/>
+  </p:clrMapOvr>
+</p:sldLayout>
+</file>
+
+<file path=ppt/slideLayouts/slideLayout14.xml><?xml version="1.0" encoding="utf-8"?>
+<p:sldLayout xmlns:a="http://schemas.openxmlformats.org/drawingml/2006/main" xmlns:r="http://schemas.openxmlformats.org/officeDocument/2006/relationships" xmlns:p="http://schemas.openxmlformats.org/presentationml/2006/main" preserve="1">
+  <p:cSld name="Цитата карточки имени">
+    <p:spTree>
+      <p:nvGrpSpPr>
+        <p:cNvPr id="1" name=""/>
+        <p:cNvGrpSpPr/>
+        <p:nvPr/>
+      </p:nvGrpSpPr>
+      <p:grpSpPr>
+        <a:xfrm>
+          <a:off x="0" y="0"/>
+          <a:ext cx="0" cy="0"/>
+          <a:chOff x="0" y="0"/>
+          <a:chExt cx="0" cy="0"/>
+        </a:xfrm>
+      </p:grpSpPr>
+      <p:sp>
+        <p:nvSpPr>
+          <p:cNvPr id="2" name="Title 1"/>
+          <p:cNvSpPr>
+            <a:spLocks noGrp="1"/>
+          </p:cNvSpPr>
+          <p:nvPr>
+            <p:ph type="title"/>
+          </p:nvPr>
+        </p:nvSpPr>
+        <p:spPr>
+          <a:xfrm>
+            <a:off x="1446213" y="982132"/>
+            <a:ext cx="9296398" cy="2243668"/>
+          </a:xfrm>
+        </p:spPr>
+        <p:txBody>
+          <a:bodyPr anchor="ctr">
+            <a:normAutofit/>
+          </a:bodyPr>
+          <a:lstStyle>
+            <a:lvl1pPr algn="ctr">
+              <a:defRPr sz="3200" b="0" cap="none">
+                <a:solidFill>
+                  <a:schemeClr val="tx1"/>
+                </a:solidFill>
+              </a:defRPr>
+            </a:lvl1pPr>
+          </a:lstStyle>
+          <a:p>
+            <a:r>
+              <a:rPr lang="ru-RU" smtClean="0"/>
+              <a:t>Образец заголовка</a:t>
+            </a:r>
+            <a:endParaRPr lang="en-US" dirty="0"/>
+          </a:p>
+        </p:txBody>
+      </p:sp>
+      <p:sp>
+        <p:nvSpPr>
+          <p:cNvPr id="23" name="Text Placeholder 2"/>
+          <p:cNvSpPr>
+            <a:spLocks noGrp="1"/>
+          </p:cNvSpPr>
+          <p:nvPr>
+            <p:ph type="body" idx="13"/>
+          </p:nvPr>
+        </p:nvSpPr>
+        <p:spPr>
+          <a:xfrm>
+            <a:off x="1295401" y="3639312"/>
+            <a:ext cx="9609668" cy="886968"/>
+          </a:xfrm>
+        </p:spPr>
+        <p:txBody>
+          <a:bodyPr anchor="b">
+            <a:normAutofit/>
+          </a:bodyPr>
+          <a:lstStyle>
+            <a:lvl1pPr marL="0" indent="0" algn="l">
+              <a:spcBef>
+                <a:spcPts val="0"/>
+              </a:spcBef>
+              <a:buNone/>
+              <a:defRPr sz="2400">
+                <a:solidFill>
+                  <a:schemeClr val="tx1"/>
+                </a:solidFill>
+              </a:defRPr>
+            </a:lvl1pPr>
+            <a:lvl2pPr marL="457200" indent="0">
+              <a:buNone/>
+              <a:defRPr sz="1800">
+                <a:solidFill>
+                  <a:schemeClr val="tx1">
+                    <a:tint val="75000"/>
+                  </a:schemeClr>
+                </a:solidFill>
+              </a:defRPr>
+            </a:lvl2pPr>
+            <a:lvl3pPr marL="914400" indent="0">
+              <a:buNone/>
+              <a:defRPr sz="1600">
+                <a:solidFill>
+                  <a:schemeClr val="tx1">
+                    <a:tint val="75000"/>
+                  </a:schemeClr>
+                </a:solidFill>
+              </a:defRPr>
+            </a:lvl3pPr>
+            <a:lvl4pPr marL="1371600" indent="0">
+              <a:buNone/>
+              <a:defRPr sz="1400">
+                <a:solidFill>
+                  <a:schemeClr val="tx1">
+                    <a:tint val="75000"/>
+                  </a:schemeClr>
+                </a:solidFill>
+              </a:defRPr>
+            </a:lvl4pPr>
+            <a:lvl5pPr marL="1828800" indent="0">
+              <a:buNone/>
+              <a:defRPr sz="1400">
+                <a:solidFill>
+                  <a:schemeClr val="tx1">
+                    <a:tint val="75000"/>
+                  </a:schemeClr>
+                </a:solidFill>
+              </a:defRPr>
+            </a:lvl5pPr>
+            <a:lvl6pPr marL="2286000" indent="0">
+              <a:buNone/>
+              <a:defRPr sz="1400">
+                <a:solidFill>
+                  <a:schemeClr val="tx1">
+                    <a:tint val="75000"/>
+                  </a:schemeClr>
+                </a:solidFill>
+              </a:defRPr>
+            </a:lvl6pPr>
+            <a:lvl7pPr marL="2743200" indent="0">
+              <a:buNone/>
+              <a:defRPr sz="1400">
+                <a:solidFill>
+                  <a:schemeClr val="tx1">
+                    <a:tint val="75000"/>
+                  </a:schemeClr>
+                </a:solidFill>
+              </a:defRPr>
+            </a:lvl7pPr>
+            <a:lvl8pPr marL="3200400" indent="0">
+              <a:buNone/>
+              <a:defRPr sz="1400">
+                <a:solidFill>
+                  <a:schemeClr val="tx1">
+                    <a:tint val="75000"/>
+                  </a:schemeClr>
+                </a:solidFill>
+              </a:defRPr>
+            </a:lvl8pPr>
+            <a:lvl9pPr marL="3657600" indent="0">
+              <a:buNone/>
+              <a:defRPr sz="1400">
+                <a:solidFill>
+                  <a:schemeClr val="tx1">
+                    <a:tint val="75000"/>
+                  </a:schemeClr>
+                </a:solidFill>
+              </a:defRPr>
+            </a:lvl9pPr>
+          </a:lstStyle>
+          <a:p>
+            <a:pPr lvl="0"/>
+            <a:r>
+              <a:rPr lang="ru-RU" smtClean="0"/>
+              <a:t>Образец текста</a:t>
+            </a:r>
+          </a:p>
+        </p:txBody>
+      </p:sp>
+      <p:sp>
+        <p:nvSpPr>
+          <p:cNvPr id="3" name="Text Placeholder 2"/>
+          <p:cNvSpPr>
+            <a:spLocks noGrp="1"/>
+          </p:cNvSpPr>
+          <p:nvPr>
+            <p:ph type="body" idx="1"/>
+          </p:nvPr>
+        </p:nvSpPr>
+        <p:spPr>
+          <a:xfrm>
+            <a:off x="1295401" y="4529667"/>
+            <a:ext cx="9609668" cy="1346200"/>
+          </a:xfrm>
+        </p:spPr>
+        <p:txBody>
+          <a:bodyPr anchor="t">
+            <a:normAutofit/>
+          </a:bodyPr>
+          <a:lstStyle>
+            <a:lvl1pPr marL="0" indent="0" algn="l">
+              <a:buNone/>
+              <a:defRPr sz="1800">
+                <a:solidFill>
+                  <a:schemeClr val="tx1"/>
+                </a:solidFill>
+              </a:defRPr>
+            </a:lvl1pPr>
+            <a:lvl2pPr marL="457200" indent="0">
+              <a:buNone/>
+              <a:defRPr sz="1800">
+                <a:solidFill>
+                  <a:schemeClr val="tx1">
+                    <a:tint val="75000"/>
+                  </a:schemeClr>
+                </a:solidFill>
+              </a:defRPr>
+            </a:lvl2pPr>
+            <a:lvl3pPr marL="914400" indent="0">
+              <a:buNone/>
+              <a:defRPr sz="1600">
+                <a:solidFill>
+                  <a:schemeClr val="tx1">
+                    <a:tint val="75000"/>
+                  </a:schemeClr>
+                </a:solidFill>
+              </a:defRPr>
+            </a:lvl3pPr>
+            <a:lvl4pPr marL="1371600" indent="0">
+              <a:buNone/>
+              <a:defRPr sz="1400">
+                <a:solidFill>
+                  <a:schemeClr val="tx1">
+                    <a:tint val="75000"/>
+                  </a:schemeClr>
+                </a:solidFill>
+              </a:defRPr>
+            </a:lvl4pPr>
+            <a:lvl5pPr marL="1828800" indent="0">
+              <a:buNone/>
+              <a:defRPr sz="1400">
+                <a:solidFill>
+                  <a:schemeClr val="tx1">
+                    <a:tint val="75000"/>
+                  </a:schemeClr>
+                </a:solidFill>
+              </a:defRPr>
+            </a:lvl5pPr>
+            <a:lvl6pPr marL="2286000" indent="0">
+              <a:buNone/>
+              <a:defRPr sz="1400">
+                <a:solidFill>
+                  <a:schemeClr val="tx1">
+                    <a:tint val="75000"/>
+                  </a:schemeClr>
+                </a:solidFill>
+              </a:defRPr>
+            </a:lvl6pPr>
+            <a:lvl7pPr marL="2743200" indent="0">
+              <a:buNone/>
+              <a:defRPr sz="1400">
+                <a:solidFill>
+                  <a:schemeClr val="tx1">
+                    <a:tint val="75000"/>
+                  </a:schemeClr>
+                </a:solidFill>
+              </a:defRPr>
+            </a:lvl7pPr>
+            <a:lvl8pPr marL="3200400" indent="0">
+              <a:buNone/>
+              <a:defRPr sz="1400">
+                <a:solidFill>
+                  <a:schemeClr val="tx1">
+                    <a:tint val="75000"/>
+                  </a:schemeClr>
+                </a:solidFill>
+              </a:defRPr>
+            </a:lvl8pPr>
+            <a:lvl9pPr marL="3657600" indent="0">
+              <a:buNone/>
+              <a:defRPr sz="1400">
+                <a:solidFill>
+                  <a:schemeClr val="tx1">
+                    <a:tint val="75000"/>
+                  </a:schemeClr>
+                </a:solidFill>
+              </a:defRPr>
+            </a:lvl9pPr>
+          </a:lstStyle>
+          <a:p>
+            <a:pPr lvl="0"/>
+            <a:r>
+              <a:rPr lang="ru-RU" smtClean="0"/>
+              <a:t>Образец текста</a:t>
+            </a:r>
+          </a:p>
+        </p:txBody>
+      </p:sp>
+      <p:sp>
+        <p:nvSpPr>
+          <p:cNvPr id="4" name="Date Placeholder 3"/>
+          <p:cNvSpPr>
+            <a:spLocks noGrp="1"/>
+          </p:cNvSpPr>
+          <p:nvPr>
+            <p:ph type="dt" sz="half" idx="10"/>
+          </p:nvPr>
+        </p:nvSpPr>
+        <p:spPr/>
+        <p:txBody>
+          <a:bodyPr/>
+          <a:lstStyle/>
+          <a:p>
+            <a:fld id="{F6F1740D-A2AB-48D6-B4C5-C6A56503F60B}" type="datetimeFigureOut">
+              <a:rPr lang="ru-RU" smtClean="0"/>
+              <a:t>24.04.2023</a:t>
+            </a:fld>
+            <a:endParaRPr lang="ru-RU"/>
+          </a:p>
+        </p:txBody>
+      </p:sp>
+      <p:sp>
+        <p:nvSpPr>
+          <p:cNvPr id="5" name="Footer Placeholder 4"/>
+          <p:cNvSpPr>
+            <a:spLocks noGrp="1"/>
+          </p:cNvSpPr>
+          <p:nvPr>
+            <p:ph type="ftr" sz="quarter" idx="11"/>
+          </p:nvPr>
+        </p:nvSpPr>
+        <p:spPr/>
+        <p:txBody>
+          <a:bodyPr/>
+          <a:lstStyle/>
+          <a:p>
+            <a:endParaRPr lang="ru-RU"/>
+          </a:p>
+        </p:txBody>
+      </p:sp>
+      <p:sp>
+        <p:nvSpPr>
+          <p:cNvPr id="6" name="Slide Number Placeholder 5"/>
+          <p:cNvSpPr>
+            <a:spLocks noGrp="1"/>
+          </p:cNvSpPr>
+          <p:nvPr>
+            <p:ph type="sldNum" sz="quarter" idx="12"/>
+          </p:nvPr>
+        </p:nvSpPr>
+        <p:spPr/>
+        <p:txBody>
+          <a:bodyPr/>
+          <a:lstStyle/>
+          <a:p>
+            <a:fld id="{D9016F4D-9E9C-4964-B172-E9D7DA3AA1CF}" type="slidenum">
+              <a:rPr lang="ru-RU" smtClean="0"/>
+              <a:t>‹#›</a:t>
+            </a:fld>
+            <a:endParaRPr lang="ru-RU"/>
+          </a:p>
+        </p:txBody>
+      </p:sp>
+      <p:sp>
+        <p:nvSpPr>
+          <p:cNvPr id="12" name="TextBox 11"/>
+          <p:cNvSpPr txBox="1"/>
+          <p:nvPr/>
+        </p:nvSpPr>
+        <p:spPr>
+          <a:xfrm>
+            <a:off x="862013" y="879961"/>
+            <a:ext cx="609600" cy="584776"/>
+          </a:xfrm>
+          <a:prstGeom prst="rect">
+            <a:avLst/>
+          </a:prstGeom>
+        </p:spPr>
+        <p:txBody>
+          <a:bodyPr vert="horz" lIns="91440" tIns="45720" rIns="91440" bIns="45720" rtlCol="0" anchor="ctr">
+            <a:noAutofit/>
+          </a:bodyPr>
+          <a:lstStyle/>
+          <a:p>
+            <a:pPr lvl="0"/>
+            <a:r>
+              <a:rPr lang="en-US" sz="8000" dirty="0">
+                <a:solidFill>
+                  <a:schemeClr val="tx1"/>
+                </a:solidFill>
+                <a:effectLst/>
+              </a:rPr>
+              <a:t>“</a:t>
+            </a:r>
+          </a:p>
+        </p:txBody>
+      </p:sp>
+      <p:sp>
+        <p:nvSpPr>
+          <p:cNvPr id="13" name="TextBox 12"/>
+          <p:cNvSpPr txBox="1"/>
+          <p:nvPr/>
+        </p:nvSpPr>
+        <p:spPr>
+          <a:xfrm>
+            <a:off x="10600267" y="2599261"/>
+            <a:ext cx="609600" cy="584776"/>
+          </a:xfrm>
+          <a:prstGeom prst="rect">
+            <a:avLst/>
+          </a:prstGeom>
+        </p:spPr>
+        <p:txBody>
+          <a:bodyPr vert="horz" lIns="91440" tIns="45720" rIns="91440" bIns="45720" rtlCol="0" anchor="ctr">
+            <a:noAutofit/>
+          </a:bodyPr>
+          <a:lstStyle/>
+          <a:p>
+            <a:pPr lvl="0" algn="r"/>
+            <a:r>
+              <a:rPr lang="en-US" sz="8000" dirty="0">
+                <a:solidFill>
+                  <a:schemeClr val="tx1"/>
+                </a:solidFill>
+                <a:effectLst/>
+              </a:rPr>
+              <a:t>”</a:t>
+            </a:r>
+          </a:p>
+        </p:txBody>
+      </p:sp>
+      <p:cxnSp>
+        <p:nvCxnSpPr>
+          <p:cNvPr id="26" name="Straight Connector 25"/>
+          <p:cNvCxnSpPr/>
+          <p:nvPr/>
+        </p:nvCxnSpPr>
+        <p:spPr>
+          <a:xfrm>
+            <a:off x="1396169" y="3429000"/>
+            <a:ext cx="9407298" cy="0"/>
+          </a:xfrm>
+          <a:prstGeom prst="line">
+            <a:avLst/>
+          </a:prstGeom>
+          <a:ln w="15875"/>
+        </p:spPr>
+        <p:style>
+          <a:lnRef idx="2">
+            <a:schemeClr val="accent1"/>
+          </a:lnRef>
+          <a:fillRef idx="0">
+            <a:schemeClr val="accent1"/>
+          </a:fillRef>
+          <a:effectRef idx="1">
+            <a:schemeClr val="accent1"/>
+          </a:effectRef>
+          <a:fontRef idx="minor">
+            <a:schemeClr val="tx1"/>
+          </a:fontRef>
+        </p:style>
+      </p:cxnSp>
+    </p:spTree>
+    <p:extLst>
+      <p:ext uri="{BB962C8B-B14F-4D97-AF65-F5344CB8AC3E}">
+        <p14:creationId xmlns:p14="http://schemas.microsoft.com/office/powerpoint/2010/main" val="376996868"/>
+      </p:ext>
+    </p:extLst>
+  </p:cSld>
+  <p:clrMapOvr>
+    <a:masterClrMapping/>
+  </p:clrMapOvr>
+</p:sldLayout>
+</file>
+
+<file path=ppt/slideLayouts/slideLayout15.xml><?xml version="1.0" encoding="utf-8"?>
+<p:sldLayout xmlns:a="http://schemas.openxmlformats.org/drawingml/2006/main" xmlns:r="http://schemas.openxmlformats.org/officeDocument/2006/relationships" xmlns:p="http://schemas.openxmlformats.org/presentationml/2006/main" preserve="1">
+  <p:cSld name="Истина или ложь">
+    <p:spTree>
+      <p:nvGrpSpPr>
+        <p:cNvPr id="1" name=""/>
+        <p:cNvGrpSpPr/>
+        <p:nvPr/>
+      </p:nvGrpSpPr>
+      <p:grpSpPr>
+        <a:xfrm>
+          <a:off x="0" y="0"/>
+          <a:ext cx="0" cy="0"/>
+          <a:chOff x="0" y="0"/>
+          <a:chExt cx="0" cy="0"/>
+        </a:xfrm>
+      </p:grpSpPr>
+      <p:sp>
+        <p:nvSpPr>
+          <p:cNvPr id="2" name="Title 1"/>
+          <p:cNvSpPr>
+            <a:spLocks noGrp="1"/>
+          </p:cNvSpPr>
+          <p:nvPr>
+            <p:ph type="title"/>
+          </p:nvPr>
+        </p:nvSpPr>
+        <p:spPr>
+          <a:xfrm>
+            <a:off x="1295401" y="982132"/>
+            <a:ext cx="9609666" cy="2243668"/>
+          </a:xfrm>
+        </p:spPr>
+        <p:txBody>
+          <a:bodyPr vert="horz" lIns="91440" tIns="45720" rIns="91440" bIns="45720" rtlCol="0" anchor="ctr">
+            <a:normAutofit/>
+          </a:bodyPr>
+          <a:lstStyle>
+            <a:lvl1pPr>
+              <a:defRPr lang="en-US" b="0" dirty="0"/>
+            </a:lvl1pPr>
+          </a:lstStyle>
+          <a:p>
+            <a:pPr marL="0" lvl="0"/>
+            <a:r>
+              <a:rPr lang="ru-RU" smtClean="0"/>
+              <a:t>Образец заголовка</a:t>
+            </a:r>
+            <a:endParaRPr lang="en-US" dirty="0"/>
+          </a:p>
+        </p:txBody>
+      </p:sp>
+      <p:sp>
+        <p:nvSpPr>
+          <p:cNvPr id="20" name="Text Placeholder 2"/>
+          <p:cNvSpPr>
+            <a:spLocks noGrp="1"/>
+          </p:cNvSpPr>
+          <p:nvPr>
+            <p:ph type="body" idx="13"/>
+          </p:nvPr>
+        </p:nvSpPr>
+        <p:spPr>
+          <a:xfrm>
+            <a:off x="1295401" y="3630168"/>
+            <a:ext cx="9609668" cy="841248"/>
+          </a:xfrm>
+        </p:spPr>
+        <p:txBody>
+          <a:bodyPr anchor="b">
+            <a:normAutofit/>
+          </a:bodyPr>
+          <a:lstStyle>
+            <a:lvl1pPr marL="0" indent="0" algn="l">
+              <a:spcBef>
+                <a:spcPts val="0"/>
+              </a:spcBef>
+              <a:buNone/>
+              <a:defRPr sz="2800">
+                <a:solidFill>
+                  <a:schemeClr val="tx1"/>
+                </a:solidFill>
+              </a:defRPr>
+            </a:lvl1pPr>
+            <a:lvl2pPr marL="457200" indent="0">
+              <a:buNone/>
+              <a:defRPr sz="1800">
+                <a:solidFill>
+                  <a:schemeClr val="tx1">
+                    <a:tint val="75000"/>
+                  </a:schemeClr>
+                </a:solidFill>
+              </a:defRPr>
+            </a:lvl2pPr>
+            <a:lvl3pPr marL="914400" indent="0">
+              <a:buNone/>
+              <a:defRPr sz="1600">
+                <a:solidFill>
+                  <a:schemeClr val="tx1">
+                    <a:tint val="75000"/>
+                  </a:schemeClr>
+                </a:solidFill>
+              </a:defRPr>
+            </a:lvl3pPr>
+            <a:lvl4pPr marL="1371600" indent="0">
+              <a:buNone/>
+              <a:defRPr sz="1400">
+                <a:solidFill>
+                  <a:schemeClr val="tx1">
+                    <a:tint val="75000"/>
+                  </a:schemeClr>
+                </a:solidFill>
+              </a:defRPr>
+            </a:lvl4pPr>
+            <a:lvl5pPr marL="1828800" indent="0">
+              <a:buNone/>
+              <a:defRPr sz="1400">
+                <a:solidFill>
+                  <a:schemeClr val="tx1">
+                    <a:tint val="75000"/>
+                  </a:schemeClr>
+                </a:solidFill>
+              </a:defRPr>
+            </a:lvl5pPr>
+            <a:lvl6pPr marL="2286000" indent="0">
+              <a:buNone/>
+              <a:defRPr sz="1400">
+                <a:solidFill>
+                  <a:schemeClr val="tx1">
+                    <a:tint val="75000"/>
+                  </a:schemeClr>
+                </a:solidFill>
+              </a:defRPr>
+            </a:lvl6pPr>
+            <a:lvl7pPr marL="2743200" indent="0">
+              <a:buNone/>
+              <a:defRPr sz="1400">
+                <a:solidFill>
+                  <a:schemeClr val="tx1">
+                    <a:tint val="75000"/>
+                  </a:schemeClr>
+                </a:solidFill>
+              </a:defRPr>
+            </a:lvl7pPr>
+            <a:lvl8pPr marL="3200400" indent="0">
+              <a:buNone/>
+              <a:defRPr sz="1400">
+                <a:solidFill>
+                  <a:schemeClr val="tx1">
+                    <a:tint val="75000"/>
+                  </a:schemeClr>
+                </a:solidFill>
+              </a:defRPr>
+            </a:lvl8pPr>
+            <a:lvl9pPr marL="3657600" indent="0">
+              <a:buNone/>
+              <a:defRPr sz="1400">
+                <a:solidFill>
+                  <a:schemeClr val="tx1">
+                    <a:tint val="75000"/>
+                  </a:schemeClr>
+                </a:solidFill>
+              </a:defRPr>
+            </a:lvl9pPr>
+          </a:lstStyle>
+          <a:p>
+            <a:pPr lvl="0"/>
+            <a:r>
+              <a:rPr lang="ru-RU" smtClean="0"/>
+              <a:t>Образец текста</a:t>
+            </a:r>
+          </a:p>
+        </p:txBody>
+      </p:sp>
+      <p:sp>
+        <p:nvSpPr>
+          <p:cNvPr id="3" name="Text Placeholder 2"/>
+          <p:cNvSpPr>
+            <a:spLocks noGrp="1"/>
+          </p:cNvSpPr>
+          <p:nvPr>
+            <p:ph type="body" idx="1"/>
+          </p:nvPr>
+        </p:nvSpPr>
+        <p:spPr>
+          <a:xfrm>
+            <a:off x="1295400" y="4470399"/>
+            <a:ext cx="9609670" cy="1405467"/>
+          </a:xfrm>
+        </p:spPr>
+        <p:txBody>
+          <a:bodyPr anchor="t">
+            <a:normAutofit/>
+          </a:bodyPr>
+          <a:lstStyle>
+            <a:lvl1pPr marL="0" indent="0" algn="l">
+              <a:buNone/>
+              <a:defRPr sz="1800">
+                <a:solidFill>
+                  <a:schemeClr val="tx1"/>
+                </a:solidFill>
+              </a:defRPr>
+            </a:lvl1pPr>
+            <a:lvl2pPr marL="457200" indent="0">
+              <a:buNone/>
+              <a:defRPr sz="1800">
+                <a:solidFill>
+                  <a:schemeClr val="tx1">
+                    <a:tint val="75000"/>
+                  </a:schemeClr>
+                </a:solidFill>
+              </a:defRPr>
+            </a:lvl2pPr>
+            <a:lvl3pPr marL="914400" indent="0">
+              <a:buNone/>
+              <a:defRPr sz="1600">
+                <a:solidFill>
+                  <a:schemeClr val="tx1">
+                    <a:tint val="75000"/>
+                  </a:schemeClr>
+                </a:solidFill>
+              </a:defRPr>
+            </a:lvl3pPr>
+            <a:lvl4pPr marL="1371600" indent="0">
+              <a:buNone/>
+              <a:defRPr sz="1400">
+                <a:solidFill>
+                  <a:schemeClr val="tx1">
+                    <a:tint val="75000"/>
+                  </a:schemeClr>
+                </a:solidFill>
+              </a:defRPr>
+            </a:lvl4pPr>
+            <a:lvl5pPr marL="1828800" indent="0">
+              <a:buNone/>
+              <a:defRPr sz="1400">
+                <a:solidFill>
+                  <a:schemeClr val="tx1">
+                    <a:tint val="75000"/>
+                  </a:schemeClr>
+                </a:solidFill>
+              </a:defRPr>
+            </a:lvl5pPr>
+            <a:lvl6pPr marL="2286000" indent="0">
+              <a:buNone/>
+              <a:defRPr sz="1400">
+                <a:solidFill>
+                  <a:schemeClr val="tx1">
+                    <a:tint val="75000"/>
+                  </a:schemeClr>
+                </a:solidFill>
+              </a:defRPr>
+            </a:lvl6pPr>
+            <a:lvl7pPr marL="2743200" indent="0">
+              <a:buNone/>
+              <a:defRPr sz="1400">
+                <a:solidFill>
+                  <a:schemeClr val="tx1">
+                    <a:tint val="75000"/>
+                  </a:schemeClr>
+                </a:solidFill>
+              </a:defRPr>
+            </a:lvl7pPr>
+            <a:lvl8pPr marL="3200400" indent="0">
+              <a:buNone/>
+              <a:defRPr sz="1400">
+                <a:solidFill>
+                  <a:schemeClr val="tx1">
+                    <a:tint val="75000"/>
+                  </a:schemeClr>
+                </a:solidFill>
+              </a:defRPr>
+            </a:lvl8pPr>
+            <a:lvl9pPr marL="3657600" indent="0">
+              <a:buNone/>
+              <a:defRPr sz="1400">
+                <a:solidFill>
+                  <a:schemeClr val="tx1">
+                    <a:tint val="75000"/>
+                  </a:schemeClr>
+                </a:solidFill>
+              </a:defRPr>
+            </a:lvl9pPr>
+          </a:lstStyle>
+          <a:p>
+            <a:pPr lvl="0"/>
+            <a:r>
+              <a:rPr lang="ru-RU" smtClean="0"/>
+              <a:t>Образец текста</a:t>
+            </a:r>
+          </a:p>
+        </p:txBody>
+      </p:sp>
+      <p:sp>
+        <p:nvSpPr>
+          <p:cNvPr id="4" name="Date Placeholder 3"/>
+          <p:cNvSpPr>
+            <a:spLocks noGrp="1"/>
+          </p:cNvSpPr>
+          <p:nvPr>
+            <p:ph type="dt" sz="half" idx="10"/>
+          </p:nvPr>
+        </p:nvSpPr>
+        <p:spPr/>
+        <p:txBody>
+          <a:bodyPr/>
+          <a:lstStyle/>
+          <a:p>
+            <a:fld id="{F6F1740D-A2AB-48D6-B4C5-C6A56503F60B}" type="datetimeFigureOut">
+              <a:rPr lang="ru-RU" smtClean="0"/>
+              <a:t>24.04.2023</a:t>
+            </a:fld>
+            <a:endParaRPr lang="ru-RU"/>
+          </a:p>
+        </p:txBody>
+      </p:sp>
+      <p:sp>
+        <p:nvSpPr>
+          <p:cNvPr id="5" name="Footer Placeholder 4"/>
+          <p:cNvSpPr>
+            <a:spLocks noGrp="1"/>
+          </p:cNvSpPr>
+          <p:nvPr>
+            <p:ph type="ftr" sz="quarter" idx="11"/>
+          </p:nvPr>
+        </p:nvSpPr>
+        <p:spPr/>
+        <p:txBody>
+          <a:bodyPr/>
+          <a:lstStyle/>
+          <a:p>
+            <a:endParaRPr lang="ru-RU"/>
+          </a:p>
+        </p:txBody>
+      </p:sp>
+      <p:sp>
+        <p:nvSpPr>
+          <p:cNvPr id="6" name="Slide Number Placeholder 5"/>
+          <p:cNvSpPr>
+            <a:spLocks noGrp="1"/>
+          </p:cNvSpPr>
+          <p:nvPr>
+            <p:ph type="sldNum" sz="quarter" idx="12"/>
+          </p:nvPr>
+        </p:nvSpPr>
+        <p:spPr/>
+        <p:txBody>
+          <a:bodyPr/>
+          <a:lstStyle/>
+          <a:p>
+            <a:fld id="{D9016F4D-9E9C-4964-B172-E9D7DA3AA1CF}" type="slidenum">
+              <a:rPr lang="ru-RU" smtClean="0"/>
+              <a:t>‹#›</a:t>
+            </a:fld>
+            <a:endParaRPr lang="ru-RU"/>
+          </a:p>
+        </p:txBody>
+      </p:sp>
+      <p:cxnSp>
+        <p:nvCxnSpPr>
+          <p:cNvPr id="15" name="Straight Connector 14"/>
+          <p:cNvCxnSpPr/>
+          <p:nvPr/>
+        </p:nvCxnSpPr>
+        <p:spPr>
+          <a:xfrm>
+            <a:off x="1396169" y="3429000"/>
+            <a:ext cx="9407298" cy="0"/>
+          </a:xfrm>
+          <a:prstGeom prst="line">
+            <a:avLst/>
+          </a:prstGeom>
+          <a:ln w="15875"/>
+        </p:spPr>
+        <p:style>
+          <a:lnRef idx="2">
+            <a:schemeClr val="accent1"/>
+          </a:lnRef>
+          <a:fillRef idx="0">
+            <a:schemeClr val="accent1"/>
+          </a:fillRef>
+          <a:effectRef idx="1">
+            <a:schemeClr val="accent1"/>
+          </a:effectRef>
+          <a:fontRef idx="minor">
+            <a:schemeClr val="tx1"/>
+          </a:fontRef>
+        </p:style>
+      </p:cxnSp>
+    </p:spTree>
+    <p:extLst>
+      <p:ext uri="{BB962C8B-B14F-4D97-AF65-F5344CB8AC3E}">
+        <p14:creationId xmlns:p14="http://schemas.microsoft.com/office/powerpoint/2010/main" val="3930915685"/>
+      </p:ext>
+    </p:extLst>
+  </p:cSld>
+  <p:clrMapOvr>
+    <a:masterClrMapping/>
+  </p:clrMapOvr>
+</p:sldLayout>
+</file>
+
+<file path=ppt/slideLayouts/slideLayout16.xml><?xml version="1.0" encoding="utf-8"?>
 <p:sldLayout xmlns:a="http://schemas.openxmlformats.org/drawingml/2006/main" xmlns:r="http://schemas.openxmlformats.org/officeDocument/2006/relationships" xmlns:p="http://schemas.openxmlformats.org/presentationml/2006/main" type="vertTx" preserve="1">
   <p:cSld name="Заголовок и вертикальный текст">
     <p:spTree>
@@ -349,13 +2659,7 @@
       </p:grpSpPr>
       <p:sp>
         <p:nvSpPr>
-          <p:cNvPr id="2" name="Заголовок 1">
-            <a:extLst>
-              <a:ext uri="{FF2B5EF4-FFF2-40B4-BE49-F238E27FC236}">
-                <a16:creationId xmlns:a16="http://schemas.microsoft.com/office/drawing/2014/main" id="{C9548A6A-ADD3-C54C-794F-FC9A22590FCF}"/>
-              </a:ext>
-            </a:extLst>
-          </p:cNvPr>
+          <p:cNvPr id="2" name="Title 1"/>
           <p:cNvSpPr>
             <a:spLocks noGrp="1"/>
           </p:cNvSpPr>
@@ -366,24 +2670,23 @@
         <p:spPr/>
         <p:txBody>
           <a:bodyPr/>
-          <a:lstStyle/>
-          <a:p>
-            <a:r>
-              <a:rPr lang="ru-RU"/>
+          <a:lstStyle>
+            <a:lvl1pPr algn="ctr">
+              <a:defRPr/>
+            </a:lvl1pPr>
+          </a:lstStyle>
+          <a:p>
+            <a:r>
+              <a:rPr lang="ru-RU" smtClean="0"/>
               <a:t>Образец заголовка</a:t>
             </a:r>
-          </a:p>
-        </p:txBody>
-      </p:sp>
-      <p:sp>
-        <p:nvSpPr>
-          <p:cNvPr id="3" name="Вертикальный текст 2">
-            <a:extLst>
-              <a:ext uri="{FF2B5EF4-FFF2-40B4-BE49-F238E27FC236}">
-                <a16:creationId xmlns:a16="http://schemas.microsoft.com/office/drawing/2014/main" id="{29EF6DD4-9F2A-CCB8-F9BA-825B45D00DAA}"/>
-              </a:ext>
-            </a:extLst>
-          </p:cNvPr>
+            <a:endParaRPr lang="en-US" dirty="0"/>
+          </a:p>
+        </p:txBody>
+      </p:sp>
+      <p:sp>
+        <p:nvSpPr>
+          <p:cNvPr id="3" name="Vertical Text Placeholder 2"/>
           <p:cNvSpPr>
             <a:spLocks noGrp="1"/>
           </p:cNvSpPr>
@@ -393,54 +2696,49 @@
         </p:nvSpPr>
         <p:spPr/>
         <p:txBody>
-          <a:bodyPr vert="eaVert"/>
+          <a:bodyPr vert="eaVert" anchor="t"/>
           <a:lstStyle/>
           <a:p>
             <a:pPr lvl="0"/>
             <a:r>
-              <a:rPr lang="ru-RU"/>
+              <a:rPr lang="ru-RU" smtClean="0"/>
               <a:t>Образец текста</a:t>
             </a:r>
           </a:p>
           <a:p>
             <a:pPr lvl="1"/>
             <a:r>
-              <a:rPr lang="ru-RU"/>
+              <a:rPr lang="ru-RU" smtClean="0"/>
               <a:t>Второй уровень</a:t>
             </a:r>
           </a:p>
           <a:p>
             <a:pPr lvl="2"/>
             <a:r>
-              <a:rPr lang="ru-RU"/>
+              <a:rPr lang="ru-RU" smtClean="0"/>
               <a:t>Третий уровень</a:t>
             </a:r>
           </a:p>
           <a:p>
             <a:pPr lvl="3"/>
             <a:r>
-              <a:rPr lang="ru-RU"/>
+              <a:rPr lang="ru-RU" smtClean="0"/>
               <a:t>Четвертый уровень</a:t>
             </a:r>
           </a:p>
           <a:p>
             <a:pPr lvl="4"/>
             <a:r>
-              <a:rPr lang="ru-RU"/>
+              <a:rPr lang="ru-RU" smtClean="0"/>
               <a:t>Пятый уровень</a:t>
             </a:r>
-          </a:p>
-        </p:txBody>
-      </p:sp>
-      <p:sp>
-        <p:nvSpPr>
-          <p:cNvPr id="4" name="Дата 3">
-            <a:extLst>
-              <a:ext uri="{FF2B5EF4-FFF2-40B4-BE49-F238E27FC236}">
-                <a16:creationId xmlns:a16="http://schemas.microsoft.com/office/drawing/2014/main" id="{ACD2A57B-22B6-9527-3512-C603683C538E}"/>
-              </a:ext>
-            </a:extLst>
-          </p:cNvPr>
+            <a:endParaRPr lang="en-US" dirty="0"/>
+          </a:p>
+        </p:txBody>
+      </p:sp>
+      <p:sp>
+        <p:nvSpPr>
+          <p:cNvPr id="4" name="Date Placeholder 3"/>
           <p:cNvSpPr>
             <a:spLocks noGrp="1"/>
           </p:cNvSpPr>
@@ -455,7 +2753,7 @@
           <a:p>
             <a:fld id="{F6F1740D-A2AB-48D6-B4C5-C6A56503F60B}" type="datetimeFigureOut">
               <a:rPr lang="ru-RU" smtClean="0"/>
-              <a:t>20.04.2023</a:t>
+              <a:t>24.04.2023</a:t>
             </a:fld>
             <a:endParaRPr lang="ru-RU"/>
           </a:p>
@@ -463,13 +2761,7 @@
       </p:sp>
       <p:sp>
         <p:nvSpPr>
-          <p:cNvPr id="5" name="Нижний колонтитул 4">
-            <a:extLst>
-              <a:ext uri="{FF2B5EF4-FFF2-40B4-BE49-F238E27FC236}">
-                <a16:creationId xmlns:a16="http://schemas.microsoft.com/office/drawing/2014/main" id="{6E383440-5D56-E50D-E26F-B3E7CAAB8A7C}"/>
-              </a:ext>
-            </a:extLst>
-          </p:cNvPr>
+          <p:cNvPr id="5" name="Footer Placeholder 4"/>
           <p:cNvSpPr>
             <a:spLocks noGrp="1"/>
           </p:cNvSpPr>
@@ -488,13 +2780,7 @@
       </p:sp>
       <p:sp>
         <p:nvSpPr>
-          <p:cNvPr id="6" name="Номер слайда 5">
-            <a:extLst>
-              <a:ext uri="{FF2B5EF4-FFF2-40B4-BE49-F238E27FC236}">
-                <a16:creationId xmlns:a16="http://schemas.microsoft.com/office/drawing/2014/main" id="{94226F62-4FDF-D006-B5B0-8758B6051679}"/>
-              </a:ext>
-            </a:extLst>
-          </p:cNvPr>
+          <p:cNvPr id="6" name="Slide Number Placeholder 5"/>
           <p:cNvSpPr>
             <a:spLocks noGrp="1"/>
           </p:cNvSpPr>
@@ -515,10 +2801,41 @@
           </a:p>
         </p:txBody>
       </p:sp>
+      <p:cxnSp>
+        <p:nvCxnSpPr>
+          <p:cNvPr id="14" name="Straight Connector 13"/>
+          <p:cNvCxnSpPr/>
+          <p:nvPr/>
+        </p:nvCxnSpPr>
+        <p:spPr>
+          <a:xfrm>
+            <a:off x="1396169" y="2421466"/>
+            <a:ext cx="9407298" cy="0"/>
+          </a:xfrm>
+          <a:prstGeom prst="line">
+            <a:avLst/>
+          </a:prstGeom>
+          <a:ln w="15875"/>
+        </p:spPr>
+        <p:style>
+          <a:lnRef idx="2">
+            <a:schemeClr val="accent1"/>
+          </a:lnRef>
+          <a:fillRef idx="0">
+            <a:schemeClr val="accent1"/>
+          </a:fillRef>
+          <a:effectRef idx="1">
+            <a:schemeClr val="accent1"/>
+          </a:effectRef>
+          <a:fontRef idx="minor">
+            <a:schemeClr val="tx1"/>
+          </a:fontRef>
+        </p:style>
+      </p:cxnSp>
     </p:spTree>
     <p:extLst>
       <p:ext uri="{BB962C8B-B14F-4D97-AF65-F5344CB8AC3E}">
-        <p14:creationId xmlns:p14="http://schemas.microsoft.com/office/powerpoint/2010/main" val="303952012"/>
+        <p14:creationId xmlns:p14="http://schemas.microsoft.com/office/powerpoint/2010/main" val="2617356593"/>
       </p:ext>
     </p:extLst>
   </p:cSld>
@@ -528,7 +2845,7 @@
 </p:sldLayout>
 </file>
 
-<file path=ppt/slideLayouts/slideLayout11.xml><?xml version="1.0" encoding="utf-8"?>
+<file path=ppt/slideLayouts/slideLayout17.xml><?xml version="1.0" encoding="utf-8"?>
 <p:sldLayout xmlns:a="http://schemas.openxmlformats.org/drawingml/2006/main" xmlns:r="http://schemas.openxmlformats.org/officeDocument/2006/relationships" xmlns:p="http://schemas.openxmlformats.org/presentationml/2006/main" type="vertTitleAndTx" preserve="1">
   <p:cSld name="Вертикальный заголовок и текст">
     <p:spTree>
@@ -547,13 +2864,7 @@
       </p:grpSpPr>
       <p:sp>
         <p:nvSpPr>
-          <p:cNvPr id="2" name="Вертикальный заголовок 1">
-            <a:extLst>
-              <a:ext uri="{FF2B5EF4-FFF2-40B4-BE49-F238E27FC236}">
-                <a16:creationId xmlns:a16="http://schemas.microsoft.com/office/drawing/2014/main" id="{8D770FE4-58AC-5B10-9D73-C7B11FEBC390}"/>
-              </a:ext>
-            </a:extLst>
-          </p:cNvPr>
+          <p:cNvPr id="2" name="Vertical Title 1"/>
           <p:cNvSpPr>
             <a:spLocks noGrp="1"/>
           </p:cNvSpPr>
@@ -563,8 +2874,8 @@
         </p:nvSpPr>
         <p:spPr>
           <a:xfrm>
-            <a:off x="8724900" y="365125"/>
-            <a:ext cx="2628900" cy="5811838"/>
+            <a:off x="8999356" y="982131"/>
+            <a:ext cx="1890895" cy="4893735"/>
           </a:xfrm>
         </p:spPr>
         <p:txBody>
@@ -572,21 +2883,16 @@
           <a:lstStyle/>
           <a:p>
             <a:r>
-              <a:rPr lang="ru-RU"/>
+              <a:rPr lang="ru-RU" smtClean="0"/>
               <a:t>Образец заголовка</a:t>
             </a:r>
-          </a:p>
-        </p:txBody>
-      </p:sp>
-      <p:sp>
-        <p:nvSpPr>
-          <p:cNvPr id="3" name="Вертикальный текст 2">
-            <a:extLst>
-              <a:ext uri="{FF2B5EF4-FFF2-40B4-BE49-F238E27FC236}">
-                <a16:creationId xmlns:a16="http://schemas.microsoft.com/office/drawing/2014/main" id="{C64C4F60-A8C6-8107-26EE-C9CE5B6F5B5E}"/>
-              </a:ext>
-            </a:extLst>
-          </p:cNvPr>
+            <a:endParaRPr lang="en-US" dirty="0"/>
+          </a:p>
+        </p:txBody>
+      </p:sp>
+      <p:sp>
+        <p:nvSpPr>
+          <p:cNvPr id="3" name="Vertical Text Placeholder 2"/>
           <p:cNvSpPr>
             <a:spLocks noGrp="1"/>
           </p:cNvSpPr>
@@ -596,59 +2902,54 @@
         </p:nvSpPr>
         <p:spPr>
           <a:xfrm>
-            <a:off x="838200" y="365125"/>
-            <a:ext cx="7734300" cy="5811838"/>
+            <a:off x="1295398" y="982132"/>
+            <a:ext cx="7433025" cy="4893734"/>
           </a:xfrm>
         </p:spPr>
         <p:txBody>
-          <a:bodyPr vert="eaVert"/>
+          <a:bodyPr vert="eaVert" anchor="t"/>
           <a:lstStyle/>
           <a:p>
             <a:pPr lvl="0"/>
             <a:r>
-              <a:rPr lang="ru-RU"/>
+              <a:rPr lang="ru-RU" smtClean="0"/>
               <a:t>Образец текста</a:t>
             </a:r>
           </a:p>
           <a:p>
             <a:pPr lvl="1"/>
             <a:r>
-              <a:rPr lang="ru-RU"/>
+              <a:rPr lang="ru-RU" smtClean="0"/>
               <a:t>Второй уровень</a:t>
             </a:r>
           </a:p>
           <a:p>
             <a:pPr lvl="2"/>
             <a:r>
-              <a:rPr lang="ru-RU"/>
+              <a:rPr lang="ru-RU" smtClean="0"/>
               <a:t>Третий уровень</a:t>
             </a:r>
           </a:p>
           <a:p>
             <a:pPr lvl="3"/>
             <a:r>
-              <a:rPr lang="ru-RU"/>
+              <a:rPr lang="ru-RU" smtClean="0"/>
               <a:t>Четвертый уровень</a:t>
             </a:r>
           </a:p>
           <a:p>
             <a:pPr lvl="4"/>
             <a:r>
-              <a:rPr lang="ru-RU"/>
+              <a:rPr lang="ru-RU" smtClean="0"/>
               <a:t>Пятый уровень</a:t>
             </a:r>
-          </a:p>
-        </p:txBody>
-      </p:sp>
-      <p:sp>
-        <p:nvSpPr>
-          <p:cNvPr id="4" name="Дата 3">
-            <a:extLst>
-              <a:ext uri="{FF2B5EF4-FFF2-40B4-BE49-F238E27FC236}">
-                <a16:creationId xmlns:a16="http://schemas.microsoft.com/office/drawing/2014/main" id="{74B8282C-952B-9D59-98D4-F9FD467B3B8F}"/>
-              </a:ext>
-            </a:extLst>
-          </p:cNvPr>
+            <a:endParaRPr lang="en-US" dirty="0"/>
+          </a:p>
+        </p:txBody>
+      </p:sp>
+      <p:sp>
+        <p:nvSpPr>
+          <p:cNvPr id="4" name="Date Placeholder 3"/>
           <p:cNvSpPr>
             <a:spLocks noGrp="1"/>
           </p:cNvSpPr>
@@ -663,7 +2964,7 @@
           <a:p>
             <a:fld id="{F6F1740D-A2AB-48D6-B4C5-C6A56503F60B}" type="datetimeFigureOut">
               <a:rPr lang="ru-RU" smtClean="0"/>
-              <a:t>20.04.2023</a:t>
+              <a:t>24.04.2023</a:t>
             </a:fld>
             <a:endParaRPr lang="ru-RU"/>
           </a:p>
@@ -671,13 +2972,7 @@
       </p:sp>
       <p:sp>
         <p:nvSpPr>
-          <p:cNvPr id="5" name="Нижний колонтитул 4">
-            <a:extLst>
-              <a:ext uri="{FF2B5EF4-FFF2-40B4-BE49-F238E27FC236}">
-                <a16:creationId xmlns:a16="http://schemas.microsoft.com/office/drawing/2014/main" id="{F6F0099D-0B1F-2E00-3015-D80F8A1665AC}"/>
-              </a:ext>
-            </a:extLst>
-          </p:cNvPr>
+          <p:cNvPr id="5" name="Footer Placeholder 4"/>
           <p:cNvSpPr>
             <a:spLocks noGrp="1"/>
           </p:cNvSpPr>
@@ -696,13 +2991,7 @@
       </p:sp>
       <p:sp>
         <p:nvSpPr>
-          <p:cNvPr id="6" name="Номер слайда 5">
-            <a:extLst>
-              <a:ext uri="{FF2B5EF4-FFF2-40B4-BE49-F238E27FC236}">
-                <a16:creationId xmlns:a16="http://schemas.microsoft.com/office/drawing/2014/main" id="{D328C8FB-9DD8-D1AB-E9A3-47302A25B749}"/>
-              </a:ext>
-            </a:extLst>
-          </p:cNvPr>
+          <p:cNvPr id="6" name="Slide Number Placeholder 5"/>
           <p:cNvSpPr>
             <a:spLocks noGrp="1"/>
           </p:cNvSpPr>
@@ -723,10 +3012,41 @@
           </a:p>
         </p:txBody>
       </p:sp>
+      <p:cxnSp>
+        <p:nvCxnSpPr>
+          <p:cNvPr id="14" name="Straight Connector 13"/>
+          <p:cNvCxnSpPr/>
+          <p:nvPr/>
+        </p:nvCxnSpPr>
+        <p:spPr>
+          <a:xfrm>
+            <a:off x="8863890" y="990600"/>
+            <a:ext cx="0" cy="4876800"/>
+          </a:xfrm>
+          <a:prstGeom prst="line">
+            <a:avLst/>
+          </a:prstGeom>
+          <a:ln w="15875"/>
+        </p:spPr>
+        <p:style>
+          <a:lnRef idx="2">
+            <a:schemeClr val="accent1"/>
+          </a:lnRef>
+          <a:fillRef idx="0">
+            <a:schemeClr val="accent1"/>
+          </a:fillRef>
+          <a:effectRef idx="1">
+            <a:schemeClr val="accent1"/>
+          </a:effectRef>
+          <a:fontRef idx="minor">
+            <a:schemeClr val="tx1"/>
+          </a:fontRef>
+        </p:style>
+      </p:cxnSp>
     </p:spTree>
     <p:extLst>
       <p:ext uri="{BB962C8B-B14F-4D97-AF65-F5344CB8AC3E}">
-        <p14:creationId xmlns:p14="http://schemas.microsoft.com/office/powerpoint/2010/main" val="644488788"/>
+        <p14:creationId xmlns:p14="http://schemas.microsoft.com/office/powerpoint/2010/main" val="1298377553"/>
       </p:ext>
     </p:extLst>
   </p:cSld>
@@ -753,15 +3073,40 @@
           <a:chExt cx="0" cy="0"/>
         </a:xfrm>
       </p:grpSpPr>
-      <p:sp>
-        <p:nvSpPr>
-          <p:cNvPr id="2" name="Заголовок 1">
-            <a:extLst>
-              <a:ext uri="{FF2B5EF4-FFF2-40B4-BE49-F238E27FC236}">
-                <a16:creationId xmlns:a16="http://schemas.microsoft.com/office/drawing/2014/main" id="{8A7D2E1B-3010-8519-956A-490FC233A4AF}"/>
-              </a:ext>
-            </a:extLst>
-          </p:cNvPr>
+      <p:cxnSp>
+        <p:nvCxnSpPr>
+          <p:cNvPr id="7" name="Straight Connector 6"/>
+          <p:cNvCxnSpPr/>
+          <p:nvPr/>
+        </p:nvCxnSpPr>
+        <p:spPr>
+          <a:xfrm>
+            <a:off x="1396169" y="2421466"/>
+            <a:ext cx="9407298" cy="0"/>
+          </a:xfrm>
+          <a:prstGeom prst="line">
+            <a:avLst/>
+          </a:prstGeom>
+          <a:ln w="15875"/>
+        </p:spPr>
+        <p:style>
+          <a:lnRef idx="2">
+            <a:schemeClr val="accent1"/>
+          </a:lnRef>
+          <a:fillRef idx="0">
+            <a:schemeClr val="accent1"/>
+          </a:fillRef>
+          <a:effectRef idx="1">
+            <a:schemeClr val="accent1"/>
+          </a:effectRef>
+          <a:fontRef idx="minor">
+            <a:schemeClr val="tx1"/>
+          </a:fontRef>
+        </p:style>
+      </p:cxnSp>
+      <p:sp>
+        <p:nvSpPr>
+          <p:cNvPr id="2" name="Title 1"/>
           <p:cNvSpPr>
             <a:spLocks noGrp="1"/>
           </p:cNvSpPr>
@@ -775,21 +3120,16 @@
           <a:lstStyle/>
           <a:p>
             <a:r>
-              <a:rPr lang="ru-RU"/>
+              <a:rPr lang="ru-RU" smtClean="0"/>
               <a:t>Образец заголовка</a:t>
             </a:r>
-          </a:p>
-        </p:txBody>
-      </p:sp>
-      <p:sp>
-        <p:nvSpPr>
-          <p:cNvPr id="3" name="Объект 2">
-            <a:extLst>
-              <a:ext uri="{FF2B5EF4-FFF2-40B4-BE49-F238E27FC236}">
-                <a16:creationId xmlns:a16="http://schemas.microsoft.com/office/drawing/2014/main" id="{F522DE8D-5D21-5978-FD3C-E221606FC98A}"/>
-              </a:ext>
-            </a:extLst>
-          </p:cNvPr>
+            <a:endParaRPr lang="en-US" dirty="0"/>
+          </a:p>
+        </p:txBody>
+      </p:sp>
+      <p:sp>
+        <p:nvSpPr>
+          <p:cNvPr id="3" name="Content Placeholder 2"/>
           <p:cNvSpPr>
             <a:spLocks noGrp="1"/>
           </p:cNvSpPr>
@@ -804,49 +3144,44 @@
           <a:p>
             <a:pPr lvl="0"/>
             <a:r>
-              <a:rPr lang="ru-RU"/>
+              <a:rPr lang="ru-RU" smtClean="0"/>
               <a:t>Образец текста</a:t>
             </a:r>
           </a:p>
           <a:p>
             <a:pPr lvl="1"/>
             <a:r>
-              <a:rPr lang="ru-RU"/>
+              <a:rPr lang="ru-RU" smtClean="0"/>
               <a:t>Второй уровень</a:t>
             </a:r>
           </a:p>
           <a:p>
             <a:pPr lvl="2"/>
             <a:r>
-              <a:rPr lang="ru-RU"/>
+              <a:rPr lang="ru-RU" smtClean="0"/>
               <a:t>Третий уровень</a:t>
             </a:r>
           </a:p>
           <a:p>
             <a:pPr lvl="3"/>
             <a:r>
-              <a:rPr lang="ru-RU"/>
+              <a:rPr lang="ru-RU" smtClean="0"/>
               <a:t>Четвертый уровень</a:t>
             </a:r>
           </a:p>
           <a:p>
             <a:pPr lvl="4"/>
             <a:r>
-              <a:rPr lang="ru-RU"/>
+              <a:rPr lang="ru-RU" smtClean="0"/>
               <a:t>Пятый уровень</a:t>
             </a:r>
-          </a:p>
-        </p:txBody>
-      </p:sp>
-      <p:sp>
-        <p:nvSpPr>
-          <p:cNvPr id="4" name="Дата 3">
-            <a:extLst>
-              <a:ext uri="{FF2B5EF4-FFF2-40B4-BE49-F238E27FC236}">
-                <a16:creationId xmlns:a16="http://schemas.microsoft.com/office/drawing/2014/main" id="{851C98AD-B474-9E05-F1DA-C5785CA7875E}"/>
-              </a:ext>
-            </a:extLst>
-          </p:cNvPr>
+            <a:endParaRPr lang="en-US" dirty="0"/>
+          </a:p>
+        </p:txBody>
+      </p:sp>
+      <p:sp>
+        <p:nvSpPr>
+          <p:cNvPr id="4" name="Date Placeholder 3"/>
           <p:cNvSpPr>
             <a:spLocks noGrp="1"/>
           </p:cNvSpPr>
@@ -861,7 +3196,7 @@
           <a:p>
             <a:fld id="{F6F1740D-A2AB-48D6-B4C5-C6A56503F60B}" type="datetimeFigureOut">
               <a:rPr lang="ru-RU" smtClean="0"/>
-              <a:t>20.04.2023</a:t>
+              <a:t>24.04.2023</a:t>
             </a:fld>
             <a:endParaRPr lang="ru-RU"/>
           </a:p>
@@ -869,13 +3204,7 @@
       </p:sp>
       <p:sp>
         <p:nvSpPr>
-          <p:cNvPr id="5" name="Нижний колонтитул 4">
-            <a:extLst>
-              <a:ext uri="{FF2B5EF4-FFF2-40B4-BE49-F238E27FC236}">
-                <a16:creationId xmlns:a16="http://schemas.microsoft.com/office/drawing/2014/main" id="{C3812DDF-11ED-8C24-228A-E053DB0CDF6D}"/>
-              </a:ext>
-            </a:extLst>
-          </p:cNvPr>
+          <p:cNvPr id="5" name="Footer Placeholder 4"/>
           <p:cNvSpPr>
             <a:spLocks noGrp="1"/>
           </p:cNvSpPr>
@@ -894,13 +3223,7 @@
       </p:sp>
       <p:sp>
         <p:nvSpPr>
-          <p:cNvPr id="6" name="Номер слайда 5">
-            <a:extLst>
-              <a:ext uri="{FF2B5EF4-FFF2-40B4-BE49-F238E27FC236}">
-                <a16:creationId xmlns:a16="http://schemas.microsoft.com/office/drawing/2014/main" id="{5467B882-DE40-3146-59C4-44BA8769769A}"/>
-              </a:ext>
-            </a:extLst>
-          </p:cNvPr>
+          <p:cNvPr id="6" name="Slide Number Placeholder 5"/>
           <p:cNvSpPr>
             <a:spLocks noGrp="1"/>
           </p:cNvSpPr>
@@ -924,7 +3247,7 @@
     </p:spTree>
     <p:extLst>
       <p:ext uri="{BB962C8B-B14F-4D97-AF65-F5344CB8AC3E}">
-        <p14:creationId xmlns:p14="http://schemas.microsoft.com/office/powerpoint/2010/main" val="336680051"/>
+        <p14:creationId xmlns:p14="http://schemas.microsoft.com/office/powerpoint/2010/main" val="1544307613"/>
       </p:ext>
     </p:extLst>
   </p:cSld>
@@ -953,13 +3276,7 @@
       </p:grpSpPr>
       <p:sp>
         <p:nvSpPr>
-          <p:cNvPr id="2" name="Заголовок 1">
-            <a:extLst>
-              <a:ext uri="{FF2B5EF4-FFF2-40B4-BE49-F238E27FC236}">
-                <a16:creationId xmlns:a16="http://schemas.microsoft.com/office/drawing/2014/main" id="{CD2DF7EA-6C01-D873-4926-B698CFB45B24}"/>
-              </a:ext>
-            </a:extLst>
-          </p:cNvPr>
+          <p:cNvPr id="2" name="Title 1"/>
           <p:cNvSpPr>
             <a:spLocks noGrp="1"/>
           </p:cNvSpPr>
@@ -969,34 +3286,31 @@
         </p:nvSpPr>
         <p:spPr>
           <a:xfrm>
-            <a:off x="831850" y="1709738"/>
-            <a:ext cx="10515600" cy="2852737"/>
+            <a:off x="2015069" y="1752606"/>
+            <a:ext cx="8158688" cy="1822514"/>
           </a:xfrm>
         </p:spPr>
         <p:txBody>
-          <a:bodyPr anchor="b"/>
+          <a:bodyPr anchor="b">
+            <a:normAutofit/>
+          </a:bodyPr>
           <a:lstStyle>
-            <a:lvl1pPr>
-              <a:defRPr sz="6000"/>
+            <a:lvl1pPr algn="ctr">
+              <a:defRPr sz="4400" b="0" cap="none"/>
             </a:lvl1pPr>
           </a:lstStyle>
           <a:p>
             <a:r>
-              <a:rPr lang="ru-RU"/>
+              <a:rPr lang="ru-RU" smtClean="0"/>
               <a:t>Образец заголовка</a:t>
             </a:r>
-          </a:p>
-        </p:txBody>
-      </p:sp>
-      <p:sp>
-        <p:nvSpPr>
-          <p:cNvPr id="3" name="Текст 2">
-            <a:extLst>
-              <a:ext uri="{FF2B5EF4-FFF2-40B4-BE49-F238E27FC236}">
-                <a16:creationId xmlns:a16="http://schemas.microsoft.com/office/drawing/2014/main" id="{78D31991-F741-5746-A500-A6671E6B6BA6}"/>
-              </a:ext>
-            </a:extLst>
-          </p:cNvPr>
+            <a:endParaRPr lang="en-US" dirty="0"/>
+          </a:p>
+        </p:txBody>
+      </p:sp>
+      <p:sp>
+        <p:nvSpPr>
+          <p:cNvPr id="3" name="Text Placeholder 2"/>
           <p:cNvSpPr>
             <a:spLocks noGrp="1"/>
           </p:cNvSpPr>
@@ -1006,26 +3320,26 @@
         </p:nvSpPr>
         <p:spPr>
           <a:xfrm>
-            <a:off x="831850" y="4589463"/>
-            <a:ext cx="10515600" cy="1500187"/>
+            <a:off x="2015067" y="3846051"/>
+            <a:ext cx="8158690" cy="954547"/>
           </a:xfrm>
         </p:spPr>
         <p:txBody>
-          <a:bodyPr/>
+          <a:bodyPr anchor="t">
+            <a:normAutofit/>
+          </a:bodyPr>
           <a:lstStyle>
-            <a:lvl1pPr marL="0" indent="0">
+            <a:lvl1pPr marL="0" indent="0" algn="ctr">
               <a:buNone/>
               <a:defRPr sz="2400">
                 <a:solidFill>
-                  <a:schemeClr val="tx1">
-                    <a:tint val="75000"/>
-                  </a:schemeClr>
+                  <a:schemeClr val="tx1"/>
                 </a:solidFill>
               </a:defRPr>
             </a:lvl1pPr>
             <a:lvl2pPr marL="457200" indent="0">
               <a:buNone/>
-              <a:defRPr sz="2000">
+              <a:defRPr sz="1800">
                 <a:solidFill>
                   <a:schemeClr val="tx1">
                     <a:tint val="75000"/>
@@ -1035,7 +3349,7 @@
             </a:lvl2pPr>
             <a:lvl3pPr marL="914400" indent="0">
               <a:buNone/>
-              <a:defRPr sz="1800">
+              <a:defRPr sz="1600">
                 <a:solidFill>
                   <a:schemeClr val="tx1">
                     <a:tint val="75000"/>
@@ -1045,7 +3359,7 @@
             </a:lvl3pPr>
             <a:lvl4pPr marL="1371600" indent="0">
               <a:buNone/>
-              <a:defRPr sz="1600">
+              <a:defRPr sz="1400">
                 <a:solidFill>
                   <a:schemeClr val="tx1">
                     <a:tint val="75000"/>
@@ -1055,7 +3369,7 @@
             </a:lvl4pPr>
             <a:lvl5pPr marL="1828800" indent="0">
               <a:buNone/>
-              <a:defRPr sz="1600">
+              <a:defRPr sz="1400">
                 <a:solidFill>
                   <a:schemeClr val="tx1">
                     <a:tint val="75000"/>
@@ -1065,7 +3379,7 @@
             </a:lvl5pPr>
             <a:lvl6pPr marL="2286000" indent="0">
               <a:buNone/>
-              <a:defRPr sz="1600">
+              <a:defRPr sz="1400">
                 <a:solidFill>
                   <a:schemeClr val="tx1">
                     <a:tint val="75000"/>
@@ -1075,7 +3389,7 @@
             </a:lvl6pPr>
             <a:lvl7pPr marL="2743200" indent="0">
               <a:buNone/>
-              <a:defRPr sz="1600">
+              <a:defRPr sz="1400">
                 <a:solidFill>
                   <a:schemeClr val="tx1">
                     <a:tint val="75000"/>
@@ -1085,7 +3399,7 @@
             </a:lvl7pPr>
             <a:lvl8pPr marL="3200400" indent="0">
               <a:buNone/>
-              <a:defRPr sz="1600">
+              <a:defRPr sz="1400">
                 <a:solidFill>
                   <a:schemeClr val="tx1">
                     <a:tint val="75000"/>
@@ -1095,7 +3409,7 @@
             </a:lvl8pPr>
             <a:lvl9pPr marL="3657600" indent="0">
               <a:buNone/>
-              <a:defRPr sz="1600">
+              <a:defRPr sz="1400">
                 <a:solidFill>
                   <a:schemeClr val="tx1">
                     <a:tint val="75000"/>
@@ -1107,7 +3421,7 @@
           <a:p>
             <a:pPr lvl="0"/>
             <a:r>
-              <a:rPr lang="ru-RU"/>
+              <a:rPr lang="ru-RU" smtClean="0"/>
               <a:t>Образец текста</a:t>
             </a:r>
           </a:p>
@@ -1115,13 +3429,7 @@
       </p:sp>
       <p:sp>
         <p:nvSpPr>
-          <p:cNvPr id="4" name="Дата 3">
-            <a:extLst>
-              <a:ext uri="{FF2B5EF4-FFF2-40B4-BE49-F238E27FC236}">
-                <a16:creationId xmlns:a16="http://schemas.microsoft.com/office/drawing/2014/main" id="{6E7A76F5-6964-D191-7E9E-34840F9AD96B}"/>
-              </a:ext>
-            </a:extLst>
-          </p:cNvPr>
+          <p:cNvPr id="4" name="Date Placeholder 3"/>
           <p:cNvSpPr>
             <a:spLocks noGrp="1"/>
           </p:cNvSpPr>
@@ -1136,7 +3444,7 @@
           <a:p>
             <a:fld id="{F6F1740D-A2AB-48D6-B4C5-C6A56503F60B}" type="datetimeFigureOut">
               <a:rPr lang="ru-RU" smtClean="0"/>
-              <a:t>20.04.2023</a:t>
+              <a:t>24.04.2023</a:t>
             </a:fld>
             <a:endParaRPr lang="ru-RU"/>
           </a:p>
@@ -1144,13 +3452,7 @@
       </p:sp>
       <p:sp>
         <p:nvSpPr>
-          <p:cNvPr id="5" name="Нижний колонтитул 4">
-            <a:extLst>
-              <a:ext uri="{FF2B5EF4-FFF2-40B4-BE49-F238E27FC236}">
-                <a16:creationId xmlns:a16="http://schemas.microsoft.com/office/drawing/2014/main" id="{C4DFC675-D2A3-C0C9-D31F-3AD1507DF9BD}"/>
-              </a:ext>
-            </a:extLst>
-          </p:cNvPr>
+          <p:cNvPr id="5" name="Footer Placeholder 4"/>
           <p:cNvSpPr>
             <a:spLocks noGrp="1"/>
           </p:cNvSpPr>
@@ -1169,13 +3471,7 @@
       </p:sp>
       <p:sp>
         <p:nvSpPr>
-          <p:cNvPr id="6" name="Номер слайда 5">
-            <a:extLst>
-              <a:ext uri="{FF2B5EF4-FFF2-40B4-BE49-F238E27FC236}">
-                <a16:creationId xmlns:a16="http://schemas.microsoft.com/office/drawing/2014/main" id="{43790EF5-0937-127B-96BD-D084F01BDDB2}"/>
-              </a:ext>
-            </a:extLst>
-          </p:cNvPr>
+          <p:cNvPr id="6" name="Slide Number Placeholder 5"/>
           <p:cNvSpPr>
             <a:spLocks noGrp="1"/>
           </p:cNvSpPr>
@@ -1196,10 +3492,41 @@
           </a:p>
         </p:txBody>
       </p:sp>
+      <p:cxnSp>
+        <p:nvCxnSpPr>
+          <p:cNvPr id="16" name="Straight Connector 15"/>
+          <p:cNvCxnSpPr/>
+          <p:nvPr/>
+        </p:nvCxnSpPr>
+        <p:spPr>
+          <a:xfrm>
+            <a:off x="2012723" y="3710585"/>
+            <a:ext cx="8163380" cy="0"/>
+          </a:xfrm>
+          <a:prstGeom prst="line">
+            <a:avLst/>
+          </a:prstGeom>
+          <a:ln w="15875"/>
+        </p:spPr>
+        <p:style>
+          <a:lnRef idx="2">
+            <a:schemeClr val="accent1"/>
+          </a:lnRef>
+          <a:fillRef idx="0">
+            <a:schemeClr val="accent1"/>
+          </a:fillRef>
+          <a:effectRef idx="1">
+            <a:schemeClr val="accent1"/>
+          </a:effectRef>
+          <a:fontRef idx="minor">
+            <a:schemeClr val="tx1"/>
+          </a:fontRef>
+        </p:style>
+      </p:cxnSp>
     </p:spTree>
     <p:extLst>
       <p:ext uri="{BB962C8B-B14F-4D97-AF65-F5344CB8AC3E}">
-        <p14:creationId xmlns:p14="http://schemas.microsoft.com/office/powerpoint/2010/main" val="2495843165"/>
+        <p14:creationId xmlns:p14="http://schemas.microsoft.com/office/powerpoint/2010/main" val="2202607155"/>
       </p:ext>
     </p:extLst>
   </p:cSld>
@@ -1226,105 +3553,122 @@
           <a:chExt cx="0" cy="0"/>
         </a:xfrm>
       </p:grpSpPr>
-      <p:sp>
-        <p:nvSpPr>
-          <p:cNvPr id="2" name="Заголовок 1">
-            <a:extLst>
-              <a:ext uri="{FF2B5EF4-FFF2-40B4-BE49-F238E27FC236}">
-                <a16:creationId xmlns:a16="http://schemas.microsoft.com/office/drawing/2014/main" id="{9E620E77-95E5-8D38-9C00-3038D2C54F18}"/>
-              </a:ext>
-            </a:extLst>
-          </p:cNvPr>
-          <p:cNvSpPr>
-            <a:spLocks noGrp="1"/>
-          </p:cNvSpPr>
-          <p:nvPr>
-            <p:ph type="title"/>
-          </p:nvPr>
-        </p:nvSpPr>
-        <p:spPr/>
-        <p:txBody>
-          <a:bodyPr/>
-          <a:lstStyle/>
-          <a:p>
-            <a:r>
-              <a:rPr lang="ru-RU"/>
-              <a:t>Образец заголовка</a:t>
-            </a:r>
-          </a:p>
-        </p:txBody>
-      </p:sp>
-      <p:sp>
-        <p:nvSpPr>
-          <p:cNvPr id="3" name="Объект 2">
-            <a:extLst>
-              <a:ext uri="{FF2B5EF4-FFF2-40B4-BE49-F238E27FC236}">
-                <a16:creationId xmlns:a16="http://schemas.microsoft.com/office/drawing/2014/main" id="{1C15589D-80A6-4F55-A789-BB1014BD49AF}"/>
-              </a:ext>
-            </a:extLst>
-          </p:cNvPr>
-          <p:cNvSpPr>
-            <a:spLocks noGrp="1"/>
-          </p:cNvSpPr>
-          <p:nvPr>
-            <p:ph sz="half" idx="1"/>
-          </p:nvPr>
-        </p:nvSpPr>
+      <p:cxnSp>
+        <p:nvCxnSpPr>
+          <p:cNvPr id="8" name="Straight Connector 7"/>
+          <p:cNvCxnSpPr/>
+          <p:nvPr/>
+        </p:nvCxnSpPr>
         <p:spPr>
           <a:xfrm>
-            <a:off x="838200" y="1825625"/>
-            <a:ext cx="5181600" cy="4351338"/>
+            <a:off x="1396169" y="2421466"/>
+            <a:ext cx="9407298" cy="0"/>
+          </a:xfrm>
+          <a:prstGeom prst="line">
+            <a:avLst/>
+          </a:prstGeom>
+          <a:ln w="15875"/>
+        </p:spPr>
+        <p:style>
+          <a:lnRef idx="2">
+            <a:schemeClr val="accent1"/>
+          </a:lnRef>
+          <a:fillRef idx="0">
+            <a:schemeClr val="accent1"/>
+          </a:fillRef>
+          <a:effectRef idx="1">
+            <a:schemeClr val="accent1"/>
+          </a:effectRef>
+          <a:fontRef idx="minor">
+            <a:schemeClr val="tx1"/>
+          </a:fontRef>
+        </p:style>
+      </p:cxnSp>
+      <p:sp>
+        <p:nvSpPr>
+          <p:cNvPr id="2" name="Title 1"/>
+          <p:cNvSpPr>
+            <a:spLocks noGrp="1"/>
+          </p:cNvSpPr>
+          <p:nvPr>
+            <p:ph type="title"/>
+          </p:nvPr>
+        </p:nvSpPr>
+        <p:spPr/>
+        <p:txBody>
+          <a:bodyPr/>
+          <a:lstStyle/>
+          <a:p>
+            <a:r>
+              <a:rPr lang="ru-RU" smtClean="0"/>
+              <a:t>Образец заголовка</a:t>
+            </a:r>
+            <a:endParaRPr lang="en-US" dirty="0"/>
+          </a:p>
+        </p:txBody>
+      </p:sp>
+      <p:sp>
+        <p:nvSpPr>
+          <p:cNvPr id="3" name="Content Placeholder 2"/>
+          <p:cNvSpPr>
+            <a:spLocks noGrp="1"/>
+          </p:cNvSpPr>
+          <p:nvPr>
+            <p:ph sz="half" idx="1"/>
+          </p:nvPr>
+        </p:nvSpPr>
+        <p:spPr>
+          <a:xfrm>
+            <a:off x="1298448" y="2560320"/>
+            <a:ext cx="4718304" cy="3310128"/>
           </a:xfrm>
         </p:spPr>
         <p:txBody>
-          <a:bodyPr/>
+          <a:bodyPr>
+            <a:normAutofit/>
+          </a:bodyPr>
           <a:lstStyle/>
           <a:p>
             <a:pPr lvl="0"/>
             <a:r>
-              <a:rPr lang="ru-RU"/>
+              <a:rPr lang="ru-RU" smtClean="0"/>
               <a:t>Образец текста</a:t>
             </a:r>
           </a:p>
           <a:p>
             <a:pPr lvl="1"/>
             <a:r>
-              <a:rPr lang="ru-RU"/>
+              <a:rPr lang="ru-RU" smtClean="0"/>
               <a:t>Второй уровень</a:t>
             </a:r>
           </a:p>
           <a:p>
             <a:pPr lvl="2"/>
             <a:r>
-              <a:rPr lang="ru-RU"/>
+              <a:rPr lang="ru-RU" smtClean="0"/>
               <a:t>Третий уровень</a:t>
             </a:r>
           </a:p>
           <a:p>
             <a:pPr lvl="3"/>
             <a:r>
-              <a:rPr lang="ru-RU"/>
+              <a:rPr lang="ru-RU" smtClean="0"/>
               <a:t>Четвертый уровень</a:t>
             </a:r>
           </a:p>
           <a:p>
             <a:pPr lvl="4"/>
             <a:r>
-              <a:rPr lang="ru-RU"/>
+              <a:rPr lang="ru-RU" smtClean="0"/>
               <a:t>Пятый уровень</a:t>
             </a:r>
-          </a:p>
-        </p:txBody>
-      </p:sp>
-      <p:sp>
-        <p:nvSpPr>
-          <p:cNvPr id="4" name="Объект 3">
-            <a:extLst>
-              <a:ext uri="{FF2B5EF4-FFF2-40B4-BE49-F238E27FC236}">
-                <a16:creationId xmlns:a16="http://schemas.microsoft.com/office/drawing/2014/main" id="{D524A91B-3E2B-C7C2-F411-1967D88B3919}"/>
-              </a:ext>
-            </a:extLst>
-          </p:cNvPr>
+            <a:endParaRPr lang="en-US" dirty="0"/>
+          </a:p>
+        </p:txBody>
+      </p:sp>
+      <p:sp>
+        <p:nvSpPr>
+          <p:cNvPr id="4" name="Content Placeholder 3"/>
           <p:cNvSpPr>
             <a:spLocks noGrp="1"/>
           </p:cNvSpPr>
@@ -1334,74 +3678,71 @@
         </p:nvSpPr>
         <p:spPr>
           <a:xfrm>
-            <a:off x="6172200" y="1825625"/>
-            <a:ext cx="5181600" cy="4351338"/>
+            <a:off x="6181344" y="2560320"/>
+            <a:ext cx="4718304" cy="3310128"/>
           </a:xfrm>
         </p:spPr>
         <p:txBody>
+          <a:bodyPr>
+            <a:normAutofit/>
+          </a:bodyPr>
+          <a:lstStyle/>
+          <a:p>
+            <a:pPr lvl="0"/>
+            <a:r>
+              <a:rPr lang="ru-RU" smtClean="0"/>
+              <a:t>Образец текста</a:t>
+            </a:r>
+          </a:p>
+          <a:p>
+            <a:pPr lvl="1"/>
+            <a:r>
+              <a:rPr lang="ru-RU" smtClean="0"/>
+              <a:t>Второй уровень</a:t>
+            </a:r>
+          </a:p>
+          <a:p>
+            <a:pPr lvl="2"/>
+            <a:r>
+              <a:rPr lang="ru-RU" smtClean="0"/>
+              <a:t>Третий уровень</a:t>
+            </a:r>
+          </a:p>
+          <a:p>
+            <a:pPr lvl="3"/>
+            <a:r>
+              <a:rPr lang="ru-RU" smtClean="0"/>
+              <a:t>Четвертый уровень</a:t>
+            </a:r>
+          </a:p>
+          <a:p>
+            <a:pPr lvl="4"/>
+            <a:r>
+              <a:rPr lang="ru-RU" smtClean="0"/>
+              <a:t>Пятый уровень</a:t>
+            </a:r>
+            <a:endParaRPr lang="en-US" dirty="0"/>
+          </a:p>
+        </p:txBody>
+      </p:sp>
+      <p:sp>
+        <p:nvSpPr>
+          <p:cNvPr id="5" name="Date Placeholder 4"/>
+          <p:cNvSpPr>
+            <a:spLocks noGrp="1"/>
+          </p:cNvSpPr>
+          <p:nvPr>
+            <p:ph type="dt" sz="half" idx="10"/>
+          </p:nvPr>
+        </p:nvSpPr>
+        <p:spPr/>
+        <p:txBody>
           <a:bodyPr/>
           <a:lstStyle/>
           <a:p>
-            <a:pPr lvl="0"/>
-            <a:r>
-              <a:rPr lang="ru-RU"/>
-              <a:t>Образец текста</a:t>
-            </a:r>
-          </a:p>
-          <a:p>
-            <a:pPr lvl="1"/>
-            <a:r>
-              <a:rPr lang="ru-RU"/>
-              <a:t>Второй уровень</a:t>
-            </a:r>
-          </a:p>
-          <a:p>
-            <a:pPr lvl="2"/>
-            <a:r>
-              <a:rPr lang="ru-RU"/>
-              <a:t>Третий уровень</a:t>
-            </a:r>
-          </a:p>
-          <a:p>
-            <a:pPr lvl="3"/>
-            <a:r>
-              <a:rPr lang="ru-RU"/>
-              <a:t>Четвертый уровень</a:t>
-            </a:r>
-          </a:p>
-          <a:p>
-            <a:pPr lvl="4"/>
-            <a:r>
-              <a:rPr lang="ru-RU"/>
-              <a:t>Пятый уровень</a:t>
-            </a:r>
-          </a:p>
-        </p:txBody>
-      </p:sp>
-      <p:sp>
-        <p:nvSpPr>
-          <p:cNvPr id="5" name="Дата 4">
-            <a:extLst>
-              <a:ext uri="{FF2B5EF4-FFF2-40B4-BE49-F238E27FC236}">
-                <a16:creationId xmlns:a16="http://schemas.microsoft.com/office/drawing/2014/main" id="{E62B249E-4A67-E12C-6C59-2590559EAEBB}"/>
-              </a:ext>
-            </a:extLst>
-          </p:cNvPr>
-          <p:cNvSpPr>
-            <a:spLocks noGrp="1"/>
-          </p:cNvSpPr>
-          <p:nvPr>
-            <p:ph type="dt" sz="half" idx="10"/>
-          </p:nvPr>
-        </p:nvSpPr>
-        <p:spPr/>
-        <p:txBody>
-          <a:bodyPr/>
-          <a:lstStyle/>
-          <a:p>
             <a:fld id="{F6F1740D-A2AB-48D6-B4C5-C6A56503F60B}" type="datetimeFigureOut">
               <a:rPr lang="ru-RU" smtClean="0"/>
-              <a:t>20.04.2023</a:t>
+              <a:t>24.04.2023</a:t>
             </a:fld>
             <a:endParaRPr lang="ru-RU"/>
           </a:p>
@@ -1409,13 +3750,7 @@
       </p:sp>
       <p:sp>
         <p:nvSpPr>
-          <p:cNvPr id="6" name="Нижний колонтитул 5">
-            <a:extLst>
-              <a:ext uri="{FF2B5EF4-FFF2-40B4-BE49-F238E27FC236}">
-                <a16:creationId xmlns:a16="http://schemas.microsoft.com/office/drawing/2014/main" id="{20B6125D-8250-FF3E-E1F1-F4F2D810E984}"/>
-              </a:ext>
-            </a:extLst>
-          </p:cNvPr>
+          <p:cNvPr id="6" name="Footer Placeholder 5"/>
           <p:cNvSpPr>
             <a:spLocks noGrp="1"/>
           </p:cNvSpPr>
@@ -1434,13 +3769,7 @@
       </p:sp>
       <p:sp>
         <p:nvSpPr>
-          <p:cNvPr id="7" name="Номер слайда 6">
-            <a:extLst>
-              <a:ext uri="{FF2B5EF4-FFF2-40B4-BE49-F238E27FC236}">
-                <a16:creationId xmlns:a16="http://schemas.microsoft.com/office/drawing/2014/main" id="{B192EDB1-E76C-C901-AC97-EE244BBC5B5A}"/>
-              </a:ext>
-            </a:extLst>
-          </p:cNvPr>
+          <p:cNvPr id="7" name="Slide Number Placeholder 6"/>
           <p:cNvSpPr>
             <a:spLocks noGrp="1"/>
           </p:cNvSpPr>
@@ -1464,7 +3793,7 @@
     </p:spTree>
     <p:extLst>
       <p:ext uri="{BB962C8B-B14F-4D97-AF65-F5344CB8AC3E}">
-        <p14:creationId xmlns:p14="http://schemas.microsoft.com/office/powerpoint/2010/main" val="1989163724"/>
+        <p14:creationId xmlns:p14="http://schemas.microsoft.com/office/powerpoint/2010/main" val="118333818"/>
       </p:ext>
     </p:extLst>
   </p:cSld>
@@ -1493,65 +3822,65 @@
       </p:grpSpPr>
       <p:sp>
         <p:nvSpPr>
-          <p:cNvPr id="2" name="Заголовок 1">
-            <a:extLst>
-              <a:ext uri="{FF2B5EF4-FFF2-40B4-BE49-F238E27FC236}">
-                <a16:creationId xmlns:a16="http://schemas.microsoft.com/office/drawing/2014/main" id="{0F18BEA2-5E5F-F843-E85D-994A119B8DDD}"/>
-              </a:ext>
-            </a:extLst>
-          </p:cNvPr>
+          <p:cNvPr id="2" name="Title 1"/>
           <p:cNvSpPr>
             <a:spLocks noGrp="1"/>
           </p:cNvSpPr>
           <p:nvPr>
             <p:ph type="title"/>
+          </p:nvPr>
+        </p:nvSpPr>
+        <p:spPr/>
+        <p:txBody>
+          <a:bodyPr/>
+          <a:lstStyle>
+            <a:lvl1pPr>
+              <a:defRPr/>
+            </a:lvl1pPr>
+          </a:lstStyle>
+          <a:p>
+            <a:r>
+              <a:rPr lang="ru-RU" smtClean="0"/>
+              <a:t>Образец заголовка</a:t>
+            </a:r>
+            <a:endParaRPr lang="en-US" dirty="0"/>
+          </a:p>
+        </p:txBody>
+      </p:sp>
+      <p:sp>
+        <p:nvSpPr>
+          <p:cNvPr id="3" name="Text Placeholder 2"/>
+          <p:cNvSpPr>
+            <a:spLocks noGrp="1"/>
+          </p:cNvSpPr>
+          <p:nvPr>
+            <p:ph type="body" idx="1"/>
           </p:nvPr>
         </p:nvSpPr>
         <p:spPr>
           <a:xfrm>
-            <a:off x="839788" y="365125"/>
-            <a:ext cx="10515600" cy="1325563"/>
+            <a:off x="1295400" y="2658533"/>
+            <a:ext cx="4718304" cy="576262"/>
           </a:xfrm>
         </p:spPr>
         <p:txBody>
-          <a:bodyPr/>
-          <a:lstStyle/>
-          <a:p>
-            <a:r>
-              <a:rPr lang="ru-RU"/>
-              <a:t>Образец заголовка</a:t>
-            </a:r>
-          </a:p>
-        </p:txBody>
-      </p:sp>
-      <p:sp>
-        <p:nvSpPr>
-          <p:cNvPr id="3" name="Текст 2">
-            <a:extLst>
-              <a:ext uri="{FF2B5EF4-FFF2-40B4-BE49-F238E27FC236}">
-                <a16:creationId xmlns:a16="http://schemas.microsoft.com/office/drawing/2014/main" id="{5E3EA421-52E4-3994-535A-BE2353099BBF}"/>
-              </a:ext>
-            </a:extLst>
-          </p:cNvPr>
-          <p:cNvSpPr>
-            <a:spLocks noGrp="1"/>
-          </p:cNvSpPr>
-          <p:nvPr>
-            <p:ph type="body" idx="1"/>
-          </p:nvPr>
-        </p:nvSpPr>
-        <p:spPr>
-          <a:xfrm>
-            <a:off x="839788" y="1681163"/>
-            <a:ext cx="5157787" cy="823912"/>
-          </a:xfrm>
-        </p:spPr>
-        <p:txBody>
-          <a:bodyPr anchor="b"/>
+          <a:bodyPr anchor="b">
+            <a:noAutofit/>
+          </a:bodyPr>
           <a:lstStyle>
             <a:lvl1pPr marL="0" indent="0">
-              <a:buNone/>
-              <a:defRPr sz="2400" b="1"/>
+              <a:spcBef>
+                <a:spcPts val="672"/>
+              </a:spcBef>
+              <a:spcAft>
+                <a:spcPts val="600"/>
+              </a:spcAft>
+              <a:buNone/>
+              <a:defRPr sz="2800" b="0">
+                <a:solidFill>
+                  <a:schemeClr val="accent1"/>
+                </a:solidFill>
+              </a:defRPr>
             </a:lvl1pPr>
             <a:lvl2pPr marL="457200" indent="0">
               <a:buNone/>
@@ -1589,7 +3918,7 @@
           <a:p>
             <a:pPr lvl="0"/>
             <a:r>
-              <a:rPr lang="ru-RU"/>
+              <a:rPr lang="ru-RU" smtClean="0"/>
               <a:t>Образец текста</a:t>
             </a:r>
           </a:p>
@@ -1597,13 +3926,7 @@
       </p:sp>
       <p:sp>
         <p:nvSpPr>
-          <p:cNvPr id="4" name="Объект 3">
-            <a:extLst>
-              <a:ext uri="{FF2B5EF4-FFF2-40B4-BE49-F238E27FC236}">
-                <a16:creationId xmlns:a16="http://schemas.microsoft.com/office/drawing/2014/main" id="{96BBAEFB-CA0B-0609-D1B4-9B5ABADF232E}"/>
-              </a:ext>
-            </a:extLst>
-          </p:cNvPr>
+          <p:cNvPr id="4" name="Content Placeholder 3"/>
           <p:cNvSpPr>
             <a:spLocks noGrp="1"/>
           </p:cNvSpPr>
@@ -1613,59 +3936,56 @@
         </p:nvSpPr>
         <p:spPr>
           <a:xfrm>
-            <a:off x="839788" y="2505075"/>
-            <a:ext cx="5157787" cy="3684588"/>
+            <a:off x="1295400" y="3243262"/>
+            <a:ext cx="4718304" cy="2632605"/>
           </a:xfrm>
         </p:spPr>
         <p:txBody>
-          <a:bodyPr/>
+          <a:bodyPr anchor="t">
+            <a:normAutofit/>
+          </a:bodyPr>
           <a:lstStyle/>
           <a:p>
             <a:pPr lvl="0"/>
             <a:r>
-              <a:rPr lang="ru-RU"/>
+              <a:rPr lang="ru-RU" smtClean="0"/>
               <a:t>Образец текста</a:t>
             </a:r>
           </a:p>
           <a:p>
             <a:pPr lvl="1"/>
             <a:r>
-              <a:rPr lang="ru-RU"/>
+              <a:rPr lang="ru-RU" smtClean="0"/>
               <a:t>Второй уровень</a:t>
             </a:r>
           </a:p>
           <a:p>
             <a:pPr lvl="2"/>
             <a:r>
-              <a:rPr lang="ru-RU"/>
+              <a:rPr lang="ru-RU" smtClean="0"/>
               <a:t>Третий уровень</a:t>
             </a:r>
           </a:p>
           <a:p>
             <a:pPr lvl="3"/>
             <a:r>
-              <a:rPr lang="ru-RU"/>
+              <a:rPr lang="ru-RU" smtClean="0"/>
               <a:t>Четвертый уровень</a:t>
             </a:r>
           </a:p>
           <a:p>
             <a:pPr lvl="4"/>
             <a:r>
-              <a:rPr lang="ru-RU"/>
+              <a:rPr lang="ru-RU" smtClean="0"/>
               <a:t>Пятый уровень</a:t>
             </a:r>
-          </a:p>
-        </p:txBody>
-      </p:sp>
-      <p:sp>
-        <p:nvSpPr>
-          <p:cNvPr id="5" name="Текст 4">
-            <a:extLst>
-              <a:ext uri="{FF2B5EF4-FFF2-40B4-BE49-F238E27FC236}">
-                <a16:creationId xmlns:a16="http://schemas.microsoft.com/office/drawing/2014/main" id="{692F1713-4796-C49C-FB62-F4C9514CCE21}"/>
-              </a:ext>
-            </a:extLst>
-          </p:cNvPr>
+            <a:endParaRPr lang="en-US" dirty="0"/>
+          </a:p>
+        </p:txBody>
+      </p:sp>
+      <p:sp>
+        <p:nvSpPr>
+          <p:cNvPr id="5" name="Text Placeholder 4"/>
           <p:cNvSpPr>
             <a:spLocks noGrp="1"/>
           </p:cNvSpPr>
@@ -1675,16 +3995,28 @@
         </p:nvSpPr>
         <p:spPr>
           <a:xfrm>
-            <a:off x="6172200" y="1681163"/>
-            <a:ext cx="5183188" cy="823912"/>
+            <a:off x="6180670" y="2658533"/>
+            <a:ext cx="4718304" cy="576262"/>
           </a:xfrm>
         </p:spPr>
         <p:txBody>
-          <a:bodyPr anchor="b"/>
+          <a:bodyPr anchor="b">
+            <a:noAutofit/>
+          </a:bodyPr>
           <a:lstStyle>
             <a:lvl1pPr marL="0" indent="0">
-              <a:buNone/>
-              <a:defRPr sz="2400" b="1"/>
+              <a:spcBef>
+                <a:spcPts val="672"/>
+              </a:spcBef>
+              <a:spcAft>
+                <a:spcPts val="600"/>
+              </a:spcAft>
+              <a:buNone/>
+              <a:defRPr sz="2800" b="0">
+                <a:solidFill>
+                  <a:schemeClr val="accent1"/>
+                </a:solidFill>
+              </a:defRPr>
             </a:lvl1pPr>
             <a:lvl2pPr marL="457200" indent="0">
               <a:buNone/>
@@ -1722,7 +4054,7 @@
           <a:p>
             <a:pPr lvl="0"/>
             <a:r>
-              <a:rPr lang="ru-RU"/>
+              <a:rPr lang="ru-RU" smtClean="0"/>
               <a:t>Образец текста</a:t>
             </a:r>
           </a:p>
@@ -1730,13 +4062,7 @@
       </p:sp>
       <p:sp>
         <p:nvSpPr>
-          <p:cNvPr id="6" name="Объект 5">
-            <a:extLst>
-              <a:ext uri="{FF2B5EF4-FFF2-40B4-BE49-F238E27FC236}">
-                <a16:creationId xmlns:a16="http://schemas.microsoft.com/office/drawing/2014/main" id="{204A59B4-EFC9-89C2-FBF6-D212EEB7A5B6}"/>
-              </a:ext>
-            </a:extLst>
-          </p:cNvPr>
+          <p:cNvPr id="6" name="Content Placeholder 5"/>
           <p:cNvSpPr>
             <a:spLocks noGrp="1"/>
           </p:cNvSpPr>
@@ -1746,74 +4072,71 @@
         </p:nvSpPr>
         <p:spPr>
           <a:xfrm>
-            <a:off x="6172200" y="2505075"/>
-            <a:ext cx="5183188" cy="3684588"/>
+            <a:off x="6180670" y="3243262"/>
+            <a:ext cx="4718304" cy="2632605"/>
           </a:xfrm>
         </p:spPr>
         <p:txBody>
+          <a:bodyPr anchor="t">
+            <a:normAutofit/>
+          </a:bodyPr>
+          <a:lstStyle/>
+          <a:p>
+            <a:pPr lvl="0"/>
+            <a:r>
+              <a:rPr lang="ru-RU" smtClean="0"/>
+              <a:t>Образец текста</a:t>
+            </a:r>
+          </a:p>
+          <a:p>
+            <a:pPr lvl="1"/>
+            <a:r>
+              <a:rPr lang="ru-RU" smtClean="0"/>
+              <a:t>Второй уровень</a:t>
+            </a:r>
+          </a:p>
+          <a:p>
+            <a:pPr lvl="2"/>
+            <a:r>
+              <a:rPr lang="ru-RU" smtClean="0"/>
+              <a:t>Третий уровень</a:t>
+            </a:r>
+          </a:p>
+          <a:p>
+            <a:pPr lvl="3"/>
+            <a:r>
+              <a:rPr lang="ru-RU" smtClean="0"/>
+              <a:t>Четвертый уровень</a:t>
+            </a:r>
+          </a:p>
+          <a:p>
+            <a:pPr lvl="4"/>
+            <a:r>
+              <a:rPr lang="ru-RU" smtClean="0"/>
+              <a:t>Пятый уровень</a:t>
+            </a:r>
+            <a:endParaRPr lang="en-US" dirty="0"/>
+          </a:p>
+        </p:txBody>
+      </p:sp>
+      <p:sp>
+        <p:nvSpPr>
+          <p:cNvPr id="7" name="Date Placeholder 6"/>
+          <p:cNvSpPr>
+            <a:spLocks noGrp="1"/>
+          </p:cNvSpPr>
+          <p:nvPr>
+            <p:ph type="dt" sz="half" idx="10"/>
+          </p:nvPr>
+        </p:nvSpPr>
+        <p:spPr/>
+        <p:txBody>
           <a:bodyPr/>
           <a:lstStyle/>
           <a:p>
-            <a:pPr lvl="0"/>
-            <a:r>
-              <a:rPr lang="ru-RU"/>
-              <a:t>Образец текста</a:t>
-            </a:r>
-          </a:p>
-          <a:p>
-            <a:pPr lvl="1"/>
-            <a:r>
-              <a:rPr lang="ru-RU"/>
-              <a:t>Второй уровень</a:t>
-            </a:r>
-          </a:p>
-          <a:p>
-            <a:pPr lvl="2"/>
-            <a:r>
-              <a:rPr lang="ru-RU"/>
-              <a:t>Третий уровень</a:t>
-            </a:r>
-          </a:p>
-          <a:p>
-            <a:pPr lvl="3"/>
-            <a:r>
-              <a:rPr lang="ru-RU"/>
-              <a:t>Четвертый уровень</a:t>
-            </a:r>
-          </a:p>
-          <a:p>
-            <a:pPr lvl="4"/>
-            <a:r>
-              <a:rPr lang="ru-RU"/>
-              <a:t>Пятый уровень</a:t>
-            </a:r>
-          </a:p>
-        </p:txBody>
-      </p:sp>
-      <p:sp>
-        <p:nvSpPr>
-          <p:cNvPr id="7" name="Дата 6">
-            <a:extLst>
-              <a:ext uri="{FF2B5EF4-FFF2-40B4-BE49-F238E27FC236}">
-                <a16:creationId xmlns:a16="http://schemas.microsoft.com/office/drawing/2014/main" id="{9E7B1BA6-595D-4FB2-319B-842B1B7E51A3}"/>
-              </a:ext>
-            </a:extLst>
-          </p:cNvPr>
-          <p:cNvSpPr>
-            <a:spLocks noGrp="1"/>
-          </p:cNvSpPr>
-          <p:nvPr>
-            <p:ph type="dt" sz="half" idx="10"/>
-          </p:nvPr>
-        </p:nvSpPr>
-        <p:spPr/>
-        <p:txBody>
-          <a:bodyPr/>
-          <a:lstStyle/>
-          <a:p>
             <a:fld id="{F6F1740D-A2AB-48D6-B4C5-C6A56503F60B}" type="datetimeFigureOut">
               <a:rPr lang="ru-RU" smtClean="0"/>
-              <a:t>20.04.2023</a:t>
+              <a:t>24.04.2023</a:t>
             </a:fld>
             <a:endParaRPr lang="ru-RU"/>
           </a:p>
@@ -1821,13 +4144,7 @@
       </p:sp>
       <p:sp>
         <p:nvSpPr>
-          <p:cNvPr id="8" name="Нижний колонтитул 7">
-            <a:extLst>
-              <a:ext uri="{FF2B5EF4-FFF2-40B4-BE49-F238E27FC236}">
-                <a16:creationId xmlns:a16="http://schemas.microsoft.com/office/drawing/2014/main" id="{BEE9CA4B-A22D-284B-0632-8826B35B42C2}"/>
-              </a:ext>
-            </a:extLst>
-          </p:cNvPr>
+          <p:cNvPr id="8" name="Footer Placeholder 7"/>
           <p:cNvSpPr>
             <a:spLocks noGrp="1"/>
           </p:cNvSpPr>
@@ -1846,13 +4163,7 @@
       </p:sp>
       <p:sp>
         <p:nvSpPr>
-          <p:cNvPr id="9" name="Номер слайда 8">
-            <a:extLst>
-              <a:ext uri="{FF2B5EF4-FFF2-40B4-BE49-F238E27FC236}">
-                <a16:creationId xmlns:a16="http://schemas.microsoft.com/office/drawing/2014/main" id="{7E860416-6252-70A4-3E32-058FD78271A2}"/>
-              </a:ext>
-            </a:extLst>
-          </p:cNvPr>
+          <p:cNvPr id="9" name="Slide Number Placeholder 8"/>
           <p:cNvSpPr>
             <a:spLocks noGrp="1"/>
           </p:cNvSpPr>
@@ -1873,10 +4184,41 @@
           </a:p>
         </p:txBody>
       </p:sp>
+      <p:cxnSp>
+        <p:nvCxnSpPr>
+          <p:cNvPr id="18" name="Straight Connector 17"/>
+          <p:cNvCxnSpPr/>
+          <p:nvPr/>
+        </p:nvCxnSpPr>
+        <p:spPr>
+          <a:xfrm>
+            <a:off x="1396169" y="2421466"/>
+            <a:ext cx="9407298" cy="0"/>
+          </a:xfrm>
+          <a:prstGeom prst="line">
+            <a:avLst/>
+          </a:prstGeom>
+          <a:ln w="15875"/>
+        </p:spPr>
+        <p:style>
+          <a:lnRef idx="2">
+            <a:schemeClr val="accent1"/>
+          </a:lnRef>
+          <a:fillRef idx="0">
+            <a:schemeClr val="accent1"/>
+          </a:fillRef>
+          <a:effectRef idx="1">
+            <a:schemeClr val="accent1"/>
+          </a:effectRef>
+          <a:fontRef idx="minor">
+            <a:schemeClr val="tx1"/>
+          </a:fontRef>
+        </p:style>
+      </p:cxnSp>
     </p:spTree>
     <p:extLst>
       <p:ext uri="{BB962C8B-B14F-4D97-AF65-F5344CB8AC3E}">
-        <p14:creationId xmlns:p14="http://schemas.microsoft.com/office/powerpoint/2010/main" val="408235727"/>
+        <p14:creationId xmlns:p14="http://schemas.microsoft.com/office/powerpoint/2010/main" val="3235007677"/>
       </p:ext>
     </p:extLst>
   </p:cSld>
@@ -1905,13 +4247,7 @@
       </p:grpSpPr>
       <p:sp>
         <p:nvSpPr>
-          <p:cNvPr id="2" name="Заголовок 1">
-            <a:extLst>
-              <a:ext uri="{FF2B5EF4-FFF2-40B4-BE49-F238E27FC236}">
-                <a16:creationId xmlns:a16="http://schemas.microsoft.com/office/drawing/2014/main" id="{01A59627-3B4A-2805-408F-85DA8E7836FA}"/>
-              </a:ext>
-            </a:extLst>
-          </p:cNvPr>
+          <p:cNvPr id="2" name="Title 1"/>
           <p:cNvSpPr>
             <a:spLocks noGrp="1"/>
           </p:cNvSpPr>
@@ -1925,21 +4261,16 @@
           <a:lstStyle/>
           <a:p>
             <a:r>
-              <a:rPr lang="ru-RU"/>
+              <a:rPr lang="ru-RU" smtClean="0"/>
               <a:t>Образец заголовка</a:t>
             </a:r>
-          </a:p>
-        </p:txBody>
-      </p:sp>
-      <p:sp>
-        <p:nvSpPr>
-          <p:cNvPr id="3" name="Дата 2">
-            <a:extLst>
-              <a:ext uri="{FF2B5EF4-FFF2-40B4-BE49-F238E27FC236}">
-                <a16:creationId xmlns:a16="http://schemas.microsoft.com/office/drawing/2014/main" id="{9E56A7D9-D0B7-E1AE-2BAB-F52B9736704D}"/>
-              </a:ext>
-            </a:extLst>
-          </p:cNvPr>
+            <a:endParaRPr lang="en-US" dirty="0"/>
+          </a:p>
+        </p:txBody>
+      </p:sp>
+      <p:sp>
+        <p:nvSpPr>
+          <p:cNvPr id="3" name="Date Placeholder 2"/>
           <p:cNvSpPr>
             <a:spLocks noGrp="1"/>
           </p:cNvSpPr>
@@ -1954,7 +4285,7 @@
           <a:p>
             <a:fld id="{F6F1740D-A2AB-48D6-B4C5-C6A56503F60B}" type="datetimeFigureOut">
               <a:rPr lang="ru-RU" smtClean="0"/>
-              <a:t>20.04.2023</a:t>
+              <a:t>24.04.2023</a:t>
             </a:fld>
             <a:endParaRPr lang="ru-RU"/>
           </a:p>
@@ -1962,13 +4293,7 @@
       </p:sp>
       <p:sp>
         <p:nvSpPr>
-          <p:cNvPr id="4" name="Нижний колонтитул 3">
-            <a:extLst>
-              <a:ext uri="{FF2B5EF4-FFF2-40B4-BE49-F238E27FC236}">
-                <a16:creationId xmlns:a16="http://schemas.microsoft.com/office/drawing/2014/main" id="{E3324F31-8ED8-6787-0894-F6B6C47FA0D6}"/>
-              </a:ext>
-            </a:extLst>
-          </p:cNvPr>
+          <p:cNvPr id="4" name="Footer Placeholder 3"/>
           <p:cNvSpPr>
             <a:spLocks noGrp="1"/>
           </p:cNvSpPr>
@@ -1987,13 +4312,7 @@
       </p:sp>
       <p:sp>
         <p:nvSpPr>
-          <p:cNvPr id="5" name="Номер слайда 4">
-            <a:extLst>
-              <a:ext uri="{FF2B5EF4-FFF2-40B4-BE49-F238E27FC236}">
-                <a16:creationId xmlns:a16="http://schemas.microsoft.com/office/drawing/2014/main" id="{15868D8D-A4A3-FF10-1EA0-E098CA173BE6}"/>
-              </a:ext>
-            </a:extLst>
-          </p:cNvPr>
+          <p:cNvPr id="5" name="Slide Number Placeholder 4"/>
           <p:cNvSpPr>
             <a:spLocks noGrp="1"/>
           </p:cNvSpPr>
@@ -2014,10 +4333,41 @@
           </a:p>
         </p:txBody>
       </p:sp>
+      <p:cxnSp>
+        <p:nvCxnSpPr>
+          <p:cNvPr id="14" name="Straight Connector 13"/>
+          <p:cNvCxnSpPr/>
+          <p:nvPr/>
+        </p:nvCxnSpPr>
+        <p:spPr>
+          <a:xfrm>
+            <a:off x="1396169" y="2421466"/>
+            <a:ext cx="9407298" cy="0"/>
+          </a:xfrm>
+          <a:prstGeom prst="line">
+            <a:avLst/>
+          </a:prstGeom>
+          <a:ln w="15875"/>
+        </p:spPr>
+        <p:style>
+          <a:lnRef idx="2">
+            <a:schemeClr val="accent1"/>
+          </a:lnRef>
+          <a:fillRef idx="0">
+            <a:schemeClr val="accent1"/>
+          </a:fillRef>
+          <a:effectRef idx="1">
+            <a:schemeClr val="accent1"/>
+          </a:effectRef>
+          <a:fontRef idx="minor">
+            <a:schemeClr val="tx1"/>
+          </a:fontRef>
+        </p:style>
+      </p:cxnSp>
     </p:spTree>
     <p:extLst>
       <p:ext uri="{BB962C8B-B14F-4D97-AF65-F5344CB8AC3E}">
-        <p14:creationId xmlns:p14="http://schemas.microsoft.com/office/powerpoint/2010/main" val="904856138"/>
+        <p14:creationId xmlns:p14="http://schemas.microsoft.com/office/powerpoint/2010/main" val="3055977885"/>
       </p:ext>
     </p:extLst>
   </p:cSld>
@@ -2046,13 +4396,7 @@
       </p:grpSpPr>
       <p:sp>
         <p:nvSpPr>
-          <p:cNvPr id="2" name="Дата 1">
-            <a:extLst>
-              <a:ext uri="{FF2B5EF4-FFF2-40B4-BE49-F238E27FC236}">
-                <a16:creationId xmlns:a16="http://schemas.microsoft.com/office/drawing/2014/main" id="{2BB7D16B-E165-BC2D-D645-F87C2039B790}"/>
-              </a:ext>
-            </a:extLst>
-          </p:cNvPr>
+          <p:cNvPr id="2" name="Date Placeholder 1"/>
           <p:cNvSpPr>
             <a:spLocks noGrp="1"/>
           </p:cNvSpPr>
@@ -2067,7 +4411,7 @@
           <a:p>
             <a:fld id="{F6F1740D-A2AB-48D6-B4C5-C6A56503F60B}" type="datetimeFigureOut">
               <a:rPr lang="ru-RU" smtClean="0"/>
-              <a:t>20.04.2023</a:t>
+              <a:t>24.04.2023</a:t>
             </a:fld>
             <a:endParaRPr lang="ru-RU"/>
           </a:p>
@@ -2075,13 +4419,7 @@
       </p:sp>
       <p:sp>
         <p:nvSpPr>
-          <p:cNvPr id="3" name="Нижний колонтитул 2">
-            <a:extLst>
-              <a:ext uri="{FF2B5EF4-FFF2-40B4-BE49-F238E27FC236}">
-                <a16:creationId xmlns:a16="http://schemas.microsoft.com/office/drawing/2014/main" id="{EACB50DD-5B34-765A-5858-F3B9AD552CF5}"/>
-              </a:ext>
-            </a:extLst>
-          </p:cNvPr>
+          <p:cNvPr id="3" name="Footer Placeholder 2"/>
           <p:cNvSpPr>
             <a:spLocks noGrp="1"/>
           </p:cNvSpPr>
@@ -2100,13 +4438,7 @@
       </p:sp>
       <p:sp>
         <p:nvSpPr>
-          <p:cNvPr id="4" name="Номер слайда 3">
-            <a:extLst>
-              <a:ext uri="{FF2B5EF4-FFF2-40B4-BE49-F238E27FC236}">
-                <a16:creationId xmlns:a16="http://schemas.microsoft.com/office/drawing/2014/main" id="{0C5E7D45-B18C-761E-105A-507092D460D7}"/>
-              </a:ext>
-            </a:extLst>
-          </p:cNvPr>
+          <p:cNvPr id="4" name="Slide Number Placeholder 3"/>
           <p:cNvSpPr>
             <a:spLocks noGrp="1"/>
           </p:cNvSpPr>
@@ -2130,7 +4462,7 @@
     </p:spTree>
     <p:extLst>
       <p:ext uri="{BB962C8B-B14F-4D97-AF65-F5344CB8AC3E}">
-        <p14:creationId xmlns:p14="http://schemas.microsoft.com/office/powerpoint/2010/main" val="2710182490"/>
+        <p14:creationId xmlns:p14="http://schemas.microsoft.com/office/powerpoint/2010/main" val="1996149864"/>
       </p:ext>
     </p:extLst>
   </p:cSld>
@@ -2159,13 +4491,7 @@
       </p:grpSpPr>
       <p:sp>
         <p:nvSpPr>
-          <p:cNvPr id="2" name="Заголовок 1">
-            <a:extLst>
-              <a:ext uri="{FF2B5EF4-FFF2-40B4-BE49-F238E27FC236}">
-                <a16:creationId xmlns:a16="http://schemas.microsoft.com/office/drawing/2014/main" id="{40AAC245-F56A-CE0C-A3C0-F2A49B581100}"/>
-              </a:ext>
-            </a:extLst>
-          </p:cNvPr>
+          <p:cNvPr id="2" name="Title 1"/>
           <p:cNvSpPr>
             <a:spLocks noGrp="1"/>
           </p:cNvSpPr>
@@ -2175,34 +4501,31 @@
         </p:nvSpPr>
         <p:spPr>
           <a:xfrm>
-            <a:off x="839788" y="457200"/>
-            <a:ext cx="3932237" cy="1600200"/>
+            <a:off x="1293811" y="1388534"/>
+            <a:ext cx="3718455" cy="1371600"/>
           </a:xfrm>
         </p:spPr>
         <p:txBody>
-          <a:bodyPr anchor="b"/>
+          <a:bodyPr anchor="b">
+            <a:normAutofit/>
+          </a:bodyPr>
           <a:lstStyle>
-            <a:lvl1pPr>
-              <a:defRPr sz="3200"/>
+            <a:lvl1pPr algn="ctr">
+              <a:defRPr sz="2400" b="0"/>
             </a:lvl1pPr>
           </a:lstStyle>
           <a:p>
             <a:r>
-              <a:rPr lang="ru-RU"/>
+              <a:rPr lang="ru-RU" smtClean="0"/>
               <a:t>Образец заголовка</a:t>
             </a:r>
-          </a:p>
-        </p:txBody>
-      </p:sp>
-      <p:sp>
-        <p:nvSpPr>
-          <p:cNvPr id="3" name="Объект 2">
-            <a:extLst>
-              <a:ext uri="{FF2B5EF4-FFF2-40B4-BE49-F238E27FC236}">
-                <a16:creationId xmlns:a16="http://schemas.microsoft.com/office/drawing/2014/main" id="{74045CAA-8F45-E3EC-2F0C-F36FA0F6AC5D}"/>
-              </a:ext>
-            </a:extLst>
-          </p:cNvPr>
+            <a:endParaRPr lang="en-US" dirty="0"/>
+          </a:p>
+        </p:txBody>
+      </p:sp>
+      <p:sp>
+        <p:nvSpPr>
+          <p:cNvPr id="3" name="Content Placeholder 2"/>
           <p:cNvSpPr>
             <a:spLocks noGrp="1"/>
           </p:cNvSpPr>
@@ -2212,87 +4535,56 @@
         </p:nvSpPr>
         <p:spPr>
           <a:xfrm>
-            <a:off x="5183188" y="987425"/>
-            <a:ext cx="6172200" cy="4873625"/>
+            <a:off x="5418668" y="982131"/>
+            <a:ext cx="5469466" cy="4893735"/>
           </a:xfrm>
         </p:spPr>
         <p:txBody>
-          <a:bodyPr/>
-          <a:lstStyle>
-            <a:lvl1pPr>
-              <a:defRPr sz="3200"/>
-            </a:lvl1pPr>
-            <a:lvl2pPr>
-              <a:defRPr sz="2800"/>
-            </a:lvl2pPr>
-            <a:lvl3pPr>
-              <a:defRPr sz="2400"/>
-            </a:lvl3pPr>
-            <a:lvl4pPr>
-              <a:defRPr sz="2000"/>
-            </a:lvl4pPr>
-            <a:lvl5pPr>
-              <a:defRPr sz="2000"/>
-            </a:lvl5pPr>
-            <a:lvl6pPr>
-              <a:defRPr sz="2000"/>
-            </a:lvl6pPr>
-            <a:lvl7pPr>
-              <a:defRPr sz="2000"/>
-            </a:lvl7pPr>
-            <a:lvl8pPr>
-              <a:defRPr sz="2000"/>
-            </a:lvl8pPr>
-            <a:lvl9pPr>
-              <a:defRPr sz="2000"/>
-            </a:lvl9pPr>
-          </a:lstStyle>
+          <a:bodyPr anchor="ctr">
+            <a:normAutofit/>
+          </a:bodyPr>
+          <a:lstStyle/>
           <a:p>
             <a:pPr lvl="0"/>
             <a:r>
-              <a:rPr lang="ru-RU"/>
+              <a:rPr lang="ru-RU" smtClean="0"/>
               <a:t>Образец текста</a:t>
             </a:r>
           </a:p>
           <a:p>
             <a:pPr lvl="1"/>
             <a:r>
-              <a:rPr lang="ru-RU"/>
+              <a:rPr lang="ru-RU" smtClean="0"/>
               <a:t>Второй уровень</a:t>
             </a:r>
           </a:p>
           <a:p>
             <a:pPr lvl="2"/>
             <a:r>
-              <a:rPr lang="ru-RU"/>
+              <a:rPr lang="ru-RU" smtClean="0"/>
               <a:t>Третий уровень</a:t>
             </a:r>
           </a:p>
           <a:p>
             <a:pPr lvl="3"/>
             <a:r>
-              <a:rPr lang="ru-RU"/>
+              <a:rPr lang="ru-RU" smtClean="0"/>
               <a:t>Четвертый уровень</a:t>
             </a:r>
           </a:p>
           <a:p>
             <a:pPr lvl="4"/>
             <a:r>
-              <a:rPr lang="ru-RU"/>
+              <a:rPr lang="ru-RU" smtClean="0"/>
               <a:t>Пятый уровень</a:t>
             </a:r>
-          </a:p>
-        </p:txBody>
-      </p:sp>
-      <p:sp>
-        <p:nvSpPr>
-          <p:cNvPr id="4" name="Текст 3">
-            <a:extLst>
-              <a:ext uri="{FF2B5EF4-FFF2-40B4-BE49-F238E27FC236}">
-                <a16:creationId xmlns:a16="http://schemas.microsoft.com/office/drawing/2014/main" id="{9FB4D0D5-43CE-8A7C-94DE-DF9123711C63}"/>
-              </a:ext>
-            </a:extLst>
-          </p:cNvPr>
+            <a:endParaRPr lang="en-US" dirty="0"/>
+          </a:p>
+        </p:txBody>
+      </p:sp>
+      <p:sp>
+        <p:nvSpPr>
+          <p:cNvPr id="4" name="Text Placeholder 3"/>
           <p:cNvSpPr>
             <a:spLocks noGrp="1"/>
           </p:cNvSpPr>
@@ -2302,54 +4594,56 @@
         </p:nvSpPr>
         <p:spPr>
           <a:xfrm>
-            <a:off x="839788" y="2057400"/>
-            <a:ext cx="3932237" cy="3811588"/>
+            <a:off x="1293811" y="3031065"/>
+            <a:ext cx="3718455" cy="2438404"/>
           </a:xfrm>
         </p:spPr>
         <p:txBody>
-          <a:bodyPr/>
+          <a:bodyPr anchor="t">
+            <a:normAutofit/>
+          </a:bodyPr>
           <a:lstStyle>
-            <a:lvl1pPr marL="0" indent="0">
+            <a:lvl1pPr marL="0" indent="0" algn="ctr">
               <a:buNone/>
               <a:defRPr sz="1600"/>
             </a:lvl1pPr>
             <a:lvl2pPr marL="457200" indent="0">
               <a:buNone/>
-              <a:defRPr sz="1400"/>
+              <a:defRPr sz="1200"/>
             </a:lvl2pPr>
             <a:lvl3pPr marL="914400" indent="0">
               <a:buNone/>
-              <a:defRPr sz="1200"/>
+              <a:defRPr sz="1000"/>
             </a:lvl3pPr>
             <a:lvl4pPr marL="1371600" indent="0">
               <a:buNone/>
-              <a:defRPr sz="1000"/>
+              <a:defRPr sz="900"/>
             </a:lvl4pPr>
             <a:lvl5pPr marL="1828800" indent="0">
               <a:buNone/>
-              <a:defRPr sz="1000"/>
+              <a:defRPr sz="900"/>
             </a:lvl5pPr>
             <a:lvl6pPr marL="2286000" indent="0">
               <a:buNone/>
-              <a:defRPr sz="1000"/>
+              <a:defRPr sz="900"/>
             </a:lvl6pPr>
             <a:lvl7pPr marL="2743200" indent="0">
               <a:buNone/>
-              <a:defRPr sz="1000"/>
+              <a:defRPr sz="900"/>
             </a:lvl7pPr>
             <a:lvl8pPr marL="3200400" indent="0">
               <a:buNone/>
-              <a:defRPr sz="1000"/>
+              <a:defRPr sz="900"/>
             </a:lvl8pPr>
             <a:lvl9pPr marL="3657600" indent="0">
               <a:buNone/>
-              <a:defRPr sz="1000"/>
+              <a:defRPr sz="900"/>
             </a:lvl9pPr>
           </a:lstStyle>
           <a:p>
             <a:pPr lvl="0"/>
             <a:r>
-              <a:rPr lang="ru-RU"/>
+              <a:rPr lang="ru-RU" smtClean="0"/>
               <a:t>Образец текста</a:t>
             </a:r>
           </a:p>
@@ -2357,13 +4651,7 @@
       </p:sp>
       <p:sp>
         <p:nvSpPr>
-          <p:cNvPr id="5" name="Дата 4">
-            <a:extLst>
-              <a:ext uri="{FF2B5EF4-FFF2-40B4-BE49-F238E27FC236}">
-                <a16:creationId xmlns:a16="http://schemas.microsoft.com/office/drawing/2014/main" id="{C25F7FC0-6934-E527-1BEF-A34C4CAE5E11}"/>
-              </a:ext>
-            </a:extLst>
-          </p:cNvPr>
+          <p:cNvPr id="5" name="Date Placeholder 4"/>
           <p:cNvSpPr>
             <a:spLocks noGrp="1"/>
           </p:cNvSpPr>
@@ -2378,7 +4666,7 @@
           <a:p>
             <a:fld id="{F6F1740D-A2AB-48D6-B4C5-C6A56503F60B}" type="datetimeFigureOut">
               <a:rPr lang="ru-RU" smtClean="0"/>
-              <a:t>20.04.2023</a:t>
+              <a:t>24.04.2023</a:t>
             </a:fld>
             <a:endParaRPr lang="ru-RU"/>
           </a:p>
@@ -2386,13 +4674,7 @@
       </p:sp>
       <p:sp>
         <p:nvSpPr>
-          <p:cNvPr id="6" name="Нижний колонтитул 5">
-            <a:extLst>
-              <a:ext uri="{FF2B5EF4-FFF2-40B4-BE49-F238E27FC236}">
-                <a16:creationId xmlns:a16="http://schemas.microsoft.com/office/drawing/2014/main" id="{6366D367-D83E-CF32-A5E5-BA4F2209A120}"/>
-              </a:ext>
-            </a:extLst>
-          </p:cNvPr>
+          <p:cNvPr id="6" name="Footer Placeholder 5"/>
           <p:cNvSpPr>
             <a:spLocks noGrp="1"/>
           </p:cNvSpPr>
@@ -2411,13 +4693,7 @@
       </p:sp>
       <p:sp>
         <p:nvSpPr>
-          <p:cNvPr id="7" name="Номер слайда 6">
-            <a:extLst>
-              <a:ext uri="{FF2B5EF4-FFF2-40B4-BE49-F238E27FC236}">
-                <a16:creationId xmlns:a16="http://schemas.microsoft.com/office/drawing/2014/main" id="{869AECC3-BA46-2A01-3FE0-6FE9385CE34F}"/>
-              </a:ext>
-            </a:extLst>
-          </p:cNvPr>
+          <p:cNvPr id="7" name="Slide Number Placeholder 6"/>
           <p:cNvSpPr>
             <a:spLocks noGrp="1"/>
           </p:cNvSpPr>
@@ -2438,10 +4714,41 @@
           </a:p>
         </p:txBody>
       </p:sp>
+      <p:cxnSp>
+        <p:nvCxnSpPr>
+          <p:cNvPr id="16" name="Straight Connector 15"/>
+          <p:cNvCxnSpPr/>
+          <p:nvPr/>
+        </p:nvCxnSpPr>
+        <p:spPr>
+          <a:xfrm>
+            <a:off x="1396169" y="2912533"/>
+            <a:ext cx="3514498" cy="0"/>
+          </a:xfrm>
+          <a:prstGeom prst="line">
+            <a:avLst/>
+          </a:prstGeom>
+          <a:ln w="15875"/>
+        </p:spPr>
+        <p:style>
+          <a:lnRef idx="2">
+            <a:schemeClr val="accent1"/>
+          </a:lnRef>
+          <a:fillRef idx="0">
+            <a:schemeClr val="accent1"/>
+          </a:fillRef>
+          <a:effectRef idx="1">
+            <a:schemeClr val="accent1"/>
+          </a:effectRef>
+          <a:fontRef idx="minor">
+            <a:schemeClr val="tx1"/>
+          </a:fontRef>
+        </p:style>
+      </p:cxnSp>
     </p:spTree>
     <p:extLst>
       <p:ext uri="{BB962C8B-B14F-4D97-AF65-F5344CB8AC3E}">
-        <p14:creationId xmlns:p14="http://schemas.microsoft.com/office/powerpoint/2010/main" val="2429286082"/>
+        <p14:creationId xmlns:p14="http://schemas.microsoft.com/office/powerpoint/2010/main" val="2427434251"/>
       </p:ext>
     </p:extLst>
   </p:cSld>
@@ -2470,13 +4777,7 @@
       </p:grpSpPr>
       <p:sp>
         <p:nvSpPr>
-          <p:cNvPr id="2" name="Заголовок 1">
-            <a:extLst>
-              <a:ext uri="{FF2B5EF4-FFF2-40B4-BE49-F238E27FC236}">
-                <a16:creationId xmlns:a16="http://schemas.microsoft.com/office/drawing/2014/main" id="{CED68852-F37A-FB0C-8CA3-A9EDCF1A1950}"/>
-              </a:ext>
-            </a:extLst>
-          </p:cNvPr>
+          <p:cNvPr id="2" name="Title 1"/>
           <p:cNvSpPr>
             <a:spLocks noGrp="1"/>
           </p:cNvSpPr>
@@ -2486,36 +4787,33 @@
         </p:nvSpPr>
         <p:spPr>
           <a:xfrm>
-            <a:off x="839788" y="457200"/>
-            <a:ext cx="3932237" cy="1600200"/>
+            <a:off x="1295399" y="1883832"/>
+            <a:ext cx="6241816" cy="1371600"/>
           </a:xfrm>
         </p:spPr>
         <p:txBody>
-          <a:bodyPr anchor="b"/>
+          <a:bodyPr anchor="b">
+            <a:normAutofit/>
+          </a:bodyPr>
           <a:lstStyle>
-            <a:lvl1pPr>
-              <a:defRPr sz="3200"/>
+            <a:lvl1pPr algn="ctr">
+              <a:defRPr sz="2800" b="0"/>
             </a:lvl1pPr>
           </a:lstStyle>
           <a:p>
             <a:r>
-              <a:rPr lang="ru-RU"/>
+              <a:rPr lang="ru-RU" smtClean="0"/>
               <a:t>Образец заголовка</a:t>
             </a:r>
-          </a:p>
-        </p:txBody>
-      </p:sp>
-      <p:sp>
-        <p:nvSpPr>
-          <p:cNvPr id="3" name="Рисунок 2">
-            <a:extLst>
-              <a:ext uri="{FF2B5EF4-FFF2-40B4-BE49-F238E27FC236}">
-                <a16:creationId xmlns:a16="http://schemas.microsoft.com/office/drawing/2014/main" id="{4AB46C32-9BBA-BF94-7DC2-94F62DB03EF9}"/>
-              </a:ext>
-            </a:extLst>
-          </p:cNvPr>
-          <p:cNvSpPr>
-            <a:spLocks noGrp="1"/>
+            <a:endParaRPr lang="en-US" dirty="0"/>
+          </a:p>
+        </p:txBody>
+      </p:sp>
+      <p:sp>
+        <p:nvSpPr>
+          <p:cNvPr id="17" name="Picture Placeholder 2"/>
+          <p:cNvSpPr>
+            <a:spLocks noGrp="1" noChangeAspect="1"/>
           </p:cNvSpPr>
           <p:nvPr>
             <p:ph type="pic" idx="1"/>
@@ -2523,121 +4821,144 @@
         </p:nvSpPr>
         <p:spPr>
           <a:xfrm>
-            <a:off x="5183188" y="987425"/>
-            <a:ext cx="6172200" cy="4873625"/>
+            <a:off x="8094831" y="1041400"/>
+            <a:ext cx="3063347" cy="4775200"/>
           </a:xfrm>
+          <a:prstGeom prst="roundRect">
+            <a:avLst>
+              <a:gd name="adj" fmla="val 0"/>
+            </a:avLst>
+          </a:prstGeom>
+          <a:ln w="57150" cmpd="thickThin">
+            <a:solidFill>
+              <a:schemeClr val="tx1">
+                <a:lumMod val="50000"/>
+                <a:lumOff val="50000"/>
+              </a:schemeClr>
+            </a:solidFill>
+            <a:miter lim="800000"/>
+          </a:ln>
+          <a:effectLst>
+            <a:innerShdw blurRad="57150" dist="38100" dir="14460000">
+              <a:srgbClr val="000000">
+                <a:alpha val="70000"/>
+              </a:srgbClr>
+            </a:innerShdw>
+          </a:effectLst>
         </p:spPr>
         <p:txBody>
-          <a:bodyPr/>
+          <a:bodyPr anchor="t">
+            <a:normAutofit/>
+          </a:bodyPr>
           <a:lstStyle>
-            <a:lvl1pPr marL="0" indent="0">
-              <a:buNone/>
-              <a:defRPr sz="3200"/>
-            </a:lvl1pPr>
-            <a:lvl2pPr marL="457200" indent="0">
-              <a:buNone/>
-              <a:defRPr sz="2800"/>
-            </a:lvl2pPr>
-            <a:lvl3pPr marL="914400" indent="0">
-              <a:buNone/>
-              <a:defRPr sz="2400"/>
-            </a:lvl3pPr>
-            <a:lvl4pPr marL="1371600" indent="0">
-              <a:buNone/>
-              <a:defRPr sz="2000"/>
-            </a:lvl4pPr>
-            <a:lvl5pPr marL="1828800" indent="0">
-              <a:buNone/>
-              <a:defRPr sz="2000"/>
-            </a:lvl5pPr>
-            <a:lvl6pPr marL="2286000" indent="0">
-              <a:buNone/>
-              <a:defRPr sz="2000"/>
-            </a:lvl6pPr>
-            <a:lvl7pPr marL="2743200" indent="0">
-              <a:buNone/>
-              <a:defRPr sz="2000"/>
-            </a:lvl7pPr>
-            <a:lvl8pPr marL="3200400" indent="0">
-              <a:buNone/>
-              <a:defRPr sz="2000"/>
-            </a:lvl8pPr>
-            <a:lvl9pPr marL="3657600" indent="0">
-              <a:buNone/>
-              <a:defRPr sz="2000"/>
-            </a:lvl9pPr>
-          </a:lstStyle>
-          <a:p>
-            <a:endParaRPr lang="ru-RU"/>
-          </a:p>
-        </p:txBody>
-      </p:sp>
-      <p:sp>
-        <p:nvSpPr>
-          <p:cNvPr id="4" name="Текст 3">
-            <a:extLst>
-              <a:ext uri="{FF2B5EF4-FFF2-40B4-BE49-F238E27FC236}">
-                <a16:creationId xmlns:a16="http://schemas.microsoft.com/office/drawing/2014/main" id="{F3D62B22-5C9E-07F9-2BB8-DCB63B84E8CD}"/>
-              </a:ext>
-            </a:extLst>
-          </p:cNvPr>
-          <p:cNvSpPr>
-            <a:spLocks noGrp="1"/>
-          </p:cNvSpPr>
-          <p:nvPr>
-            <p:ph type="body" sz="half" idx="2"/>
-          </p:nvPr>
-        </p:nvSpPr>
-        <p:spPr>
-          <a:xfrm>
-            <a:off x="839788" y="2057400"/>
-            <a:ext cx="3932237" cy="3811588"/>
-          </a:xfrm>
-        </p:spPr>
-        <p:txBody>
-          <a:bodyPr/>
-          <a:lstStyle>
-            <a:lvl1pPr marL="0" indent="0">
+            <a:lvl1pPr marL="0" indent="0" algn="ctr">
               <a:buNone/>
               <a:defRPr sz="1600"/>
             </a:lvl1pPr>
             <a:lvl2pPr marL="457200" indent="0">
               <a:buNone/>
-              <a:defRPr sz="1400"/>
+              <a:defRPr sz="1600"/>
             </a:lvl2pPr>
             <a:lvl3pPr marL="914400" indent="0">
               <a:buNone/>
-              <a:defRPr sz="1200"/>
+              <a:defRPr sz="1600"/>
             </a:lvl3pPr>
             <a:lvl4pPr marL="1371600" indent="0">
               <a:buNone/>
-              <a:defRPr sz="1000"/>
+              <a:defRPr sz="1600"/>
             </a:lvl4pPr>
             <a:lvl5pPr marL="1828800" indent="0">
               <a:buNone/>
-              <a:defRPr sz="1000"/>
+              <a:defRPr sz="1600"/>
             </a:lvl5pPr>
             <a:lvl6pPr marL="2286000" indent="0">
               <a:buNone/>
-              <a:defRPr sz="1000"/>
+              <a:defRPr sz="1600"/>
             </a:lvl6pPr>
             <a:lvl7pPr marL="2743200" indent="0">
               <a:buNone/>
-              <a:defRPr sz="1000"/>
+              <a:defRPr sz="1600"/>
             </a:lvl7pPr>
             <a:lvl8pPr marL="3200400" indent="0">
               <a:buNone/>
-              <a:defRPr sz="1000"/>
+              <a:defRPr sz="1600"/>
             </a:lvl8pPr>
             <a:lvl9pPr marL="3657600" indent="0">
               <a:buNone/>
-              <a:defRPr sz="1000"/>
+              <a:defRPr sz="1600"/>
             </a:lvl9pPr>
           </a:lstStyle>
           <a:p>
+            <a:r>
+              <a:rPr lang="ru-RU" smtClean="0"/>
+              <a:t>Вставка рисунка</a:t>
+            </a:r>
+            <a:endParaRPr lang="en-US" dirty="0"/>
+          </a:p>
+        </p:txBody>
+      </p:sp>
+      <p:sp>
+        <p:nvSpPr>
+          <p:cNvPr id="4" name="Text Placeholder 3"/>
+          <p:cNvSpPr>
+            <a:spLocks noGrp="1"/>
+          </p:cNvSpPr>
+          <p:nvPr>
+            <p:ph type="body" sz="half" idx="2"/>
+          </p:nvPr>
+        </p:nvSpPr>
+        <p:spPr>
+          <a:xfrm>
+            <a:off x="1295399" y="3255432"/>
+            <a:ext cx="6241816" cy="1828800"/>
+          </a:xfrm>
+        </p:spPr>
+        <p:txBody>
+          <a:bodyPr anchor="t">
+            <a:normAutofit/>
+          </a:bodyPr>
+          <a:lstStyle>
+            <a:lvl1pPr marL="0" indent="0" algn="ctr">
+              <a:buNone/>
+              <a:defRPr sz="1800"/>
+            </a:lvl1pPr>
+            <a:lvl2pPr marL="457200" indent="0">
+              <a:buNone/>
+              <a:defRPr sz="1200"/>
+            </a:lvl2pPr>
+            <a:lvl3pPr marL="914400" indent="0">
+              <a:buNone/>
+              <a:defRPr sz="1000"/>
+            </a:lvl3pPr>
+            <a:lvl4pPr marL="1371600" indent="0">
+              <a:buNone/>
+              <a:defRPr sz="900"/>
+            </a:lvl4pPr>
+            <a:lvl5pPr marL="1828800" indent="0">
+              <a:buNone/>
+              <a:defRPr sz="900"/>
+            </a:lvl5pPr>
+            <a:lvl6pPr marL="2286000" indent="0">
+              <a:buNone/>
+              <a:defRPr sz="900"/>
+            </a:lvl6pPr>
+            <a:lvl7pPr marL="2743200" indent="0">
+              <a:buNone/>
+              <a:defRPr sz="900"/>
+            </a:lvl7pPr>
+            <a:lvl8pPr marL="3200400" indent="0">
+              <a:buNone/>
+              <a:defRPr sz="900"/>
+            </a:lvl8pPr>
+            <a:lvl9pPr marL="3657600" indent="0">
+              <a:buNone/>
+              <a:defRPr sz="900"/>
+            </a:lvl9pPr>
+          </a:lstStyle>
+          <a:p>
             <a:pPr lvl="0"/>
             <a:r>
-              <a:rPr lang="ru-RU"/>
+              <a:rPr lang="ru-RU" smtClean="0"/>
               <a:t>Образец текста</a:t>
             </a:r>
           </a:p>
@@ -2645,13 +4966,7 @@
       </p:sp>
       <p:sp>
         <p:nvSpPr>
-          <p:cNvPr id="5" name="Дата 4">
-            <a:extLst>
-              <a:ext uri="{FF2B5EF4-FFF2-40B4-BE49-F238E27FC236}">
-                <a16:creationId xmlns:a16="http://schemas.microsoft.com/office/drawing/2014/main" id="{038F5043-B333-623A-FB81-356E564AB0F2}"/>
-              </a:ext>
-            </a:extLst>
-          </p:cNvPr>
+          <p:cNvPr id="5" name="Date Placeholder 4"/>
           <p:cNvSpPr>
             <a:spLocks noGrp="1"/>
           </p:cNvSpPr>
@@ -2666,7 +4981,7 @@
           <a:p>
             <a:fld id="{F6F1740D-A2AB-48D6-B4C5-C6A56503F60B}" type="datetimeFigureOut">
               <a:rPr lang="ru-RU" smtClean="0"/>
-              <a:t>20.04.2023</a:t>
+              <a:t>24.04.2023</a:t>
             </a:fld>
             <a:endParaRPr lang="ru-RU"/>
           </a:p>
@@ -2674,13 +4989,7 @@
       </p:sp>
       <p:sp>
         <p:nvSpPr>
-          <p:cNvPr id="6" name="Нижний колонтитул 5">
-            <a:extLst>
-              <a:ext uri="{FF2B5EF4-FFF2-40B4-BE49-F238E27FC236}">
-                <a16:creationId xmlns:a16="http://schemas.microsoft.com/office/drawing/2014/main" id="{B9D6FE79-92FE-C050-106F-D29E1B4BE615}"/>
-              </a:ext>
-            </a:extLst>
-          </p:cNvPr>
+          <p:cNvPr id="6" name="Footer Placeholder 5"/>
           <p:cNvSpPr>
             <a:spLocks noGrp="1"/>
           </p:cNvSpPr>
@@ -2699,13 +5008,7 @@
       </p:sp>
       <p:sp>
         <p:nvSpPr>
-          <p:cNvPr id="7" name="Номер слайда 6">
-            <a:extLst>
-              <a:ext uri="{FF2B5EF4-FFF2-40B4-BE49-F238E27FC236}">
-                <a16:creationId xmlns:a16="http://schemas.microsoft.com/office/drawing/2014/main" id="{7BAF3F41-8D9D-160C-AD41-C96282C28BDA}"/>
-              </a:ext>
-            </a:extLst>
-          </p:cNvPr>
+          <p:cNvPr id="7" name="Slide Number Placeholder 6"/>
           <p:cNvSpPr>
             <a:spLocks noGrp="1"/>
           </p:cNvSpPr>
@@ -2729,7 +5032,7 @@
     </p:spTree>
     <p:extLst>
       <p:ext uri="{BB962C8B-B14F-4D97-AF65-F5344CB8AC3E}">
-        <p14:creationId xmlns:p14="http://schemas.microsoft.com/office/powerpoint/2010/main" val="3443256709"/>
+        <p14:creationId xmlns:p14="http://schemas.microsoft.com/office/powerpoint/2010/main" val="2536310326"/>
       </p:ext>
     </p:extLst>
   </p:cSld>
@@ -2743,7 +5046,7 @@
 <p:sldMaster xmlns:a="http://schemas.openxmlformats.org/drawingml/2006/main" xmlns:r="http://schemas.openxmlformats.org/officeDocument/2006/relationships" xmlns:p="http://schemas.openxmlformats.org/presentationml/2006/main">
   <p:cSld>
     <p:bg>
-      <p:bgRef idx="1001">
+      <p:bgRef idx="1003">
         <a:schemeClr val="bg1"/>
       </p:bgRef>
     </p:bg>
@@ -2761,15 +5064,146 @@
           <a:chExt cx="0" cy="0"/>
         </a:xfrm>
       </p:grpSpPr>
-      <p:sp>
-        <p:nvSpPr>
-          <p:cNvPr id="2" name="Заголовок 1">
-            <a:extLst>
-              <a:ext uri="{FF2B5EF4-FFF2-40B4-BE49-F238E27FC236}">
-                <a16:creationId xmlns:a16="http://schemas.microsoft.com/office/drawing/2014/main" id="{15285EEC-60AD-D83A-3D43-301029BF555C}"/>
-              </a:ext>
-            </a:extLst>
-          </p:cNvPr>
+      <p:grpSp>
+        <p:nvGrpSpPr>
+          <p:cNvPr id="7" name="Group 6"/>
+          <p:cNvGrpSpPr/>
+          <p:nvPr/>
+        </p:nvGrpSpPr>
+        <p:grpSpPr>
+          <a:xfrm>
+            <a:off x="-15736" y="0"/>
+            <a:ext cx="12229962" cy="6856214"/>
+            <a:chOff x="-15736" y="0"/>
+            <a:chExt cx="12229962" cy="6856214"/>
+          </a:xfrm>
+        </p:grpSpPr>
+        <p:pic>
+          <p:nvPicPr>
+            <p:cNvPr id="8" name="Picture 7" descr="HD-PanelContent.png"/>
+            <p:cNvPicPr>
+              <a:picLocks noChangeAspect="1"/>
+            </p:cNvPicPr>
+            <p:nvPr/>
+          </p:nvPicPr>
+          <p:blipFill>
+            <a:blip r:embed="rId19">
+              <a:extLst>
+                <a:ext uri="{28A0092B-C50C-407E-A947-70E740481C1C}">
+                  <a14:useLocalDpi xmlns:a14="http://schemas.microsoft.com/office/drawing/2010/main" val="0"/>
+                </a:ext>
+              </a:extLst>
+            </a:blip>
+            <a:stretch>
+              <a:fillRect/>
+            </a:stretch>
+          </p:blipFill>
+          <p:spPr>
+            <a:xfrm>
+              <a:off x="0" y="0"/>
+              <a:ext cx="12188825" cy="6856214"/>
+            </a:xfrm>
+            <a:prstGeom prst="rect">
+              <a:avLst/>
+            </a:prstGeom>
+          </p:spPr>
+        </p:pic>
+        <p:sp>
+          <p:nvSpPr>
+            <p:cNvPr id="9" name="Rectangle 8"/>
+            <p:cNvSpPr/>
+            <p:nvPr/>
+          </p:nvSpPr>
+          <p:spPr>
+            <a:xfrm>
+              <a:off x="608012" y="609600"/>
+              <a:ext cx="10972800" cy="5638800"/>
+            </a:xfrm>
+            <a:prstGeom prst="rect">
+              <a:avLst/>
+            </a:prstGeom>
+            <a:noFill/>
+            <a:ln w="15875" cap="flat">
+              <a:miter lim="800000"/>
+            </a:ln>
+          </p:spPr>
+          <p:style>
+            <a:lnRef idx="1">
+              <a:schemeClr val="accent1"/>
+            </a:lnRef>
+            <a:fillRef idx="3">
+              <a:schemeClr val="accent1"/>
+            </a:fillRef>
+            <a:effectRef idx="2">
+              <a:schemeClr val="accent1"/>
+            </a:effectRef>
+            <a:fontRef idx="minor">
+              <a:schemeClr val="lt1"/>
+            </a:fontRef>
+          </p:style>
+        </p:sp>
+        <p:pic>
+          <p:nvPicPr>
+            <p:cNvPr id="10" name="Picture 9" descr="HDRibbonContent-UniformTrim.png"/>
+            <p:cNvPicPr>
+              <a:picLocks noChangeAspect="1"/>
+            </p:cNvPicPr>
+            <p:nvPr/>
+          </p:nvPicPr>
+          <p:blipFill rotWithShape="1">
+            <a:blip r:embed="rId20">
+              <a:extLst>
+                <a:ext uri="{28A0092B-C50C-407E-A947-70E740481C1C}">
+                  <a14:useLocalDpi xmlns:a14="http://schemas.microsoft.com/office/drawing/2010/main" val="0"/>
+                </a:ext>
+              </a:extLst>
+            </a:blip>
+            <a:srcRect/>
+            <a:stretch/>
+          </p:blipFill>
+          <p:spPr>
+            <a:xfrm>
+              <a:off x="-15736" y="3153832"/>
+              <a:ext cx="777240" cy="606425"/>
+            </a:xfrm>
+            <a:prstGeom prst="rect">
+              <a:avLst/>
+            </a:prstGeom>
+          </p:spPr>
+        </p:pic>
+        <p:pic>
+          <p:nvPicPr>
+            <p:cNvPr id="11" name="Picture 10" descr="HDRibbonContent-UniformTrim.png"/>
+            <p:cNvPicPr>
+              <a:picLocks noChangeAspect="1"/>
+            </p:cNvPicPr>
+            <p:nvPr/>
+          </p:nvPicPr>
+          <p:blipFill rotWithShape="1">
+            <a:blip r:embed="rId20">
+              <a:extLst>
+                <a:ext uri="{28A0092B-C50C-407E-A947-70E740481C1C}">
+                  <a14:useLocalDpi xmlns:a14="http://schemas.microsoft.com/office/drawing/2010/main" val="0"/>
+                </a:ext>
+              </a:extLst>
+            </a:blip>
+            <a:srcRect/>
+            <a:stretch/>
+          </p:blipFill>
+          <p:spPr>
+            <a:xfrm>
+              <a:off x="11436986" y="3153832"/>
+              <a:ext cx="777240" cy="606425"/>
+            </a:xfrm>
+            <a:prstGeom prst="rect">
+              <a:avLst/>
+            </a:prstGeom>
+          </p:spPr>
+        </p:pic>
+      </p:grpSp>
+      <p:sp>
+        <p:nvSpPr>
+          <p:cNvPr id="2" name="Title Placeholder 1"/>
           <p:cNvSpPr>
             <a:spLocks noGrp="1"/>
           </p:cNvSpPr>
@@ -2779,113 +5213,145 @@
         </p:nvSpPr>
         <p:spPr>
           <a:xfrm>
-            <a:off x="838200" y="365125"/>
-            <a:ext cx="10515600" cy="1325563"/>
+            <a:off x="1295402" y="982132"/>
+            <a:ext cx="9601196" cy="1303867"/>
+          </a:xfrm>
+          <a:prstGeom prst="rect">
+            <a:avLst/>
+          </a:prstGeom>
+          <a:effectLst/>
+        </p:spPr>
+        <p:txBody>
+          <a:bodyPr vert="horz" lIns="91440" tIns="45720" rIns="91440" bIns="45720" rtlCol="0" anchor="ctr">
+            <a:normAutofit/>
+          </a:bodyPr>
+          <a:lstStyle/>
+          <a:p>
+            <a:r>
+              <a:rPr lang="ru-RU" smtClean="0"/>
+              <a:t>Образец заголовка</a:t>
+            </a:r>
+            <a:endParaRPr lang="en-US" dirty="0"/>
+          </a:p>
+        </p:txBody>
+      </p:sp>
+      <p:sp>
+        <p:nvSpPr>
+          <p:cNvPr id="3" name="Text Placeholder 2"/>
+          <p:cNvSpPr>
+            <a:spLocks noGrp="1"/>
+          </p:cNvSpPr>
+          <p:nvPr>
+            <p:ph type="body" idx="1"/>
+          </p:nvPr>
+        </p:nvSpPr>
+        <p:spPr>
+          <a:xfrm>
+            <a:off x="1295401" y="2556932"/>
+            <a:ext cx="9601196" cy="3318936"/>
           </a:xfrm>
           <a:prstGeom prst="rect">
             <a:avLst/>
           </a:prstGeom>
         </p:spPr>
         <p:txBody>
-          <a:bodyPr vert="horz" lIns="91440" tIns="45720" rIns="91440" bIns="45720" rtlCol="0" anchor="ctr">
+          <a:bodyPr vert="horz" lIns="91440" tIns="45720" rIns="91440" bIns="45720" rtlCol="0" anchor="t">
             <a:normAutofit/>
           </a:bodyPr>
           <a:lstStyle/>
           <a:p>
-            <a:r>
-              <a:rPr lang="ru-RU"/>
-              <a:t>Образец заголовка</a:t>
-            </a:r>
-          </a:p>
-        </p:txBody>
-      </p:sp>
-      <p:sp>
-        <p:nvSpPr>
-          <p:cNvPr id="3" name="Текст 2">
-            <a:extLst>
-              <a:ext uri="{FF2B5EF4-FFF2-40B4-BE49-F238E27FC236}">
-                <a16:creationId xmlns:a16="http://schemas.microsoft.com/office/drawing/2014/main" id="{99254E0B-8001-97C5-FC12-6E50FD4148DD}"/>
-              </a:ext>
-            </a:extLst>
-          </p:cNvPr>
-          <p:cNvSpPr>
-            <a:spLocks noGrp="1"/>
-          </p:cNvSpPr>
-          <p:nvPr>
-            <p:ph type="body" idx="1"/>
+            <a:pPr lvl="0"/>
+            <a:r>
+              <a:rPr lang="ru-RU" smtClean="0"/>
+              <a:t>Образец текста</a:t>
+            </a:r>
+          </a:p>
+          <a:p>
+            <a:pPr lvl="1"/>
+            <a:r>
+              <a:rPr lang="ru-RU" smtClean="0"/>
+              <a:t>Второй уровень</a:t>
+            </a:r>
+          </a:p>
+          <a:p>
+            <a:pPr lvl="2"/>
+            <a:r>
+              <a:rPr lang="ru-RU" smtClean="0"/>
+              <a:t>Третий уровень</a:t>
+            </a:r>
+          </a:p>
+          <a:p>
+            <a:pPr lvl="3"/>
+            <a:r>
+              <a:rPr lang="ru-RU" smtClean="0"/>
+              <a:t>Четвертый уровень</a:t>
+            </a:r>
+          </a:p>
+          <a:p>
+            <a:pPr lvl="4"/>
+            <a:r>
+              <a:rPr lang="ru-RU" smtClean="0"/>
+              <a:t>Пятый уровень</a:t>
+            </a:r>
+            <a:endParaRPr lang="en-US" dirty="0"/>
+          </a:p>
+        </p:txBody>
+      </p:sp>
+      <p:sp>
+        <p:nvSpPr>
+          <p:cNvPr id="4" name="Date Placeholder 3"/>
+          <p:cNvSpPr>
+            <a:spLocks noGrp="1"/>
+          </p:cNvSpPr>
+          <p:nvPr>
+            <p:ph type="dt" sz="half" idx="2"/>
           </p:nvPr>
         </p:nvSpPr>
         <p:spPr>
           <a:xfrm>
-            <a:off x="838200" y="1825625"/>
-            <a:ext cx="10515600" cy="4351338"/>
+            <a:off x="8677501" y="5969000"/>
+            <a:ext cx="1600200" cy="279400"/>
           </a:xfrm>
           <a:prstGeom prst="rect">
             <a:avLst/>
           </a:prstGeom>
         </p:spPr>
         <p:txBody>
-          <a:bodyPr vert="horz" lIns="91440" tIns="45720" rIns="91440" bIns="45720" rtlCol="0">
-            <a:normAutofit/>
-          </a:bodyPr>
-          <a:lstStyle/>
-          <a:p>
-            <a:pPr lvl="0"/>
-            <a:r>
-              <a:rPr lang="ru-RU"/>
-              <a:t>Образец текста</a:t>
-            </a:r>
-          </a:p>
-          <a:p>
-            <a:pPr lvl="1"/>
-            <a:r>
-              <a:rPr lang="ru-RU"/>
-              <a:t>Второй уровень</a:t>
-            </a:r>
-          </a:p>
-          <a:p>
-            <a:pPr lvl="2"/>
-            <a:r>
-              <a:rPr lang="ru-RU"/>
-              <a:t>Третий уровень</a:t>
-            </a:r>
-          </a:p>
-          <a:p>
-            <a:pPr lvl="3"/>
-            <a:r>
-              <a:rPr lang="ru-RU"/>
-              <a:t>Четвертый уровень</a:t>
-            </a:r>
-          </a:p>
-          <a:p>
-            <a:pPr lvl="4"/>
-            <a:r>
-              <a:rPr lang="ru-RU"/>
-              <a:t>Пятый уровень</a:t>
-            </a:r>
-          </a:p>
-        </p:txBody>
-      </p:sp>
-      <p:sp>
-        <p:nvSpPr>
-          <p:cNvPr id="4" name="Дата 3">
-            <a:extLst>
-              <a:ext uri="{FF2B5EF4-FFF2-40B4-BE49-F238E27FC236}">
-                <a16:creationId xmlns:a16="http://schemas.microsoft.com/office/drawing/2014/main" id="{D15F8002-DCBC-B3C4-096E-719CD1F5CC76}"/>
-              </a:ext>
-            </a:extLst>
-          </p:cNvPr>
-          <p:cNvSpPr>
-            <a:spLocks noGrp="1"/>
-          </p:cNvSpPr>
-          <p:nvPr>
-            <p:ph type="dt" sz="half" idx="2"/>
+          <a:bodyPr vert="horz" lIns="91440" tIns="45720" rIns="91440" bIns="45720" rtlCol="0" anchor="ctr"/>
+          <a:lstStyle>
+            <a:lvl1pPr algn="r">
+              <a:defRPr sz="1000" b="0" i="0">
+                <a:solidFill>
+                  <a:schemeClr val="tx1"/>
+                </a:solidFill>
+                <a:effectLst/>
+                <a:latin typeface="+mn-lt"/>
+              </a:defRPr>
+            </a:lvl1pPr>
+          </a:lstStyle>
+          <a:p>
+            <a:fld id="{F6F1740D-A2AB-48D6-B4C5-C6A56503F60B}" type="datetimeFigureOut">
+              <a:rPr lang="ru-RU" smtClean="0"/>
+              <a:t>24.04.2023</a:t>
+            </a:fld>
+            <a:endParaRPr lang="ru-RU"/>
+          </a:p>
+        </p:txBody>
+      </p:sp>
+      <p:sp>
+        <p:nvSpPr>
+          <p:cNvPr id="5" name="Footer Placeholder 4"/>
+          <p:cNvSpPr>
+            <a:spLocks noGrp="1"/>
+          </p:cNvSpPr>
+          <p:nvPr>
+            <p:ph type="ftr" sz="quarter" idx="3"/>
           </p:nvPr>
         </p:nvSpPr>
         <p:spPr>
           <a:xfrm>
-            <a:off x="838200" y="6356350"/>
-            <a:ext cx="2743200" cy="365125"/>
+            <a:off x="1295401" y="5969000"/>
+            <a:ext cx="7305900" cy="279400"/>
           </a:xfrm>
           <a:prstGeom prst="rect">
             <a:avLst/>
@@ -2895,44 +5361,34 @@
           <a:bodyPr vert="horz" lIns="91440" tIns="45720" rIns="91440" bIns="45720" rtlCol="0" anchor="ctr"/>
           <a:lstStyle>
             <a:lvl1pPr algn="l">
-              <a:defRPr sz="1200">
-                <a:solidFill>
-                  <a:schemeClr val="tx1">
-                    <a:tint val="75000"/>
-                  </a:schemeClr>
-                </a:solidFill>
+              <a:defRPr sz="1000" b="0" i="0">
+                <a:solidFill>
+                  <a:schemeClr val="tx1"/>
+                </a:solidFill>
+                <a:effectLst/>
+                <a:latin typeface="+mn-lt"/>
               </a:defRPr>
             </a:lvl1pPr>
           </a:lstStyle>
           <a:p>
-            <a:fld id="{F6F1740D-A2AB-48D6-B4C5-C6A56503F60B}" type="datetimeFigureOut">
-              <a:rPr lang="ru-RU" smtClean="0"/>
-              <a:t>20.04.2023</a:t>
-            </a:fld>
             <a:endParaRPr lang="ru-RU"/>
           </a:p>
         </p:txBody>
       </p:sp>
       <p:sp>
         <p:nvSpPr>
-          <p:cNvPr id="5" name="Нижний колонтитул 4">
-            <a:extLst>
-              <a:ext uri="{FF2B5EF4-FFF2-40B4-BE49-F238E27FC236}">
-                <a16:creationId xmlns:a16="http://schemas.microsoft.com/office/drawing/2014/main" id="{E4F4B955-5B7B-8377-6FAC-5B6A52DD3FBC}"/>
-              </a:ext>
-            </a:extLst>
-          </p:cNvPr>
-          <p:cNvSpPr>
-            <a:spLocks noGrp="1"/>
-          </p:cNvSpPr>
-          <p:nvPr>
-            <p:ph type="ftr" sz="quarter" idx="3"/>
+          <p:cNvPr id="6" name="Slide Number Placeholder 5"/>
+          <p:cNvSpPr>
+            <a:spLocks noGrp="1"/>
+          </p:cNvSpPr>
+          <p:nvPr>
+            <p:ph type="sldNum" sz="quarter" idx="4"/>
           </p:nvPr>
         </p:nvSpPr>
         <p:spPr>
           <a:xfrm>
-            <a:off x="4038600" y="6356350"/>
-            <a:ext cx="4114800" cy="365125"/>
+            <a:off x="10353901" y="5969000"/>
+            <a:ext cx="542697" cy="279400"/>
           </a:xfrm>
           <a:prstGeom prst="rect">
             <a:avLst/>
@@ -2941,56 +5397,13 @@
         <p:txBody>
           <a:bodyPr vert="horz" lIns="91440" tIns="45720" rIns="91440" bIns="45720" rtlCol="0" anchor="ctr"/>
           <a:lstStyle>
-            <a:lvl1pPr algn="ctr">
-              <a:defRPr sz="1200">
-                <a:solidFill>
-                  <a:schemeClr val="tx1">
-                    <a:tint val="75000"/>
-                  </a:schemeClr>
-                </a:solidFill>
-              </a:defRPr>
-            </a:lvl1pPr>
-          </a:lstStyle>
-          <a:p>
-            <a:endParaRPr lang="ru-RU"/>
-          </a:p>
-        </p:txBody>
-      </p:sp>
-      <p:sp>
-        <p:nvSpPr>
-          <p:cNvPr id="6" name="Номер слайда 5">
-            <a:extLst>
-              <a:ext uri="{FF2B5EF4-FFF2-40B4-BE49-F238E27FC236}">
-                <a16:creationId xmlns:a16="http://schemas.microsoft.com/office/drawing/2014/main" id="{A4F72C87-6872-313A-6FCA-46689D3FBF64}"/>
-              </a:ext>
-            </a:extLst>
-          </p:cNvPr>
-          <p:cNvSpPr>
-            <a:spLocks noGrp="1"/>
-          </p:cNvSpPr>
-          <p:nvPr>
-            <p:ph type="sldNum" sz="quarter" idx="4"/>
-          </p:nvPr>
-        </p:nvSpPr>
-        <p:spPr>
-          <a:xfrm>
-            <a:off x="8610600" y="6356350"/>
-            <a:ext cx="2743200" cy="365125"/>
-          </a:xfrm>
-          <a:prstGeom prst="rect">
-            <a:avLst/>
-          </a:prstGeom>
-        </p:spPr>
-        <p:txBody>
-          <a:bodyPr vert="horz" lIns="91440" tIns="45720" rIns="91440" bIns="45720" rtlCol="0" anchor="ctr"/>
-          <a:lstStyle>
             <a:lvl1pPr algn="r">
-              <a:defRPr sz="1200">
-                <a:solidFill>
-                  <a:schemeClr val="tx1">
-                    <a:tint val="75000"/>
-                  </a:schemeClr>
-                </a:solidFill>
+              <a:defRPr sz="1000" b="0" i="0">
+                <a:solidFill>
+                  <a:schemeClr val="tx1"/>
+                </a:solidFill>
+                <a:effectLst/>
+                <a:latin typeface="+mn-lt"/>
               </a:defRPr>
             </a:lvl1pPr>
           </a:lstStyle>
@@ -3006,55 +5419,352 @@
     </p:spTree>
     <p:extLst>
       <p:ext uri="{BB962C8B-B14F-4D97-AF65-F5344CB8AC3E}">
-        <p14:creationId xmlns:p14="http://schemas.microsoft.com/office/powerpoint/2010/main" val="3718230706"/>
+        <p14:creationId xmlns:p14="http://schemas.microsoft.com/office/powerpoint/2010/main" val="1190895230"/>
       </p:ext>
     </p:extLst>
   </p:cSld>
   <p:clrMap bg1="lt1" tx1="dk1" bg2="lt2" tx2="dk2" accent1="accent1" accent2="accent2" accent3="accent3" accent4="accent4" accent5="accent5" accent6="accent6" hlink="hlink" folHlink="folHlink"/>
   <p:sldLayoutIdLst>
-    <p:sldLayoutId id="2147483649" r:id="rId1"/>
-    <p:sldLayoutId id="2147483650" r:id="rId2"/>
-    <p:sldLayoutId id="2147483651" r:id="rId3"/>
-    <p:sldLayoutId id="2147483652" r:id="rId4"/>
-    <p:sldLayoutId id="2147483653" r:id="rId5"/>
-    <p:sldLayoutId id="2147483654" r:id="rId6"/>
-    <p:sldLayoutId id="2147483655" r:id="rId7"/>
-    <p:sldLayoutId id="2147483656" r:id="rId8"/>
-    <p:sldLayoutId id="2147483657" r:id="rId9"/>
-    <p:sldLayoutId id="2147483658" r:id="rId10"/>
-    <p:sldLayoutId id="2147483659" r:id="rId11"/>
+    <p:sldLayoutId id="2147483661" r:id="rId1"/>
+    <p:sldLayoutId id="2147483662" r:id="rId2"/>
+    <p:sldLayoutId id="2147483663" r:id="rId3"/>
+    <p:sldLayoutId id="2147483664" r:id="rId4"/>
+    <p:sldLayoutId id="2147483665" r:id="rId5"/>
+    <p:sldLayoutId id="2147483666" r:id="rId6"/>
+    <p:sldLayoutId id="2147483667" r:id="rId7"/>
+    <p:sldLayoutId id="2147483668" r:id="rId8"/>
+    <p:sldLayoutId id="2147483669" r:id="rId9"/>
+    <p:sldLayoutId id="2147483670" r:id="rId10"/>
+    <p:sldLayoutId id="2147483671" r:id="rId11"/>
+    <p:sldLayoutId id="2147483672" r:id="rId12"/>
+    <p:sldLayoutId id="2147483673" r:id="rId13"/>
+    <p:sldLayoutId id="2147483674" r:id="rId14"/>
+    <p:sldLayoutId id="2147483675" r:id="rId15"/>
+    <p:sldLayoutId id="2147483676" r:id="rId16"/>
+    <p:sldLayoutId id="2147483677" r:id="rId17"/>
   </p:sldLayoutIdLst>
   <p:txStyles>
     <p:titleStyle>
-      <a:lvl1pPr algn="l" defTabSz="914400" rtl="0" eaLnBrk="1" latinLnBrk="0" hangingPunct="1">
-        <a:lnSpc>
-          <a:spcPct val="90000"/>
-        </a:lnSpc>
+      <a:lvl1pPr algn="ctr" defTabSz="457200" rtl="0" eaLnBrk="1" latinLnBrk="0" hangingPunct="1">
         <a:spcBef>
           <a:spcPct val="0"/>
         </a:spcBef>
         <a:buNone/>
-        <a:defRPr sz="4400" kern="1200">
+        <a:defRPr sz="4400" kern="1200" cap="none">
+          <a:ln w="3175" cmpd="sng">
+            <a:noFill/>
+          </a:ln>
           <a:solidFill>
-            <a:schemeClr val="tx1"/>
+            <a:schemeClr val="tx1">
+              <a:lumMod val="85000"/>
+              <a:lumOff val="15000"/>
+            </a:schemeClr>
           </a:solidFill>
+          <a:effectLst/>
           <a:latin typeface="+mj-lt"/>
           <a:ea typeface="+mj-ea"/>
           <a:cs typeface="+mj-cs"/>
         </a:defRPr>
       </a:lvl1pPr>
+      <a:lvl2pPr eaLnBrk="1" hangingPunct="1">
+        <a:defRPr>
+          <a:solidFill>
+            <a:schemeClr val="tx2"/>
+          </a:solidFill>
+        </a:defRPr>
+      </a:lvl2pPr>
+      <a:lvl3pPr eaLnBrk="1" hangingPunct="1">
+        <a:defRPr>
+          <a:solidFill>
+            <a:schemeClr val="tx2"/>
+          </a:solidFill>
+        </a:defRPr>
+      </a:lvl3pPr>
+      <a:lvl4pPr eaLnBrk="1" hangingPunct="1">
+        <a:defRPr>
+          <a:solidFill>
+            <a:schemeClr val="tx2"/>
+          </a:solidFill>
+        </a:defRPr>
+      </a:lvl4pPr>
+      <a:lvl5pPr eaLnBrk="1" hangingPunct="1">
+        <a:defRPr>
+          <a:solidFill>
+            <a:schemeClr val="tx2"/>
+          </a:solidFill>
+        </a:defRPr>
+      </a:lvl5pPr>
+      <a:lvl6pPr eaLnBrk="1" hangingPunct="1">
+        <a:defRPr>
+          <a:solidFill>
+            <a:schemeClr val="tx2"/>
+          </a:solidFill>
+        </a:defRPr>
+      </a:lvl6pPr>
+      <a:lvl7pPr eaLnBrk="1" hangingPunct="1">
+        <a:defRPr>
+          <a:solidFill>
+            <a:schemeClr val="tx2"/>
+          </a:solidFill>
+        </a:defRPr>
+      </a:lvl7pPr>
+      <a:lvl8pPr eaLnBrk="1" hangingPunct="1">
+        <a:defRPr>
+          <a:solidFill>
+            <a:schemeClr val="tx2"/>
+          </a:solidFill>
+        </a:defRPr>
+      </a:lvl8pPr>
+      <a:lvl9pPr eaLnBrk="1" hangingPunct="1">
+        <a:defRPr>
+          <a:solidFill>
+            <a:schemeClr val="tx2"/>
+          </a:solidFill>
+        </a:defRPr>
+      </a:lvl9pPr>
     </p:titleStyle>
     <p:bodyStyle>
-      <a:lvl1pPr marL="228600" indent="-228600" algn="l" defTabSz="914400" rtl="0" eaLnBrk="1" latinLnBrk="0" hangingPunct="1">
-        <a:lnSpc>
-          <a:spcPct val="90000"/>
-        </a:lnSpc>
+      <a:lvl1pPr marL="285750" indent="-285750" algn="l" defTabSz="457200" rtl="0" eaLnBrk="1" latinLnBrk="0" hangingPunct="1">
         <a:spcBef>
-          <a:spcPts val="1000"/>
+          <a:spcPct val="20000"/>
         </a:spcBef>
-        <a:buFont typeface="Arial" panose="020B0604020202020204" pitchFamily="34" charset="0"/>
+        <a:spcAft>
+          <a:spcPts val="600"/>
+        </a:spcAft>
+        <a:buClr>
+          <a:schemeClr val="accent1"/>
+        </a:buClr>
+        <a:buSzPct val="115000"/>
+        <a:buFont typeface="Arial"/>
         <a:buChar char="•"/>
-        <a:defRPr sz="2800" kern="1200">
+        <a:defRPr sz="2400" kern="1200" cap="none">
+          <a:solidFill>
+            <a:schemeClr val="tx1">
+              <a:lumMod val="85000"/>
+              <a:lumOff val="15000"/>
+            </a:schemeClr>
+          </a:solidFill>
+          <a:effectLst/>
+          <a:latin typeface="+mn-lt"/>
+          <a:ea typeface="+mn-ea"/>
+          <a:cs typeface="+mn-cs"/>
+        </a:defRPr>
+      </a:lvl1pPr>
+      <a:lvl2pPr marL="742950" indent="-285750" algn="l" defTabSz="457200" rtl="0" eaLnBrk="1" latinLnBrk="0" hangingPunct="1">
+        <a:spcBef>
+          <a:spcPct val="20000"/>
+        </a:spcBef>
+        <a:spcAft>
+          <a:spcPts val="600"/>
+        </a:spcAft>
+        <a:buClr>
+          <a:schemeClr val="accent1"/>
+        </a:buClr>
+        <a:buSzPct val="115000"/>
+        <a:buFont typeface="Arial"/>
+        <a:buChar char="•"/>
+        <a:defRPr sz="2000" kern="1200" cap="none">
+          <a:solidFill>
+            <a:schemeClr val="tx1">
+              <a:lumMod val="85000"/>
+              <a:lumOff val="15000"/>
+            </a:schemeClr>
+          </a:solidFill>
+          <a:effectLst/>
+          <a:latin typeface="+mn-lt"/>
+          <a:ea typeface="+mn-ea"/>
+          <a:cs typeface="+mn-cs"/>
+        </a:defRPr>
+      </a:lvl2pPr>
+      <a:lvl3pPr marL="1200150" indent="-285750" algn="l" defTabSz="457200" rtl="0" eaLnBrk="1" latinLnBrk="0" hangingPunct="1">
+        <a:spcBef>
+          <a:spcPct val="20000"/>
+        </a:spcBef>
+        <a:spcAft>
+          <a:spcPts val="600"/>
+        </a:spcAft>
+        <a:buClr>
+          <a:schemeClr val="accent1"/>
+        </a:buClr>
+        <a:buSzPct val="115000"/>
+        <a:buFont typeface="Arial"/>
+        <a:buChar char="•"/>
+        <a:defRPr sz="1800" kern="1200" cap="none">
+          <a:solidFill>
+            <a:schemeClr val="tx1">
+              <a:lumMod val="85000"/>
+              <a:lumOff val="15000"/>
+            </a:schemeClr>
+          </a:solidFill>
+          <a:effectLst/>
+          <a:latin typeface="+mn-lt"/>
+          <a:ea typeface="+mn-ea"/>
+          <a:cs typeface="+mn-cs"/>
+        </a:defRPr>
+      </a:lvl3pPr>
+      <a:lvl4pPr marL="1543050" indent="-171450" algn="l" defTabSz="457200" rtl="0" eaLnBrk="1" latinLnBrk="0" hangingPunct="1">
+        <a:spcBef>
+          <a:spcPct val="20000"/>
+        </a:spcBef>
+        <a:spcAft>
+          <a:spcPts val="600"/>
+        </a:spcAft>
+        <a:buClr>
+          <a:schemeClr val="accent1"/>
+        </a:buClr>
+        <a:buSzPct val="115000"/>
+        <a:buFont typeface="Arial"/>
+        <a:buChar char="•"/>
+        <a:defRPr sz="1600" kern="1200" cap="none">
+          <a:solidFill>
+            <a:schemeClr val="tx1">
+              <a:lumMod val="85000"/>
+              <a:lumOff val="15000"/>
+            </a:schemeClr>
+          </a:solidFill>
+          <a:effectLst/>
+          <a:latin typeface="+mn-lt"/>
+          <a:ea typeface="+mn-ea"/>
+          <a:cs typeface="+mn-cs"/>
+        </a:defRPr>
+      </a:lvl4pPr>
+      <a:lvl5pPr marL="2000250" indent="-171450" algn="l" defTabSz="457200" rtl="0" eaLnBrk="1" latinLnBrk="0" hangingPunct="1">
+        <a:spcBef>
+          <a:spcPct val="20000"/>
+        </a:spcBef>
+        <a:spcAft>
+          <a:spcPts val="600"/>
+        </a:spcAft>
+        <a:buClr>
+          <a:schemeClr val="accent1"/>
+        </a:buClr>
+        <a:buSzPct val="115000"/>
+        <a:buFont typeface="Arial"/>
+        <a:buChar char="•"/>
+        <a:defRPr sz="1400" kern="1200" cap="none">
+          <a:solidFill>
+            <a:schemeClr val="tx1">
+              <a:lumMod val="85000"/>
+              <a:lumOff val="15000"/>
+            </a:schemeClr>
+          </a:solidFill>
+          <a:effectLst/>
+          <a:latin typeface="+mn-lt"/>
+          <a:ea typeface="+mn-ea"/>
+          <a:cs typeface="+mn-cs"/>
+        </a:defRPr>
+      </a:lvl5pPr>
+      <a:lvl6pPr marL="2514600" indent="-228600" algn="l" defTabSz="457200" rtl="0" eaLnBrk="1" latinLnBrk="0" hangingPunct="1">
+        <a:spcBef>
+          <a:spcPct val="20000"/>
+        </a:spcBef>
+        <a:spcAft>
+          <a:spcPts val="600"/>
+        </a:spcAft>
+        <a:buClr>
+          <a:schemeClr val="accent1"/>
+        </a:buClr>
+        <a:buSzPct val="115000"/>
+        <a:buFont typeface="Arial"/>
+        <a:buChar char="•"/>
+        <a:defRPr sz="1400" kern="1200" cap="none">
+          <a:solidFill>
+            <a:schemeClr val="tx1">
+              <a:lumMod val="85000"/>
+              <a:lumOff val="15000"/>
+            </a:schemeClr>
+          </a:solidFill>
+          <a:effectLst/>
+          <a:latin typeface="+mn-lt"/>
+          <a:ea typeface="+mn-ea"/>
+          <a:cs typeface="+mn-cs"/>
+        </a:defRPr>
+      </a:lvl6pPr>
+      <a:lvl7pPr marL="2971800" indent="-228600" algn="l" defTabSz="457200" rtl="0" eaLnBrk="1" latinLnBrk="0" hangingPunct="1">
+        <a:spcBef>
+          <a:spcPct val="20000"/>
+        </a:spcBef>
+        <a:spcAft>
+          <a:spcPts val="600"/>
+        </a:spcAft>
+        <a:buClr>
+          <a:schemeClr val="accent1"/>
+        </a:buClr>
+        <a:buSzPct val="115000"/>
+        <a:buFont typeface="Arial"/>
+        <a:buChar char="•"/>
+        <a:defRPr sz="1400" kern="1200" cap="none">
+          <a:solidFill>
+            <a:schemeClr val="tx1">
+              <a:lumMod val="85000"/>
+              <a:lumOff val="15000"/>
+            </a:schemeClr>
+          </a:solidFill>
+          <a:effectLst/>
+          <a:latin typeface="+mn-lt"/>
+          <a:ea typeface="+mn-ea"/>
+          <a:cs typeface="+mn-cs"/>
+        </a:defRPr>
+      </a:lvl7pPr>
+      <a:lvl8pPr marL="3429000" indent="-228600" algn="l" defTabSz="457200" rtl="0" eaLnBrk="1" latinLnBrk="0" hangingPunct="1">
+        <a:spcBef>
+          <a:spcPct val="20000"/>
+        </a:spcBef>
+        <a:spcAft>
+          <a:spcPts val="600"/>
+        </a:spcAft>
+        <a:buClr>
+          <a:schemeClr val="accent1"/>
+        </a:buClr>
+        <a:buSzPct val="115000"/>
+        <a:buFont typeface="Arial"/>
+        <a:buChar char="•"/>
+        <a:defRPr sz="1400" kern="1200" cap="none">
+          <a:solidFill>
+            <a:schemeClr val="tx1">
+              <a:lumMod val="85000"/>
+              <a:lumOff val="15000"/>
+            </a:schemeClr>
+          </a:solidFill>
+          <a:effectLst/>
+          <a:latin typeface="+mn-lt"/>
+          <a:ea typeface="+mn-ea"/>
+          <a:cs typeface="+mn-cs"/>
+        </a:defRPr>
+      </a:lvl8pPr>
+      <a:lvl9pPr marL="3886200" indent="-228600" algn="l" defTabSz="457200" rtl="0" eaLnBrk="1" latinLnBrk="0" hangingPunct="1">
+        <a:spcBef>
+          <a:spcPct val="20000"/>
+        </a:spcBef>
+        <a:spcAft>
+          <a:spcPts val="600"/>
+        </a:spcAft>
+        <a:buClr>
+          <a:schemeClr val="accent1"/>
+        </a:buClr>
+        <a:buSzPct val="115000"/>
+        <a:buFont typeface="Arial"/>
+        <a:buChar char="•"/>
+        <a:defRPr sz="1400" kern="1200" cap="none">
+          <a:solidFill>
+            <a:schemeClr val="tx1">
+              <a:lumMod val="85000"/>
+              <a:lumOff val="15000"/>
+            </a:schemeClr>
+          </a:solidFill>
+          <a:effectLst/>
+          <a:latin typeface="+mn-lt"/>
+          <a:ea typeface="+mn-ea"/>
+          <a:cs typeface="+mn-cs"/>
+        </a:defRPr>
+      </a:lvl9pPr>
+    </p:bodyStyle>
+    <p:otherStyle>
+      <a:defPPr>
+        <a:defRPr lang="en-US"/>
+      </a:defPPr>
+      <a:lvl1pPr marL="0" algn="l" defTabSz="457200" rtl="0" eaLnBrk="1" latinLnBrk="0" hangingPunct="1">
+        <a:defRPr sz="1800" kern="1200">
           <a:solidFill>
             <a:schemeClr val="tx1"/>
           </a:solidFill>
@@ -3063,16 +5773,8 @@
           <a:cs typeface="+mn-cs"/>
         </a:defRPr>
       </a:lvl1pPr>
-      <a:lvl2pPr marL="685800" indent="-228600" algn="l" defTabSz="914400" rtl="0" eaLnBrk="1" latinLnBrk="0" hangingPunct="1">
-        <a:lnSpc>
-          <a:spcPct val="90000"/>
-        </a:lnSpc>
-        <a:spcBef>
-          <a:spcPts val="500"/>
-        </a:spcBef>
-        <a:buFont typeface="Arial" panose="020B0604020202020204" pitchFamily="34" charset="0"/>
-        <a:buChar char="•"/>
-        <a:defRPr sz="2400" kern="1200">
+      <a:lvl2pPr marL="457200" algn="l" defTabSz="457200" rtl="0" eaLnBrk="1" latinLnBrk="0" hangingPunct="1">
+        <a:defRPr sz="1800" kern="1200">
           <a:solidFill>
             <a:schemeClr val="tx1"/>
           </a:solidFill>
@@ -3081,16 +5783,8 @@
           <a:cs typeface="+mn-cs"/>
         </a:defRPr>
       </a:lvl2pPr>
-      <a:lvl3pPr marL="1143000" indent="-228600" algn="l" defTabSz="914400" rtl="0" eaLnBrk="1" latinLnBrk="0" hangingPunct="1">
-        <a:lnSpc>
-          <a:spcPct val="90000"/>
-        </a:lnSpc>
-        <a:spcBef>
-          <a:spcPts val="500"/>
-        </a:spcBef>
-        <a:buFont typeface="Arial" panose="020B0604020202020204" pitchFamily="34" charset="0"/>
-        <a:buChar char="•"/>
-        <a:defRPr sz="2000" kern="1200">
+      <a:lvl3pPr marL="914400" algn="l" defTabSz="457200" rtl="0" eaLnBrk="1" latinLnBrk="0" hangingPunct="1">
+        <a:defRPr sz="1800" kern="1200">
           <a:solidFill>
             <a:schemeClr val="tx1"/>
           </a:solidFill>
@@ -3099,15 +5793,7 @@
           <a:cs typeface="+mn-cs"/>
         </a:defRPr>
       </a:lvl3pPr>
-      <a:lvl4pPr marL="1600200" indent="-228600" algn="l" defTabSz="914400" rtl="0" eaLnBrk="1" latinLnBrk="0" hangingPunct="1">
-        <a:lnSpc>
-          <a:spcPct val="90000"/>
-        </a:lnSpc>
-        <a:spcBef>
-          <a:spcPts val="500"/>
-        </a:spcBef>
-        <a:buFont typeface="Arial" panose="020B0604020202020204" pitchFamily="34" charset="0"/>
-        <a:buChar char="•"/>
+      <a:lvl4pPr marL="1371600" algn="l" defTabSz="457200" rtl="0" eaLnBrk="1" latinLnBrk="0" hangingPunct="1">
         <a:defRPr sz="1800" kern="1200">
           <a:solidFill>
             <a:schemeClr val="tx1"/>
@@ -3117,15 +5803,7 @@
           <a:cs typeface="+mn-cs"/>
         </a:defRPr>
       </a:lvl4pPr>
-      <a:lvl5pPr marL="2057400" indent="-228600" algn="l" defTabSz="914400" rtl="0" eaLnBrk="1" latinLnBrk="0" hangingPunct="1">
-        <a:lnSpc>
-          <a:spcPct val="90000"/>
-        </a:lnSpc>
-        <a:spcBef>
-          <a:spcPts val="500"/>
-        </a:spcBef>
-        <a:buFont typeface="Arial" panose="020B0604020202020204" pitchFamily="34" charset="0"/>
-        <a:buChar char="•"/>
+      <a:lvl5pPr marL="1828800" algn="l" defTabSz="457200" rtl="0" eaLnBrk="1" latinLnBrk="0" hangingPunct="1">
         <a:defRPr sz="1800" kern="1200">
           <a:solidFill>
             <a:schemeClr val="tx1"/>
@@ -3135,15 +5813,7 @@
           <a:cs typeface="+mn-cs"/>
         </a:defRPr>
       </a:lvl5pPr>
-      <a:lvl6pPr marL="2514600" indent="-228600" algn="l" defTabSz="914400" rtl="0" eaLnBrk="1" latinLnBrk="0" hangingPunct="1">
-        <a:lnSpc>
-          <a:spcPct val="90000"/>
-        </a:lnSpc>
-        <a:spcBef>
-          <a:spcPts val="500"/>
-        </a:spcBef>
-        <a:buFont typeface="Arial" panose="020B0604020202020204" pitchFamily="34" charset="0"/>
-        <a:buChar char="•"/>
+      <a:lvl6pPr marL="2286000" algn="l" defTabSz="457200" rtl="0" eaLnBrk="1" latinLnBrk="0" hangingPunct="1">
         <a:defRPr sz="1800" kern="1200">
           <a:solidFill>
             <a:schemeClr val="tx1"/>
@@ -3153,15 +5823,7 @@
           <a:cs typeface="+mn-cs"/>
         </a:defRPr>
       </a:lvl6pPr>
-      <a:lvl7pPr marL="2971800" indent="-228600" algn="l" defTabSz="914400" rtl="0" eaLnBrk="1" latinLnBrk="0" hangingPunct="1">
-        <a:lnSpc>
-          <a:spcPct val="90000"/>
-        </a:lnSpc>
-        <a:spcBef>
-          <a:spcPts val="500"/>
-        </a:spcBef>
-        <a:buFont typeface="Arial" panose="020B0604020202020204" pitchFamily="34" charset="0"/>
-        <a:buChar char="•"/>
+      <a:lvl7pPr marL="2743200" algn="l" defTabSz="457200" rtl="0" eaLnBrk="1" latinLnBrk="0" hangingPunct="1">
         <a:defRPr sz="1800" kern="1200">
           <a:solidFill>
             <a:schemeClr val="tx1"/>
@@ -3171,15 +5833,7 @@
           <a:cs typeface="+mn-cs"/>
         </a:defRPr>
       </a:lvl7pPr>
-      <a:lvl8pPr marL="3429000" indent="-228600" algn="l" defTabSz="914400" rtl="0" eaLnBrk="1" latinLnBrk="0" hangingPunct="1">
-        <a:lnSpc>
-          <a:spcPct val="90000"/>
-        </a:lnSpc>
-        <a:spcBef>
-          <a:spcPts val="500"/>
-        </a:spcBef>
-        <a:buFont typeface="Arial" panose="020B0604020202020204" pitchFamily="34" charset="0"/>
-        <a:buChar char="•"/>
+      <a:lvl8pPr marL="3200400" algn="l" defTabSz="457200" rtl="0" eaLnBrk="1" latinLnBrk="0" hangingPunct="1">
         <a:defRPr sz="1800" kern="1200">
           <a:solidFill>
             <a:schemeClr val="tx1"/>
@@ -3189,110 +5843,7 @@
           <a:cs typeface="+mn-cs"/>
         </a:defRPr>
       </a:lvl8pPr>
-      <a:lvl9pPr marL="3886200" indent="-228600" algn="l" defTabSz="914400" rtl="0" eaLnBrk="1" latinLnBrk="0" hangingPunct="1">
-        <a:lnSpc>
-          <a:spcPct val="90000"/>
-        </a:lnSpc>
-        <a:spcBef>
-          <a:spcPts val="500"/>
-        </a:spcBef>
-        <a:buFont typeface="Arial" panose="020B0604020202020204" pitchFamily="34" charset="0"/>
-        <a:buChar char="•"/>
-        <a:defRPr sz="1800" kern="1200">
-          <a:solidFill>
-            <a:schemeClr val="tx1"/>
-          </a:solidFill>
-          <a:latin typeface="+mn-lt"/>
-          <a:ea typeface="+mn-ea"/>
-          <a:cs typeface="+mn-cs"/>
-        </a:defRPr>
-      </a:lvl9pPr>
-    </p:bodyStyle>
-    <p:otherStyle>
-      <a:defPPr>
-        <a:defRPr lang="ru-RU"/>
-      </a:defPPr>
-      <a:lvl1pPr marL="0" algn="l" defTabSz="914400" rtl="0" eaLnBrk="1" latinLnBrk="0" hangingPunct="1">
-        <a:defRPr sz="1800" kern="1200">
-          <a:solidFill>
-            <a:schemeClr val="tx1"/>
-          </a:solidFill>
-          <a:latin typeface="+mn-lt"/>
-          <a:ea typeface="+mn-ea"/>
-          <a:cs typeface="+mn-cs"/>
-        </a:defRPr>
-      </a:lvl1pPr>
-      <a:lvl2pPr marL="457200" algn="l" defTabSz="914400" rtl="0" eaLnBrk="1" latinLnBrk="0" hangingPunct="1">
-        <a:defRPr sz="1800" kern="1200">
-          <a:solidFill>
-            <a:schemeClr val="tx1"/>
-          </a:solidFill>
-          <a:latin typeface="+mn-lt"/>
-          <a:ea typeface="+mn-ea"/>
-          <a:cs typeface="+mn-cs"/>
-        </a:defRPr>
-      </a:lvl2pPr>
-      <a:lvl3pPr marL="914400" algn="l" defTabSz="914400" rtl="0" eaLnBrk="1" latinLnBrk="0" hangingPunct="1">
-        <a:defRPr sz="1800" kern="1200">
-          <a:solidFill>
-            <a:schemeClr val="tx1"/>
-          </a:solidFill>
-          <a:latin typeface="+mn-lt"/>
-          <a:ea typeface="+mn-ea"/>
-          <a:cs typeface="+mn-cs"/>
-        </a:defRPr>
-      </a:lvl3pPr>
-      <a:lvl4pPr marL="1371600" algn="l" defTabSz="914400" rtl="0" eaLnBrk="1" latinLnBrk="0" hangingPunct="1">
-        <a:defRPr sz="1800" kern="1200">
-          <a:solidFill>
-            <a:schemeClr val="tx1"/>
-          </a:solidFill>
-          <a:latin typeface="+mn-lt"/>
-          <a:ea typeface="+mn-ea"/>
-          <a:cs typeface="+mn-cs"/>
-        </a:defRPr>
-      </a:lvl4pPr>
-      <a:lvl5pPr marL="1828800" algn="l" defTabSz="914400" rtl="0" eaLnBrk="1" latinLnBrk="0" hangingPunct="1">
-        <a:defRPr sz="1800" kern="1200">
-          <a:solidFill>
-            <a:schemeClr val="tx1"/>
-          </a:solidFill>
-          <a:latin typeface="+mn-lt"/>
-          <a:ea typeface="+mn-ea"/>
-          <a:cs typeface="+mn-cs"/>
-        </a:defRPr>
-      </a:lvl5pPr>
-      <a:lvl6pPr marL="2286000" algn="l" defTabSz="914400" rtl="0" eaLnBrk="1" latinLnBrk="0" hangingPunct="1">
-        <a:defRPr sz="1800" kern="1200">
-          <a:solidFill>
-            <a:schemeClr val="tx1"/>
-          </a:solidFill>
-          <a:latin typeface="+mn-lt"/>
-          <a:ea typeface="+mn-ea"/>
-          <a:cs typeface="+mn-cs"/>
-        </a:defRPr>
-      </a:lvl6pPr>
-      <a:lvl7pPr marL="2743200" algn="l" defTabSz="914400" rtl="0" eaLnBrk="1" latinLnBrk="0" hangingPunct="1">
-        <a:defRPr sz="1800" kern="1200">
-          <a:solidFill>
-            <a:schemeClr val="tx1"/>
-          </a:solidFill>
-          <a:latin typeface="+mn-lt"/>
-          <a:ea typeface="+mn-ea"/>
-          <a:cs typeface="+mn-cs"/>
-        </a:defRPr>
-      </a:lvl7pPr>
-      <a:lvl8pPr marL="3200400" algn="l" defTabSz="914400" rtl="0" eaLnBrk="1" latinLnBrk="0" hangingPunct="1">
-        <a:defRPr sz="1800" kern="1200">
-          <a:solidFill>
-            <a:schemeClr val="tx1"/>
-          </a:solidFill>
-          <a:latin typeface="+mn-lt"/>
-          <a:ea typeface="+mn-ea"/>
-          <a:cs typeface="+mn-cs"/>
-        </a:defRPr>
-      </a:lvl8pPr>
-      <a:lvl9pPr marL="3657600" algn="l" defTabSz="914400" rtl="0" eaLnBrk="1" latinLnBrk="0" hangingPunct="1">
+      <a:lvl9pPr marL="3657600" algn="l" defTabSz="457200" rtl="0" eaLnBrk="1" latinLnBrk="0" hangingPunct="1">
         <a:defRPr sz="1800" kern="1200">
           <a:solidFill>
             <a:schemeClr val="tx1"/>
@@ -3471,7 +6022,9 @@
         </p:nvSpPr>
         <p:spPr/>
         <p:txBody>
-          <a:bodyPr/>
+          <a:bodyPr>
+            <a:normAutofit lnSpcReduction="10000"/>
+          </a:bodyPr>
           <a:lstStyle/>
           <a:p>
             <a:r>
@@ -3677,7 +6230,9 @@
         </p:nvSpPr>
         <p:spPr/>
         <p:txBody>
-          <a:bodyPr/>
+          <a:bodyPr>
+            <a:normAutofit lnSpcReduction="10000"/>
+          </a:bodyPr>
           <a:lstStyle/>
           <a:p>
             <a:pPr marL="0" indent="0">
@@ -3926,9 +6481,9 @@
 </file>
 
 <file path=ppt/theme/theme1.xml><?xml version="1.0" encoding="utf-8"?>
-<a:theme xmlns:a="http://schemas.openxmlformats.org/drawingml/2006/main" name="Тема Office">
+<a:theme xmlns:a="http://schemas.openxmlformats.org/drawingml/2006/main" name="Натуральные материалы">
   <a:themeElements>
-    <a:clrScheme name="Стандартная">
+    <a:clrScheme name="Натуральные материалы">
       <a:dk1>
         <a:sysClr val="windowText" lastClr="000000"/>
       </a:dk1>
@@ -3936,44 +6491,79 @@
         <a:sysClr val="window" lastClr="FFFFFF"/>
       </a:lt1>
       <a:dk2>
-        <a:srgbClr val="44546A"/>
+        <a:srgbClr val="212121"/>
       </a:dk2>
       <a:lt2>
-        <a:srgbClr val="E7E6E6"/>
+        <a:srgbClr val="DADADA"/>
       </a:lt2>
       <a:accent1>
-        <a:srgbClr val="4472C4"/>
+        <a:srgbClr val="83992A"/>
       </a:accent1>
       <a:accent2>
-        <a:srgbClr val="ED7D31"/>
+        <a:srgbClr val="3C9770"/>
       </a:accent2>
       <a:accent3>
-        <a:srgbClr val="A5A5A5"/>
+        <a:srgbClr val="44709D"/>
       </a:accent3>
       <a:accent4>
-        <a:srgbClr val="FFC000"/>
+        <a:srgbClr val="A23C33"/>
       </a:accent4>
       <a:accent5>
-        <a:srgbClr val="5B9BD5"/>
+        <a:srgbClr val="D97828"/>
       </a:accent5>
       <a:accent6>
-        <a:srgbClr val="70AD47"/>
+        <a:srgbClr val="DEB340"/>
       </a:accent6>
       <a:hlink>
-        <a:srgbClr val="0563C1"/>
+        <a:srgbClr val="A8BF4D"/>
       </a:hlink>
       <a:folHlink>
-        <a:srgbClr val="954F72"/>
+        <a:srgbClr val="B4CA80"/>
       </a:folHlink>
     </a:clrScheme>
-    <a:fontScheme name="Стандартная">
+    <a:fontScheme name="Натуральные материалы">
       <a:majorFont>
-        <a:latin typeface="Calibri Light" panose="020F0302020204030204"/>
+        <a:latin typeface="Garamond" panose="02020404030301010803"/>
         <a:ea typeface=""/>
         <a:cs typeface=""/>
-        <a:font script="Jpan" typeface="游ゴシック Light"/>
-        <a:font script="Hang" typeface="맑은 고딕"/>
-        <a:font script="Hans" typeface="等线 Light"/>
+        <a:font script="Jpan" typeface="ＭＳ Ｐゴシック"/>
+        <a:font script="Hang" typeface="돋움"/>
+        <a:font script="Hans" typeface="方正舒体"/>
+        <a:font script="Hant" typeface="微軟正黑體"/>
+        <a:font script="Arab" typeface="Arial"/>
+        <a:font script="Hebr" typeface="Arial"/>
+        <a:font script="Thai" typeface="Cordia New"/>
+        <a:font script="Ethi" typeface="Nyala"/>
+        <a:font script="Beng" typeface="Vrinda"/>
+        <a:font script="Gujr" typeface="Shruti"/>
+        <a:font script="Khmr" typeface="DaunPenh"/>
+        <a:font script="Knda" typeface="Tunga"/>
+        <a:font script="Guru" typeface="Raavi"/>
+        <a:font script="Cans" typeface="Euphemia"/>
+        <a:font script="Cher" typeface="Plantagenet Cherokee"/>
+        <a:font script="Yiii" typeface="Microsoft Yi Baiti"/>
+        <a:font script="Tibt" typeface="Microsoft Himalaya"/>
+        <a:font script="Thaa" typeface="MV Boli"/>
+        <a:font script="Deva" typeface="Mangal"/>
+        <a:font script="Telu" typeface="Gautami"/>
+        <a:font script="Taml" typeface="Latha"/>
+        <a:font script="Syrc" typeface="Estrangelo Edessa"/>
+        <a:font script="Orya" typeface="Kalinga"/>
+        <a:font script="Mlym" typeface="Kartika"/>
+        <a:font script="Laoo" typeface="DokChampa"/>
+        <a:font script="Sinh" typeface="Iskoola Pota"/>
+        <a:font script="Mong" typeface="Mongolian Baiti"/>
+        <a:font script="Viet" typeface="Arial"/>
+        <a:font script="Uigh" typeface="Microsoft Uighur"/>
+        <a:font script="Geor" typeface="Sylfaen"/>
+      </a:majorFont>
+      <a:minorFont>
+        <a:latin typeface="Garamond" panose="02020404030301010803"/>
+        <a:ea typeface=""/>
+        <a:cs typeface=""/>
+        <a:font script="Jpan" typeface="ＭＳ Ｐ明朝"/>
+        <a:font script="Hang" typeface="바탕"/>
+        <a:font script="Hans" typeface="方正舒体"/>
         <a:font script="Hant" typeface="新細明體"/>
         <a:font script="Arab" typeface="Times New Roman"/>
         <a:font script="Hebr" typeface="Times New Roman"/>
@@ -4001,78 +6591,9 @@
         <a:font script="Viet" typeface="Times New Roman"/>
         <a:font script="Uigh" typeface="Microsoft Uighur"/>
         <a:font script="Geor" typeface="Sylfaen"/>
-        <a:font script="Armn" typeface="Arial"/>
-        <a:font script="Bugi" typeface="Leelawadee UI"/>
-        <a:font script="Bopo" typeface="Microsoft JhengHei"/>
-        <a:font script="Java" typeface="Javanese Text"/>
-        <a:font script="Lisu" typeface="Segoe UI"/>
-        <a:font script="Mymr" typeface="Myanmar Text"/>
-        <a:font script="Nkoo" typeface="Ebrima"/>
-        <a:font script="Olck" typeface="Nirmala UI"/>
-        <a:font script="Osma" typeface="Ebrima"/>
-        <a:font script="Phag" typeface="Phagspa"/>
-        <a:font script="Syrn" typeface="Estrangelo Edessa"/>
-        <a:font script="Syrj" typeface="Estrangelo Edessa"/>
-        <a:font script="Syre" typeface="Estrangelo Edessa"/>
-        <a:font script="Sora" typeface="Nirmala UI"/>
-        <a:font script="Tale" typeface="Microsoft Tai Le"/>
-        <a:font script="Talu" typeface="Microsoft New Tai Lue"/>
-        <a:font script="Tfng" typeface="Ebrima"/>
-      </a:majorFont>
-      <a:minorFont>
-        <a:latin typeface="Calibri" panose="020F0502020204030204"/>
-        <a:ea typeface=""/>
-        <a:cs typeface=""/>
-        <a:font script="Jpan" typeface="游ゴシック"/>
-        <a:font script="Hang" typeface="맑은 고딕"/>
-        <a:font script="Hans" typeface="等线"/>
-        <a:font script="Hant" typeface="新細明體"/>
-        <a:font script="Arab" typeface="Arial"/>
-        <a:font script="Hebr" typeface="Arial"/>
-        <a:font script="Thai" typeface="Cordia New"/>
-        <a:font script="Ethi" typeface="Nyala"/>
-        <a:font script="Beng" typeface="Vrinda"/>
-        <a:font script="Gujr" typeface="Shruti"/>
-        <a:font script="Khmr" typeface="DaunPenh"/>
-        <a:font script="Knda" typeface="Tunga"/>
-        <a:font script="Guru" typeface="Raavi"/>
-        <a:font script="Cans" typeface="Euphemia"/>
-        <a:font script="Cher" typeface="Plantagenet Cherokee"/>
-        <a:font script="Yiii" typeface="Microsoft Yi Baiti"/>
-        <a:font script="Tibt" typeface="Microsoft Himalaya"/>
-        <a:font script="Thaa" typeface="MV Boli"/>
-        <a:font script="Deva" typeface="Mangal"/>
-        <a:font script="Telu" typeface="Gautami"/>
-        <a:font script="Taml" typeface="Latha"/>
-        <a:font script="Syrc" typeface="Estrangelo Edessa"/>
-        <a:font script="Orya" typeface="Kalinga"/>
-        <a:font script="Mlym" typeface="Kartika"/>
-        <a:font script="Laoo" typeface="DokChampa"/>
-        <a:font script="Sinh" typeface="Iskoola Pota"/>
-        <a:font script="Mong" typeface="Mongolian Baiti"/>
-        <a:font script="Viet" typeface="Arial"/>
-        <a:font script="Uigh" typeface="Microsoft Uighur"/>
-        <a:font script="Geor" typeface="Sylfaen"/>
-        <a:font script="Armn" typeface="Arial"/>
-        <a:font script="Bugi" typeface="Leelawadee UI"/>
-        <a:font script="Bopo" typeface="Microsoft JhengHei"/>
-        <a:font script="Java" typeface="Javanese Text"/>
-        <a:font script="Lisu" typeface="Segoe UI"/>
-        <a:font script="Mymr" typeface="Myanmar Text"/>
-        <a:font script="Nkoo" typeface="Ebrima"/>
-        <a:font script="Olck" typeface="Nirmala UI"/>
-        <a:font script="Osma" typeface="Ebrima"/>
-        <a:font script="Phag" typeface="Phagspa"/>
-        <a:font script="Syrn" typeface="Estrangelo Edessa"/>
-        <a:font script="Syrj" typeface="Estrangelo Edessa"/>
-        <a:font script="Syre" typeface="Estrangelo Edessa"/>
-        <a:font script="Sora" typeface="Nirmala UI"/>
-        <a:font script="Tale" typeface="Microsoft Tai Le"/>
-        <a:font script="Talu" typeface="Microsoft New Tai Lue"/>
-        <a:font script="Tfng" typeface="Ebrima"/>
       </a:minorFont>
     </a:fontScheme>
-    <a:fmtScheme name="Стандартная">
+    <a:fmtScheme name="Натуральные материалы">
       <a:fillStyleLst>
         <a:solidFill>
           <a:schemeClr val="phClr"/>
@@ -4081,76 +6602,54 @@
           <a:gsLst>
             <a:gs pos="0">
               <a:schemeClr val="phClr">
+                <a:tint val="60000"/>
                 <a:lumMod val="110000"/>
-                <a:satMod val="105000"/>
-                <a:tint val="67000"/>
-              </a:schemeClr>
-            </a:gs>
-            <a:gs pos="50000">
-              <a:schemeClr val="phClr">
-                <a:lumMod val="105000"/>
-                <a:satMod val="103000"/>
-                <a:tint val="73000"/>
               </a:schemeClr>
             </a:gs>
             <a:gs pos="100000">
               <a:schemeClr val="phClr">
-                <a:lumMod val="105000"/>
-                <a:satMod val="109000"/>
-                <a:tint val="81000"/>
+                <a:tint val="82000"/>
               </a:schemeClr>
             </a:gs>
           </a:gsLst>
           <a:lin ang="5400000" scaled="0"/>
         </a:gradFill>
-        <a:gradFill rotWithShape="1">
-          <a:gsLst>
-            <a:gs pos="0">
+        <a:blipFill>
+          <a:blip xmlns:r="http://schemas.openxmlformats.org/officeDocument/2006/relationships" r:embed="rId1">
+            <a:duotone>
               <a:schemeClr val="phClr">
-                <a:satMod val="103000"/>
-                <a:lumMod val="102000"/>
+                <a:shade val="74000"/>
+                <a:satMod val="130000"/>
+                <a:lumMod val="90000"/>
+              </a:schemeClr>
+              <a:schemeClr val="phClr">
                 <a:tint val="94000"/>
+                <a:satMod val="120000"/>
+                <a:lumMod val="104000"/>
               </a:schemeClr>
-            </a:gs>
-            <a:gs pos="50000">
-              <a:schemeClr val="phClr">
-                <a:satMod val="110000"/>
-                <a:lumMod val="100000"/>
-                <a:shade val="100000"/>
-              </a:schemeClr>
-            </a:gs>
-            <a:gs pos="100000">
-              <a:schemeClr val="phClr">
-                <a:lumMod val="99000"/>
-                <a:satMod val="120000"/>
-                <a:shade val="78000"/>
-              </a:schemeClr>
-            </a:gs>
-          </a:gsLst>
-          <a:lin ang="5400000" scaled="0"/>
-        </a:gradFill>
+            </a:duotone>
+          </a:blip>
+          <a:tile tx="0" ty="0" sx="100000" sy="100000" flip="none" algn="tl"/>
+        </a:blipFill>
       </a:fillStyleLst>
       <a:lnStyleLst>
-        <a:ln w="6350" cap="flat" cmpd="sng" algn="ctr">
+        <a:ln w="9525" cap="flat" cmpd="sng" algn="ctr">
           <a:solidFill>
             <a:schemeClr val="phClr"/>
           </a:solidFill>
           <a:prstDash val="solid"/>
-          <a:miter lim="800000"/>
         </a:ln>
-        <a:ln w="12700" cap="flat" cmpd="sng" algn="ctr">
+        <a:ln w="15875" cap="flat" cmpd="sng" algn="ctr">
           <a:solidFill>
             <a:schemeClr val="phClr"/>
           </a:solidFill>
           <a:prstDash val="solid"/>
-          <a:miter lim="800000"/>
         </a:ln>
-        <a:ln w="19050" cap="flat" cmpd="sng" algn="ctr">
+        <a:ln w="25400" cap="flat" cmpd="sng" algn="ctr">
           <a:solidFill>
             <a:schemeClr val="phClr"/>
           </a:solidFill>
           <a:prstDash val="solid"/>
-          <a:miter lim="800000"/>
         </a:ln>
       </a:lnStyleLst>
       <a:effectStyleLst>
@@ -4158,13 +6657,19 @@
           <a:effectLst/>
         </a:effectStyle>
         <a:effectStyle>
-          <a:effectLst/>
+          <a:effectLst>
+            <a:innerShdw blurRad="25400" dist="12700" dir="13500000">
+              <a:srgbClr val="000000">
+                <a:alpha val="45000"/>
+              </a:srgbClr>
+            </a:innerShdw>
+          </a:effectLst>
         </a:effectStyle>
         <a:effectStyle>
           <a:effectLst>
-            <a:outerShdw blurRad="57150" dist="19050" dir="5400000" algn="ctr" rotWithShape="0">
+            <a:outerShdw blurRad="38100" dist="25400" dir="5400000" rotWithShape="0">
               <a:srgbClr val="000000">
-                <a:alpha val="63000"/>
+                <a:alpha val="60000"/>
               </a:srgbClr>
             </a:outerShdw>
           </a:effectLst>
@@ -4174,39 +6679,27 @@
         <a:solidFill>
           <a:schemeClr val="phClr"/>
         </a:solidFill>
-        <a:solidFill>
-          <a:schemeClr val="phClr">
-            <a:tint val="95000"/>
-            <a:satMod val="170000"/>
-          </a:schemeClr>
-        </a:solidFill>
         <a:gradFill rotWithShape="1">
           <a:gsLst>
             <a:gs pos="0">
               <a:schemeClr val="phClr">
-                <a:tint val="93000"/>
-                <a:satMod val="150000"/>
-                <a:shade val="98000"/>
-                <a:lumMod val="102000"/>
-              </a:schemeClr>
-            </a:gs>
-            <a:gs pos="50000">
-              <a:schemeClr val="phClr">
-                <a:tint val="98000"/>
-                <a:satMod val="130000"/>
-                <a:shade val="90000"/>
-                <a:lumMod val="103000"/>
+                <a:tint val="90000"/>
+                <a:lumMod val="110000"/>
               </a:schemeClr>
             </a:gs>
             <a:gs pos="100000">
               <a:schemeClr val="phClr">
-                <a:shade val="63000"/>
-                <a:satMod val="120000"/>
+                <a:shade val="88000"/>
+                <a:lumMod val="98000"/>
               </a:schemeClr>
             </a:gs>
           </a:gsLst>
           <a:lin ang="5400000" scaled="0"/>
         </a:gradFill>
+        <a:blipFill>
+          <a:blip xmlns:r="http://schemas.openxmlformats.org/officeDocument/2006/relationships" r:embed="rId2"/>
+          <a:stretch/>
+        </a:blipFill>
       </a:bgFillStyleLst>
     </a:fmtScheme>
   </a:themeElements>
@@ -4214,7 +6707,7 @@
   <a:extraClrSchemeLst/>
   <a:extLst>
     <a:ext uri="{05A4C25C-085E-4340-85A3-A5531E510DB2}">
-      <thm15:themeFamily xmlns:thm15="http://schemas.microsoft.com/office/thememl/2012/main" name="Office Theme" id="{62F939B6-93AF-4DB8-9C6B-D6C7DFDC589F}" vid="{4A3C46E8-61CC-4603-A589-7422A47A8E4A}"/>
+      <thm15:themeFamily xmlns:thm15="http://schemas.microsoft.com/office/thememl/2012/main" name="Organic" id="{28CDC826-8792-45C0-861B-85EB3ADEDA33}" vid="{7DAC20F1-423D-49E2-BD0B-50532748BAD0}"/>
     </a:ext>
   </a:extLst>
 </a:theme>
